--- a/Capstone_Presentation_Climate.pptx
+++ b/Capstone_Presentation_Climate.pptx
@@ -276,7 +276,7 @@
           <a:p>
             <a:fld id="{6D7DEBBB-8302-41A0-A65F-C5E9FD2281CA}" type="datetimeFigureOut">
               <a:rPr lang="en-US" smtClean="0"/>
-              <a:t>3/28/2021</a:t>
+              <a:t>4/10/2021</a:t>
             </a:fld>
             <a:endParaRPr lang="en-US"/>
           </a:p>
@@ -474,7 +474,7 @@
           <a:p>
             <a:fld id="{6D7DEBBB-8302-41A0-A65F-C5E9FD2281CA}" type="datetimeFigureOut">
               <a:rPr lang="en-US" smtClean="0"/>
-              <a:t>3/28/2021</a:t>
+              <a:t>4/10/2021</a:t>
             </a:fld>
             <a:endParaRPr lang="en-US"/>
           </a:p>
@@ -682,7 +682,7 @@
           <a:p>
             <a:fld id="{6D7DEBBB-8302-41A0-A65F-C5E9FD2281CA}" type="datetimeFigureOut">
               <a:rPr lang="en-US" smtClean="0"/>
-              <a:t>3/28/2021</a:t>
+              <a:t>4/10/2021</a:t>
             </a:fld>
             <a:endParaRPr lang="en-US"/>
           </a:p>
@@ -880,7 +880,7 @@
           <a:p>
             <a:fld id="{6D7DEBBB-8302-41A0-A65F-C5E9FD2281CA}" type="datetimeFigureOut">
               <a:rPr lang="en-US" smtClean="0"/>
-              <a:t>3/28/2021</a:t>
+              <a:t>4/10/2021</a:t>
             </a:fld>
             <a:endParaRPr lang="en-US"/>
           </a:p>
@@ -1155,7 +1155,7 @@
           <a:p>
             <a:fld id="{6D7DEBBB-8302-41A0-A65F-C5E9FD2281CA}" type="datetimeFigureOut">
               <a:rPr lang="en-US" smtClean="0"/>
-              <a:t>3/28/2021</a:t>
+              <a:t>4/10/2021</a:t>
             </a:fld>
             <a:endParaRPr lang="en-US"/>
           </a:p>
@@ -1420,7 +1420,7 @@
           <a:p>
             <a:fld id="{6D7DEBBB-8302-41A0-A65F-C5E9FD2281CA}" type="datetimeFigureOut">
               <a:rPr lang="en-US" smtClean="0"/>
-              <a:t>3/28/2021</a:t>
+              <a:t>4/10/2021</a:t>
             </a:fld>
             <a:endParaRPr lang="en-US"/>
           </a:p>
@@ -1832,7 +1832,7 @@
           <a:p>
             <a:fld id="{6D7DEBBB-8302-41A0-A65F-C5E9FD2281CA}" type="datetimeFigureOut">
               <a:rPr lang="en-US" smtClean="0"/>
-              <a:t>3/28/2021</a:t>
+              <a:t>4/10/2021</a:t>
             </a:fld>
             <a:endParaRPr lang="en-US"/>
           </a:p>
@@ -1973,7 +1973,7 @@
           <a:p>
             <a:fld id="{6D7DEBBB-8302-41A0-A65F-C5E9FD2281CA}" type="datetimeFigureOut">
               <a:rPr lang="en-US" smtClean="0"/>
-              <a:t>3/28/2021</a:t>
+              <a:t>4/10/2021</a:t>
             </a:fld>
             <a:endParaRPr lang="en-US"/>
           </a:p>
@@ -2086,7 +2086,7 @@
           <a:p>
             <a:fld id="{6D7DEBBB-8302-41A0-A65F-C5E9FD2281CA}" type="datetimeFigureOut">
               <a:rPr lang="en-US" smtClean="0"/>
-              <a:t>3/28/2021</a:t>
+              <a:t>4/10/2021</a:t>
             </a:fld>
             <a:endParaRPr lang="en-US"/>
           </a:p>
@@ -2397,7 +2397,7 @@
           <a:p>
             <a:fld id="{6D7DEBBB-8302-41A0-A65F-C5E9FD2281CA}" type="datetimeFigureOut">
               <a:rPr lang="en-US" smtClean="0"/>
-              <a:t>3/28/2021</a:t>
+              <a:t>4/10/2021</a:t>
             </a:fld>
             <a:endParaRPr lang="en-US"/>
           </a:p>
@@ -2685,7 +2685,7 @@
           <a:p>
             <a:fld id="{6D7DEBBB-8302-41A0-A65F-C5E9FD2281CA}" type="datetimeFigureOut">
               <a:rPr lang="en-US" smtClean="0"/>
-              <a:t>3/28/2021</a:t>
+              <a:t>4/10/2021</a:t>
             </a:fld>
             <a:endParaRPr lang="en-US"/>
           </a:p>
@@ -2926,7 +2926,7 @@
           <a:p>
             <a:fld id="{6D7DEBBB-8302-41A0-A65F-C5E9FD2281CA}" type="datetimeFigureOut">
               <a:rPr lang="en-US" smtClean="0"/>
-              <a:t>3/28/2021</a:t>
+              <a:t>4/10/2021</a:t>
             </a:fld>
             <a:endParaRPr lang="en-US"/>
           </a:p>
@@ -5315,7 +5315,7 @@
                 <a:ea typeface="DengXian" panose="02010600030101010101" pitchFamily="2" charset="-122"/>
                 <a:cs typeface="Times New Roman" panose="02020603050405020304" pitchFamily="18" charset="0"/>
               </a:rPr>
-              <a:t>KNN model: failed.</a:t>
+              <a:t>KNN model: K=1, Test Score =0.791; K=2, Test Score =0.673..</a:t>
             </a:r>
           </a:p>
           <a:p>
@@ -6091,7 +6091,7 @@
         </p:blipFill>
         <p:spPr bwMode="auto">
           <a:xfrm>
-            <a:off x="859449" y="1287263"/>
+            <a:off x="859449" y="1230737"/>
             <a:ext cx="4010263" cy="2557039"/>
           </a:xfrm>
           <a:prstGeom prst="rect">
@@ -6201,7 +6201,7 @@
         <p:spPr>
           <a:xfrm>
             <a:off x="338454" y="439239"/>
-            <a:ext cx="11201336" cy="400110"/>
+            <a:ext cx="11081110" cy="646331"/>
           </a:xfrm>
           <a:prstGeom prst="rect">
             <a:avLst/>
@@ -6224,8 +6224,34 @@
             </a:r>
             <a:r>
               <a:rPr lang="en-US" sz="2000" dirty="0"/>
-              <a:t>Concentration and the Earth Mean Temperature </a:t>
-            </a:r>
+              <a:t>Concentration and the Earth Mean Temperature</a:t>
+            </a:r>
+          </a:p>
+          <a:p>
+            <a:r>
+              <a:rPr lang="en-US" sz="1600" dirty="0"/>
+              <a:t>Data from  </a:t>
+            </a:r>
+            <a:r>
+              <a:rPr lang="en-US" sz="1600" u="sng" dirty="0">
+                <a:solidFill>
+                  <a:srgbClr val="0563C1"/>
+                </a:solidFill>
+                <a:effectLst/>
+                <a:latin typeface="Calibri" panose="020F0502020204030204" pitchFamily="34" charset="0"/>
+                <a:ea typeface="DengXian" panose="02010600030101010101" pitchFamily="2" charset="-122"/>
+                <a:cs typeface="Times New Roman" panose="02020603050405020304" pitchFamily="18" charset="0"/>
+                <a:hlinkClick r:id="rId5">
+                  <a:extLst>
+                    <a:ext uri="{A12FA001-AC4F-418D-AE19-62706E023703}">
+                      <ahyp:hlinkClr xmlns:ahyp="http://schemas.microsoft.com/office/drawing/2018/hyperlinkcolor" val="tx"/>
+                    </a:ext>
+                  </a:extLst>
+                </a:hlinkClick>
+              </a:rPr>
+              <a:t>https://ourworldindata.org/grapher/global-co-concentration-ppm</a:t>
+            </a:r>
+            <a:endParaRPr lang="en-US" sz="1600" dirty="0"/>
           </a:p>
         </p:txBody>
       </p:sp>

--- a/Capstone_Presentation_Climate.pptx
+++ b/Capstone_Presentation_Climate.pptx
@@ -13,16 +13,17 @@
     <p:sldId id="261" r:id="rId7"/>
     <p:sldId id="263" r:id="rId8"/>
     <p:sldId id="269" r:id="rId9"/>
-    <p:sldId id="262" r:id="rId10"/>
-    <p:sldId id="264" r:id="rId11"/>
-    <p:sldId id="265" r:id="rId12"/>
-    <p:sldId id="266" r:id="rId13"/>
-    <p:sldId id="267" r:id="rId14"/>
-    <p:sldId id="268" r:id="rId15"/>
-    <p:sldId id="272" r:id="rId16"/>
-    <p:sldId id="270" r:id="rId17"/>
-    <p:sldId id="271" r:id="rId18"/>
-    <p:sldId id="273" r:id="rId19"/>
+    <p:sldId id="274" r:id="rId10"/>
+    <p:sldId id="262" r:id="rId11"/>
+    <p:sldId id="264" r:id="rId12"/>
+    <p:sldId id="265" r:id="rId13"/>
+    <p:sldId id="266" r:id="rId14"/>
+    <p:sldId id="267" r:id="rId15"/>
+    <p:sldId id="268" r:id="rId16"/>
+    <p:sldId id="272" r:id="rId17"/>
+    <p:sldId id="270" r:id="rId18"/>
+    <p:sldId id="271" r:id="rId19"/>
+    <p:sldId id="273" r:id="rId20"/>
   </p:sldIdLst>
   <p:sldSz cx="12192000" cy="6858000"/>
   <p:notesSz cx="6858000" cy="9144000"/>
@@ -129,6 +130,196 @@
 </p:presentation>
 </file>
 
+<file path=ppt/revisionInfo.xml><?xml version="1.0" encoding="utf-8"?>
+<p1510:revInfo xmlns:a="http://schemas.openxmlformats.org/drawingml/2006/main" xmlns:r="http://schemas.openxmlformats.org/officeDocument/2006/relationships" xmlns:p1510="http://schemas.microsoft.com/office/powerpoint/2015/10/main">
+  <p1510:revLst>
+    <p1510:client id="{B3C0ECF8-343C-4E0F-85F0-F3FF818DD8D2}" v="7" dt="2021-05-05T03:25:22.313"/>
+  </p1510:revLst>
+</p1510:revInfo>
+</file>
+
+<file path=ppt/changesInfos/changesInfo1.xml><?xml version="1.0" encoding="utf-8"?>
+<pc:chgInfo xmlns:a="http://schemas.openxmlformats.org/drawingml/2006/main" xmlns:r="http://schemas.openxmlformats.org/officeDocument/2006/relationships" xmlns:ac="http://schemas.microsoft.com/office/drawing/2013/main/command" xmlns:pc="http://schemas.microsoft.com/office/powerpoint/2013/main/command">
+  <pc:docChgLst>
+    <pc:chgData name="Shangguan Ning" userId="f106bd1abbdf788f" providerId="LiveId" clId="{B3C0ECF8-343C-4E0F-85F0-F3FF818DD8D2}"/>
+    <pc:docChg chg="custSel addSld modSld">
+      <pc:chgData name="Shangguan Ning" userId="f106bd1abbdf788f" providerId="LiveId" clId="{B3C0ECF8-343C-4E0F-85F0-F3FF818DD8D2}" dt="2021-05-05T03:26:24.745" v="292" actId="20577"/>
+      <pc:docMkLst>
+        <pc:docMk/>
+      </pc:docMkLst>
+      <pc:sldChg chg="addSp delSp modSp mod">
+        <pc:chgData name="Shangguan Ning" userId="f106bd1abbdf788f" providerId="LiveId" clId="{B3C0ECF8-343C-4E0F-85F0-F3FF818DD8D2}" dt="2021-05-05T03:14:55.002" v="7" actId="1076"/>
+        <pc:sldMkLst>
+          <pc:docMk/>
+          <pc:sldMk cId="2926937401" sldId="258"/>
+        </pc:sldMkLst>
+        <pc:picChg chg="del">
+          <ac:chgData name="Shangguan Ning" userId="f106bd1abbdf788f" providerId="LiveId" clId="{B3C0ECF8-343C-4E0F-85F0-F3FF818DD8D2}" dt="2021-05-05T03:14:40.042" v="1" actId="478"/>
+          <ac:picMkLst>
+            <pc:docMk/>
+            <pc:sldMk cId="2926937401" sldId="258"/>
+            <ac:picMk id="2" creationId="{F7285C9F-5E6F-4258-8A13-B0289EC4A264}"/>
+          </ac:picMkLst>
+        </pc:picChg>
+        <pc:picChg chg="add mod">
+          <ac:chgData name="Shangguan Ning" userId="f106bd1abbdf788f" providerId="LiveId" clId="{B3C0ECF8-343C-4E0F-85F0-F3FF818DD8D2}" dt="2021-05-05T03:14:55.002" v="7" actId="1076"/>
+          <ac:picMkLst>
+            <pc:docMk/>
+            <pc:sldMk cId="2926937401" sldId="258"/>
+            <ac:picMk id="5" creationId="{04D2A967-4CF3-422F-BE52-62FEAE90E323}"/>
+          </ac:picMkLst>
+        </pc:picChg>
+      </pc:sldChg>
+      <pc:sldChg chg="addSp delSp modSp mod">
+        <pc:chgData name="Shangguan Ning" userId="f106bd1abbdf788f" providerId="LiveId" clId="{B3C0ECF8-343C-4E0F-85F0-F3FF818DD8D2}" dt="2021-05-05T03:16:34.090" v="28" actId="1076"/>
+        <pc:sldMkLst>
+          <pc:docMk/>
+          <pc:sldMk cId="843256626" sldId="262"/>
+        </pc:sldMkLst>
+        <pc:picChg chg="add mod">
+          <ac:chgData name="Shangguan Ning" userId="f106bd1abbdf788f" providerId="LiveId" clId="{B3C0ECF8-343C-4E0F-85F0-F3FF818DD8D2}" dt="2021-05-05T03:16:34.090" v="28" actId="1076"/>
+          <ac:picMkLst>
+            <pc:docMk/>
+            <pc:sldMk cId="843256626" sldId="262"/>
+            <ac:picMk id="4" creationId="{31480D5E-22F9-4226-870B-4F004200F615}"/>
+          </ac:picMkLst>
+        </pc:picChg>
+        <pc:picChg chg="del">
+          <ac:chgData name="Shangguan Ning" userId="f106bd1abbdf788f" providerId="LiveId" clId="{B3C0ECF8-343C-4E0F-85F0-F3FF818DD8D2}" dt="2021-05-05T03:16:21.393" v="22" actId="478"/>
+          <ac:picMkLst>
+            <pc:docMk/>
+            <pc:sldMk cId="843256626" sldId="262"/>
+            <ac:picMk id="1028" creationId="{3E2B6655-E5FB-4615-A686-85B1CBB1CDFC}"/>
+          </ac:picMkLst>
+        </pc:picChg>
+      </pc:sldChg>
+      <pc:sldChg chg="modSp mod">
+        <pc:chgData name="Shangguan Ning" userId="f106bd1abbdf788f" providerId="LiveId" clId="{B3C0ECF8-343C-4E0F-85F0-F3FF818DD8D2}" dt="2021-05-05T03:21:01.730" v="100" actId="20577"/>
+        <pc:sldMkLst>
+          <pc:docMk/>
+          <pc:sldMk cId="3653839158" sldId="266"/>
+        </pc:sldMkLst>
+        <pc:spChg chg="mod">
+          <ac:chgData name="Shangguan Ning" userId="f106bd1abbdf788f" providerId="LiveId" clId="{B3C0ECF8-343C-4E0F-85F0-F3FF818DD8D2}" dt="2021-05-05T03:21:01.730" v="100" actId="20577"/>
+          <ac:spMkLst>
+            <pc:docMk/>
+            <pc:sldMk cId="3653839158" sldId="266"/>
+            <ac:spMk id="4" creationId="{F859093A-2E62-45B9-9E40-EB26FD1A4524}"/>
+          </ac:spMkLst>
+        </pc:spChg>
+      </pc:sldChg>
+      <pc:sldChg chg="modSp mod">
+        <pc:chgData name="Shangguan Ning" userId="f106bd1abbdf788f" providerId="LiveId" clId="{B3C0ECF8-343C-4E0F-85F0-F3FF818DD8D2}" dt="2021-05-05T03:18:08.778" v="48" actId="20577"/>
+        <pc:sldMkLst>
+          <pc:docMk/>
+          <pc:sldMk cId="912388309" sldId="267"/>
+        </pc:sldMkLst>
+        <pc:spChg chg="mod">
+          <ac:chgData name="Shangguan Ning" userId="f106bd1abbdf788f" providerId="LiveId" clId="{B3C0ECF8-343C-4E0F-85F0-F3FF818DD8D2}" dt="2021-05-05T03:18:08.778" v="48" actId="20577"/>
+          <ac:spMkLst>
+            <pc:docMk/>
+            <pc:sldMk cId="912388309" sldId="267"/>
+            <ac:spMk id="8" creationId="{CF61CFEE-9449-42F9-85BB-8A008F098A1F}"/>
+          </ac:spMkLst>
+        </pc:spChg>
+      </pc:sldChg>
+      <pc:sldChg chg="modSp mod">
+        <pc:chgData name="Shangguan Ning" userId="f106bd1abbdf788f" providerId="LiveId" clId="{B3C0ECF8-343C-4E0F-85F0-F3FF818DD8D2}" dt="2021-05-05T03:19:22.834" v="76" actId="20577"/>
+        <pc:sldMkLst>
+          <pc:docMk/>
+          <pc:sldMk cId="2215991776" sldId="268"/>
+        </pc:sldMkLst>
+        <pc:spChg chg="mod">
+          <ac:chgData name="Shangguan Ning" userId="f106bd1abbdf788f" providerId="LiveId" clId="{B3C0ECF8-343C-4E0F-85F0-F3FF818DD8D2}" dt="2021-05-05T03:19:22.834" v="76" actId="20577"/>
+          <ac:spMkLst>
+            <pc:docMk/>
+            <pc:sldMk cId="2215991776" sldId="268"/>
+            <ac:spMk id="4" creationId="{CE75CCA2-96CF-45C8-89FC-6ED0B40F3E75}"/>
+          </ac:spMkLst>
+        </pc:spChg>
+      </pc:sldChg>
+      <pc:sldChg chg="addSp delSp modSp mod">
+        <pc:chgData name="Shangguan Ning" userId="f106bd1abbdf788f" providerId="LiveId" clId="{B3C0ECF8-343C-4E0F-85F0-F3FF818DD8D2}" dt="2021-05-05T03:26:13.569" v="291" actId="20577"/>
+        <pc:sldMkLst>
+          <pc:docMk/>
+          <pc:sldMk cId="3057224026" sldId="269"/>
+        </pc:sldMkLst>
+        <pc:spChg chg="del mod">
+          <ac:chgData name="Shangguan Ning" userId="f106bd1abbdf788f" providerId="LiveId" clId="{B3C0ECF8-343C-4E0F-85F0-F3FF818DD8D2}" dt="2021-05-05T03:15:34.958" v="9" actId="478"/>
+          <ac:spMkLst>
+            <pc:docMk/>
+            <pc:sldMk cId="3057224026" sldId="269"/>
+            <ac:spMk id="2" creationId="{FAFEBE51-DF62-4ABC-9269-6BF00EBD0FA0}"/>
+          </ac:spMkLst>
+        </pc:spChg>
+        <pc:spChg chg="add del mod">
+          <ac:chgData name="Shangguan Ning" userId="f106bd1abbdf788f" providerId="LiveId" clId="{B3C0ECF8-343C-4E0F-85F0-F3FF818DD8D2}" dt="2021-05-05T03:16:00.627" v="19"/>
+          <ac:spMkLst>
+            <pc:docMk/>
+            <pc:sldMk cId="3057224026" sldId="269"/>
+            <ac:spMk id="7" creationId="{E0FF8511-ABF1-4EC3-B82C-7EA7DFB776FE}"/>
+          </ac:spMkLst>
+        </pc:spChg>
+        <pc:spChg chg="add mod">
+          <ac:chgData name="Shangguan Ning" userId="f106bd1abbdf788f" providerId="LiveId" clId="{B3C0ECF8-343C-4E0F-85F0-F3FF818DD8D2}" dt="2021-05-05T03:26:13.569" v="291" actId="20577"/>
+          <ac:spMkLst>
+            <pc:docMk/>
+            <pc:sldMk cId="3057224026" sldId="269"/>
+            <ac:spMk id="8" creationId="{435030C8-5E94-4BD1-8B48-06BF161B73B5}"/>
+          </ac:spMkLst>
+        </pc:spChg>
+        <pc:spChg chg="add mod">
+          <ac:chgData name="Shangguan Ning" userId="f106bd1abbdf788f" providerId="LiveId" clId="{B3C0ECF8-343C-4E0F-85F0-F3FF818DD8D2}" dt="2021-05-05T03:24:40.210" v="189" actId="1076"/>
+          <ac:spMkLst>
+            <pc:docMk/>
+            <pc:sldMk cId="3057224026" sldId="269"/>
+            <ac:spMk id="9" creationId="{D83A46D8-A083-4D49-8657-105B1FAC52E3}"/>
+          </ac:spMkLst>
+        </pc:spChg>
+        <pc:picChg chg="mod">
+          <ac:chgData name="Shangguan Ning" userId="f106bd1abbdf788f" providerId="LiveId" clId="{B3C0ECF8-343C-4E0F-85F0-F3FF818DD8D2}" dt="2021-05-05T03:25:22.313" v="241" actId="1076"/>
+          <ac:picMkLst>
+            <pc:docMk/>
+            <pc:sldMk cId="3057224026" sldId="269"/>
+            <ac:picMk id="3074" creationId="{653EDF39-2AA3-46B6-8639-54D9D070D443}"/>
+          </ac:picMkLst>
+        </pc:picChg>
+      </pc:sldChg>
+      <pc:sldChg chg="modSp mod">
+        <pc:chgData name="Shangguan Ning" userId="f106bd1abbdf788f" providerId="LiveId" clId="{B3C0ECF8-343C-4E0F-85F0-F3FF818DD8D2}" dt="2021-05-05T03:20:15.165" v="98" actId="20577"/>
+        <pc:sldMkLst>
+          <pc:docMk/>
+          <pc:sldMk cId="203753714" sldId="270"/>
+        </pc:sldMkLst>
+        <pc:spChg chg="mod">
+          <ac:chgData name="Shangguan Ning" userId="f106bd1abbdf788f" providerId="LiveId" clId="{B3C0ECF8-343C-4E0F-85F0-F3FF818DD8D2}" dt="2021-05-05T03:20:15.165" v="98" actId="20577"/>
+          <ac:spMkLst>
+            <pc:docMk/>
+            <pc:sldMk cId="203753714" sldId="270"/>
+            <ac:spMk id="4" creationId="{8407E88A-FA9B-4A65-8DCD-6D41E1A5C594}"/>
+          </ac:spMkLst>
+        </pc:spChg>
+      </pc:sldChg>
+      <pc:sldChg chg="addSp modSp new mod">
+        <pc:chgData name="Shangguan Ning" userId="f106bd1abbdf788f" providerId="LiveId" clId="{B3C0ECF8-343C-4E0F-85F0-F3FF818DD8D2}" dt="2021-05-05T03:26:24.745" v="292" actId="20577"/>
+        <pc:sldMkLst>
+          <pc:docMk/>
+          <pc:sldMk cId="1385726098" sldId="274"/>
+        </pc:sldMkLst>
+        <pc:spChg chg="add mod">
+          <ac:chgData name="Shangguan Ning" userId="f106bd1abbdf788f" providerId="LiveId" clId="{B3C0ECF8-343C-4E0F-85F0-F3FF818DD8D2}" dt="2021-05-05T03:26:24.745" v="292" actId="20577"/>
+          <ac:spMkLst>
+            <pc:docMk/>
+            <pc:sldMk cId="1385726098" sldId="274"/>
+            <ac:spMk id="3" creationId="{7A2D32B9-406B-4FC3-B9FF-BDF755221FE2}"/>
+          </ac:spMkLst>
+        </pc:spChg>
+      </pc:sldChg>
+    </pc:docChg>
+  </pc:docChgLst>
+</pc:chgInfo>
+</file>
+
 <file path=ppt/slideLayouts/slideLayout1.xml><?xml version="1.0" encoding="utf-8"?>
 <p:sldLayout xmlns:a="http://schemas.openxmlformats.org/drawingml/2006/main" xmlns:r="http://schemas.openxmlformats.org/officeDocument/2006/relationships" xmlns:p="http://schemas.openxmlformats.org/presentationml/2006/main" type="title" preserve="1">
   <p:cSld name="Title Slide">
@@ -276,7 +467,7 @@
           <a:p>
             <a:fld id="{6D7DEBBB-8302-41A0-A65F-C5E9FD2281CA}" type="datetimeFigureOut">
               <a:rPr lang="en-US" smtClean="0"/>
-              <a:t>4/10/2021</a:t>
+              <a:t>5/4/2021</a:t>
             </a:fld>
             <a:endParaRPr lang="en-US"/>
           </a:p>
@@ -474,7 +665,7 @@
           <a:p>
             <a:fld id="{6D7DEBBB-8302-41A0-A65F-C5E9FD2281CA}" type="datetimeFigureOut">
               <a:rPr lang="en-US" smtClean="0"/>
-              <a:t>4/10/2021</a:t>
+              <a:t>5/4/2021</a:t>
             </a:fld>
             <a:endParaRPr lang="en-US"/>
           </a:p>
@@ -682,7 +873,7 @@
           <a:p>
             <a:fld id="{6D7DEBBB-8302-41A0-A65F-C5E9FD2281CA}" type="datetimeFigureOut">
               <a:rPr lang="en-US" smtClean="0"/>
-              <a:t>4/10/2021</a:t>
+              <a:t>5/4/2021</a:t>
             </a:fld>
             <a:endParaRPr lang="en-US"/>
           </a:p>
@@ -880,7 +1071,7 @@
           <a:p>
             <a:fld id="{6D7DEBBB-8302-41A0-A65F-C5E9FD2281CA}" type="datetimeFigureOut">
               <a:rPr lang="en-US" smtClean="0"/>
-              <a:t>4/10/2021</a:t>
+              <a:t>5/4/2021</a:t>
             </a:fld>
             <a:endParaRPr lang="en-US"/>
           </a:p>
@@ -1155,7 +1346,7 @@
           <a:p>
             <a:fld id="{6D7DEBBB-8302-41A0-A65F-C5E9FD2281CA}" type="datetimeFigureOut">
               <a:rPr lang="en-US" smtClean="0"/>
-              <a:t>4/10/2021</a:t>
+              <a:t>5/4/2021</a:t>
             </a:fld>
             <a:endParaRPr lang="en-US"/>
           </a:p>
@@ -1420,7 +1611,7 @@
           <a:p>
             <a:fld id="{6D7DEBBB-8302-41A0-A65F-C5E9FD2281CA}" type="datetimeFigureOut">
               <a:rPr lang="en-US" smtClean="0"/>
-              <a:t>4/10/2021</a:t>
+              <a:t>5/4/2021</a:t>
             </a:fld>
             <a:endParaRPr lang="en-US"/>
           </a:p>
@@ -1832,7 +2023,7 @@
           <a:p>
             <a:fld id="{6D7DEBBB-8302-41A0-A65F-C5E9FD2281CA}" type="datetimeFigureOut">
               <a:rPr lang="en-US" smtClean="0"/>
-              <a:t>4/10/2021</a:t>
+              <a:t>5/4/2021</a:t>
             </a:fld>
             <a:endParaRPr lang="en-US"/>
           </a:p>
@@ -1973,7 +2164,7 @@
           <a:p>
             <a:fld id="{6D7DEBBB-8302-41A0-A65F-C5E9FD2281CA}" type="datetimeFigureOut">
               <a:rPr lang="en-US" smtClean="0"/>
-              <a:t>4/10/2021</a:t>
+              <a:t>5/4/2021</a:t>
             </a:fld>
             <a:endParaRPr lang="en-US"/>
           </a:p>
@@ -2086,7 +2277,7 @@
           <a:p>
             <a:fld id="{6D7DEBBB-8302-41A0-A65F-C5E9FD2281CA}" type="datetimeFigureOut">
               <a:rPr lang="en-US" smtClean="0"/>
-              <a:t>4/10/2021</a:t>
+              <a:t>5/4/2021</a:t>
             </a:fld>
             <a:endParaRPr lang="en-US"/>
           </a:p>
@@ -2397,7 +2588,7 @@
           <a:p>
             <a:fld id="{6D7DEBBB-8302-41A0-A65F-C5E9FD2281CA}" type="datetimeFigureOut">
               <a:rPr lang="en-US" smtClean="0"/>
-              <a:t>4/10/2021</a:t>
+              <a:t>5/4/2021</a:t>
             </a:fld>
             <a:endParaRPr lang="en-US"/>
           </a:p>
@@ -2685,7 +2876,7 @@
           <a:p>
             <a:fld id="{6D7DEBBB-8302-41A0-A65F-C5E9FD2281CA}" type="datetimeFigureOut">
               <a:rPr lang="en-US" smtClean="0"/>
-              <a:t>4/10/2021</a:t>
+              <a:t>5/4/2021</a:t>
             </a:fld>
             <a:endParaRPr lang="en-US"/>
           </a:p>
@@ -2926,7 +3117,7 @@
           <a:p>
             <a:fld id="{6D7DEBBB-8302-41A0-A65F-C5E9FD2281CA}" type="datetimeFigureOut">
               <a:rPr lang="en-US" smtClean="0"/>
-              <a:t>4/10/2021</a:t>
+              <a:t>5/4/2021</a:t>
             </a:fld>
             <a:endParaRPr lang="en-US"/>
           </a:p>
@@ -4236,6 +4427,110 @@
           <a:chExt cx="0" cy="0"/>
         </a:xfrm>
       </p:grpSpPr>
+      <p:sp>
+        <p:nvSpPr>
+          <p:cNvPr id="2" name="TextBox 1">
+            <a:extLst>
+              <a:ext uri="{FF2B5EF4-FFF2-40B4-BE49-F238E27FC236}">
+                <a16:creationId xmlns:a16="http://schemas.microsoft.com/office/drawing/2014/main" id="{F02EC32D-719C-4E71-8986-BE47C18BACD9}"/>
+              </a:ext>
+            </a:extLst>
+          </p:cNvPr>
+          <p:cNvSpPr txBox="1"/>
+          <p:nvPr/>
+        </p:nvSpPr>
+        <p:spPr>
+          <a:xfrm>
+            <a:off x="857250" y="561975"/>
+            <a:ext cx="7000827" cy="461665"/>
+          </a:xfrm>
+          <a:prstGeom prst="rect">
+            <a:avLst/>
+          </a:prstGeom>
+          <a:noFill/>
+        </p:spPr>
+        <p:txBody>
+          <a:bodyPr wrap="none" rtlCol="0">
+            <a:spAutoFit/>
+          </a:bodyPr>
+          <a:lstStyle/>
+          <a:p>
+            <a:r>
+              <a:rPr lang="en-US" sz="2400" dirty="0"/>
+              <a:t>Cities and Their Five Years Mean Temperature Changes</a:t>
+            </a:r>
+          </a:p>
+        </p:txBody>
+      </p:sp>
+      <p:pic>
+        <p:nvPicPr>
+          <p:cNvPr id="4" name="Picture 3">
+            <a:extLst>
+              <a:ext uri="{FF2B5EF4-FFF2-40B4-BE49-F238E27FC236}">
+                <a16:creationId xmlns:a16="http://schemas.microsoft.com/office/drawing/2014/main" id="{31480D5E-22F9-4226-870B-4F004200F615}"/>
+              </a:ext>
+            </a:extLst>
+          </p:cNvPr>
+          <p:cNvPicPr/>
+          <p:nvPr/>
+        </p:nvPicPr>
+        <p:blipFill>
+          <a:blip r:embed="rId2">
+            <a:extLst>
+              <a:ext uri="{28A0092B-C50C-407E-A947-70E740481C1C}">
+                <a14:useLocalDpi xmlns:a14="http://schemas.microsoft.com/office/drawing/2010/main" val="0"/>
+              </a:ext>
+            </a:extLst>
+          </a:blip>
+          <a:srcRect/>
+          <a:stretch>
+            <a:fillRect/>
+          </a:stretch>
+        </p:blipFill>
+        <p:spPr bwMode="auto">
+          <a:xfrm>
+            <a:off x="812807" y="1290208"/>
+            <a:ext cx="10242407" cy="4762749"/>
+          </a:xfrm>
+          <a:prstGeom prst="rect">
+            <a:avLst/>
+          </a:prstGeom>
+          <a:noFill/>
+          <a:ln>
+            <a:noFill/>
+          </a:ln>
+        </p:spPr>
+      </p:pic>
+    </p:spTree>
+    <p:extLst>
+      <p:ext uri="{BB962C8B-B14F-4D97-AF65-F5344CB8AC3E}">
+        <p14:creationId xmlns:p14="http://schemas.microsoft.com/office/powerpoint/2010/main" val="843256626"/>
+      </p:ext>
+    </p:extLst>
+  </p:cSld>
+  <p:clrMapOvr>
+    <a:masterClrMapping/>
+  </p:clrMapOvr>
+</p:sld>
+</file>
+
+<file path=ppt/slides/slide11.xml><?xml version="1.0" encoding="utf-8"?>
+<p:sld xmlns:a="http://schemas.openxmlformats.org/drawingml/2006/main" xmlns:r="http://schemas.openxmlformats.org/officeDocument/2006/relationships" xmlns:p="http://schemas.openxmlformats.org/presentationml/2006/main">
+  <p:cSld>
+    <p:spTree>
+      <p:nvGrpSpPr>
+        <p:cNvPr id="1" name=""/>
+        <p:cNvGrpSpPr/>
+        <p:nvPr/>
+      </p:nvGrpSpPr>
+      <p:grpSpPr>
+        <a:xfrm>
+          <a:off x="0" y="0"/>
+          <a:ext cx="0" cy="0"/>
+          <a:chOff x="0" y="0"/>
+          <a:chExt cx="0" cy="0"/>
+        </a:xfrm>
+      </p:grpSpPr>
       <p:pic>
         <p:nvPicPr>
           <p:cNvPr id="2050" name="Picture 2">
@@ -4361,7 +4656,7 @@
 </p:sld>
 </file>
 
-<file path=ppt/slides/slide11.xml><?xml version="1.0" encoding="utf-8"?>
+<file path=ppt/slides/slide12.xml><?xml version="1.0" encoding="utf-8"?>
 <p:sld xmlns:a="http://schemas.openxmlformats.org/drawingml/2006/main" xmlns:r="http://schemas.openxmlformats.org/officeDocument/2006/relationships" xmlns:p="http://schemas.openxmlformats.org/presentationml/2006/main">
   <p:cSld>
     <p:spTree>
@@ -4520,7 +4815,7 @@
 </p:sld>
 </file>
 
-<file path=ppt/slides/slide12.xml><?xml version="1.0" encoding="utf-8"?>
+<file path=ppt/slides/slide13.xml><?xml version="1.0" encoding="utf-8"?>
 <p:sld xmlns:a="http://schemas.openxmlformats.org/drawingml/2006/main" xmlns:r="http://schemas.openxmlformats.org/officeDocument/2006/relationships" xmlns:p="http://schemas.openxmlformats.org/presentationml/2006/main">
   <p:cSld>
     <p:spTree>
@@ -4776,7 +5071,7 @@
           <a:p>
             <a:r>
               <a:rPr lang="en-US" dirty="0"/>
-              <a:t>Every 15 years, the mean temperature of NYC increases 0.42 °F, it is consistent with the previous result </a:t>
+              <a:t>Every 15 years, the mean temperature of NYC increases 0.53 °F, it is consistent with the previous result </a:t>
             </a:r>
           </a:p>
           <a:p>
@@ -4840,330 +5135,6 @@
     <p:extLst>
       <p:ext uri="{BB962C8B-B14F-4D97-AF65-F5344CB8AC3E}">
         <p14:creationId xmlns:p14="http://schemas.microsoft.com/office/powerpoint/2010/main" val="3653839158"/>
-      </p:ext>
-    </p:extLst>
-  </p:cSld>
-  <p:clrMapOvr>
-    <a:masterClrMapping/>
-  </p:clrMapOvr>
-</p:sld>
-</file>
-
-<file path=ppt/slides/slide13.xml><?xml version="1.0" encoding="utf-8"?>
-<p:sld xmlns:a="http://schemas.openxmlformats.org/drawingml/2006/main" xmlns:r="http://schemas.openxmlformats.org/officeDocument/2006/relationships" xmlns:p="http://schemas.openxmlformats.org/presentationml/2006/main">
-  <p:cSld>
-    <p:spTree>
-      <p:nvGrpSpPr>
-        <p:cNvPr id="1" name=""/>
-        <p:cNvGrpSpPr/>
-        <p:nvPr/>
-      </p:nvGrpSpPr>
-      <p:grpSpPr>
-        <a:xfrm>
-          <a:off x="0" y="0"/>
-          <a:ext cx="0" cy="0"/>
-          <a:chOff x="0" y="0"/>
-          <a:chExt cx="0" cy="0"/>
-        </a:xfrm>
-      </p:grpSpPr>
-      <p:sp>
-        <p:nvSpPr>
-          <p:cNvPr id="4" name="TextBox 3">
-            <a:extLst>
-              <a:ext uri="{FF2B5EF4-FFF2-40B4-BE49-F238E27FC236}">
-                <a16:creationId xmlns:a16="http://schemas.microsoft.com/office/drawing/2014/main" id="{AC51DFB6-93DF-4F96-B5C1-317F332B086A}"/>
-              </a:ext>
-            </a:extLst>
-          </p:cNvPr>
-          <p:cNvSpPr txBox="1"/>
-          <p:nvPr/>
-        </p:nvSpPr>
-        <p:spPr>
-          <a:xfrm>
-            <a:off x="879844" y="1287392"/>
-            <a:ext cx="8423644" cy="646331"/>
-          </a:xfrm>
-          <a:prstGeom prst="rect">
-            <a:avLst/>
-          </a:prstGeom>
-          <a:noFill/>
-        </p:spPr>
-        <p:txBody>
-          <a:bodyPr wrap="square">
-            <a:spAutoFit/>
-          </a:bodyPr>
-          <a:lstStyle/>
-          <a:p>
-            <a:r>
-              <a:rPr lang="en-US" dirty="0"/>
-              <a:t>If I know some other cities (Burlington and Cleveland) of monthly mean temperature, can I predict the monthly mean temperature of New York city? </a:t>
-            </a:r>
-          </a:p>
-        </p:txBody>
-      </p:sp>
-      <p:sp>
-        <p:nvSpPr>
-          <p:cNvPr id="6" name="TextBox 5">
-            <a:extLst>
-              <a:ext uri="{FF2B5EF4-FFF2-40B4-BE49-F238E27FC236}">
-                <a16:creationId xmlns:a16="http://schemas.microsoft.com/office/drawing/2014/main" id="{0173B82D-13BD-4471-B852-98240B41A426}"/>
-              </a:ext>
-            </a:extLst>
-          </p:cNvPr>
-          <p:cNvSpPr txBox="1"/>
-          <p:nvPr/>
-        </p:nvSpPr>
-        <p:spPr>
-          <a:xfrm>
-            <a:off x="863966" y="488413"/>
-            <a:ext cx="2767123" cy="461665"/>
-          </a:xfrm>
-          <a:prstGeom prst="rect">
-            <a:avLst/>
-          </a:prstGeom>
-          <a:noFill/>
-        </p:spPr>
-        <p:txBody>
-          <a:bodyPr wrap="square">
-            <a:spAutoFit/>
-          </a:bodyPr>
-          <a:lstStyle/>
-          <a:p>
-            <a:r>
-              <a:rPr lang="en-US" sz="2400" b="1" dirty="0"/>
-              <a:t>Prediction I:</a:t>
-            </a:r>
-          </a:p>
-        </p:txBody>
-      </p:sp>
-      <p:sp>
-        <p:nvSpPr>
-          <p:cNvPr id="8" name="TextBox 7">
-            <a:extLst>
-              <a:ext uri="{FF2B5EF4-FFF2-40B4-BE49-F238E27FC236}">
-                <a16:creationId xmlns:a16="http://schemas.microsoft.com/office/drawing/2014/main" id="{CF61CFEE-9449-42F9-85BB-8A008F098A1F}"/>
-              </a:ext>
-            </a:extLst>
-          </p:cNvPr>
-          <p:cNvSpPr txBox="1"/>
-          <p:nvPr/>
-        </p:nvSpPr>
-        <p:spPr>
-          <a:xfrm>
-            <a:off x="879844" y="2366730"/>
-            <a:ext cx="7892016" cy="1561581"/>
-          </a:xfrm>
-          <a:prstGeom prst="rect">
-            <a:avLst/>
-          </a:prstGeom>
-          <a:noFill/>
-        </p:spPr>
-        <p:txBody>
-          <a:bodyPr wrap="square">
-            <a:spAutoFit/>
-          </a:bodyPr>
-          <a:lstStyle/>
-          <a:p>
-            <a:pPr marL="57150" marR="0" indent="57150">
-              <a:lnSpc>
-                <a:spcPct val="107000"/>
-              </a:lnSpc>
-              <a:spcBef>
-                <a:spcPts val="0"/>
-              </a:spcBef>
-              <a:spcAft>
-                <a:spcPts val="0"/>
-              </a:spcAft>
-            </a:pPr>
-            <a:r>
-              <a:rPr lang="en-US" dirty="0">
-                <a:effectLst/>
-                <a:latin typeface="Calibri" panose="020F0502020204030204" pitchFamily="34" charset="0"/>
-                <a:ea typeface="DengXian" panose="02010600030101010101" pitchFamily="2" charset="-122"/>
-                <a:cs typeface="Times New Roman" panose="02020603050405020304" pitchFamily="18" charset="0"/>
-              </a:rPr>
-              <a:t>KNN model: K =7, Train Score= 0.989, Test Score=0.987</a:t>
-            </a:r>
-          </a:p>
-          <a:p>
-            <a:pPr marL="57150" marR="0" indent="57150">
-              <a:lnSpc>
-                <a:spcPct val="107000"/>
-              </a:lnSpc>
-              <a:spcBef>
-                <a:spcPts val="0"/>
-              </a:spcBef>
-              <a:spcAft>
-                <a:spcPts val="0"/>
-              </a:spcAft>
-            </a:pPr>
-            <a:endParaRPr lang="en-US" dirty="0">
-              <a:effectLst/>
-              <a:latin typeface="Calibri" panose="020F0502020204030204" pitchFamily="34" charset="0"/>
-              <a:ea typeface="DengXian" panose="02010600030101010101" pitchFamily="2" charset="-122"/>
-              <a:cs typeface="Times New Roman" panose="02020603050405020304" pitchFamily="18" charset="0"/>
-            </a:endParaRPr>
-          </a:p>
-          <a:p>
-            <a:pPr marL="57150" marR="0" indent="57150">
-              <a:lnSpc>
-                <a:spcPct val="107000"/>
-              </a:lnSpc>
-              <a:spcBef>
-                <a:spcPts val="0"/>
-              </a:spcBef>
-              <a:spcAft>
-                <a:spcPts val="0"/>
-              </a:spcAft>
-            </a:pPr>
-            <a:r>
-              <a:rPr lang="en-US" dirty="0">
-                <a:effectLst/>
-                <a:latin typeface="Calibri" panose="020F0502020204030204" pitchFamily="34" charset="0"/>
-                <a:ea typeface="DengXian" panose="02010600030101010101" pitchFamily="2" charset="-122"/>
-                <a:cs typeface="Times New Roman" panose="02020603050405020304" pitchFamily="18" charset="0"/>
-              </a:rPr>
-              <a:t>Linear Regression: Train Score= 0.994, Test Score= 0.992, MAE=1.065</a:t>
-            </a:r>
-            <a:r>
-              <a:rPr lang="en-US" dirty="0">
-                <a:effectLst/>
-                <a:latin typeface="Calibri" panose="020F0502020204030204" pitchFamily="34" charset="0"/>
-                <a:ea typeface="DengXian" panose="02010600030101010101" pitchFamily="2" charset="-122"/>
-                <a:cs typeface="Calibri" panose="020F0502020204030204" pitchFamily="34" charset="0"/>
-              </a:rPr>
-              <a:t>°</a:t>
-            </a:r>
-            <a:r>
-              <a:rPr lang="en-US" dirty="0">
-                <a:effectLst/>
-                <a:latin typeface="Calibri" panose="020F0502020204030204" pitchFamily="34" charset="0"/>
-                <a:ea typeface="DengXian" panose="02010600030101010101" pitchFamily="2" charset="-122"/>
-                <a:cs typeface="Times New Roman" panose="02020603050405020304" pitchFamily="18" charset="0"/>
-              </a:rPr>
-              <a:t>F</a:t>
-            </a:r>
-          </a:p>
-          <a:p>
-            <a:pPr marL="57150" marR="0" indent="57150">
-              <a:lnSpc>
-                <a:spcPct val="107000"/>
-              </a:lnSpc>
-              <a:spcBef>
-                <a:spcPts val="0"/>
-              </a:spcBef>
-              <a:spcAft>
-                <a:spcPts val="0"/>
-              </a:spcAft>
-            </a:pPr>
-            <a:endParaRPr lang="en-US" dirty="0">
-              <a:effectLst/>
-              <a:latin typeface="Calibri" panose="020F0502020204030204" pitchFamily="34" charset="0"/>
-              <a:ea typeface="DengXian" panose="02010600030101010101" pitchFamily="2" charset="-122"/>
-              <a:cs typeface="Times New Roman" panose="02020603050405020304" pitchFamily="18" charset="0"/>
-            </a:endParaRPr>
-          </a:p>
-          <a:p>
-            <a:pPr marL="57150" marR="0" indent="57150">
-              <a:lnSpc>
-                <a:spcPct val="107000"/>
-              </a:lnSpc>
-              <a:spcBef>
-                <a:spcPts val="0"/>
-              </a:spcBef>
-              <a:spcAft>
-                <a:spcPts val="800"/>
-              </a:spcAft>
-            </a:pPr>
-            <a:r>
-              <a:rPr lang="en-US" dirty="0">
-                <a:effectLst/>
-                <a:latin typeface="Calibri" panose="020F0502020204030204" pitchFamily="34" charset="0"/>
-                <a:ea typeface="DengXian" panose="02010600030101010101" pitchFamily="2" charset="-122"/>
-                <a:cs typeface="Times New Roman" panose="02020603050405020304" pitchFamily="18" charset="0"/>
-              </a:rPr>
-              <a:t>Gradient Boosting: Train Score= 0.999, Test Score= 0.992, MAE= 1.160 °F</a:t>
-            </a:r>
-          </a:p>
-        </p:txBody>
-      </p:sp>
-      <p:sp>
-        <p:nvSpPr>
-          <p:cNvPr id="10" name="TextBox 9">
-            <a:extLst>
-              <a:ext uri="{FF2B5EF4-FFF2-40B4-BE49-F238E27FC236}">
-                <a16:creationId xmlns:a16="http://schemas.microsoft.com/office/drawing/2014/main" id="{A4AB21BE-D419-4CC0-B723-6C0D07A831D4}"/>
-              </a:ext>
-            </a:extLst>
-          </p:cNvPr>
-          <p:cNvSpPr txBox="1"/>
-          <p:nvPr/>
-        </p:nvSpPr>
-        <p:spPr>
-          <a:xfrm>
-            <a:off x="863966" y="4915049"/>
-            <a:ext cx="7721895" cy="858184"/>
-          </a:xfrm>
-          <a:prstGeom prst="rect">
-            <a:avLst/>
-          </a:prstGeom>
-          <a:noFill/>
-        </p:spPr>
-        <p:txBody>
-          <a:bodyPr wrap="square">
-            <a:spAutoFit/>
-          </a:bodyPr>
-          <a:lstStyle/>
-          <a:p>
-            <a:pPr marL="57150" marR="0" indent="57150">
-              <a:lnSpc>
-                <a:spcPct val="107000"/>
-              </a:lnSpc>
-              <a:spcBef>
-                <a:spcPts val="0"/>
-              </a:spcBef>
-              <a:spcAft>
-                <a:spcPts val="0"/>
-              </a:spcAft>
-            </a:pPr>
-            <a:r>
-              <a:rPr lang="en-US" dirty="0">
-                <a:effectLst/>
-                <a:latin typeface="Calibri" panose="020F0502020204030204" pitchFamily="34" charset="0"/>
-                <a:ea typeface="DengXian" panose="02010600030101010101" pitchFamily="2" charset="-122"/>
-                <a:cs typeface="Times New Roman" panose="02020603050405020304" pitchFamily="18" charset="0"/>
-              </a:rPr>
-              <a:t>Conclusion: It is easy to predict a city’s temperature if you know the temperature of other US cities at the same time.</a:t>
-            </a:r>
-          </a:p>
-          <a:p>
-            <a:pPr marL="57150" marR="0" indent="57150">
-              <a:lnSpc>
-                <a:spcPct val="107000"/>
-              </a:lnSpc>
-              <a:spcBef>
-                <a:spcPts val="0"/>
-              </a:spcBef>
-              <a:spcAft>
-                <a:spcPts val="800"/>
-              </a:spcAft>
-            </a:pPr>
-            <a:r>
-              <a:rPr lang="en-US" sz="1100" dirty="0">
-                <a:effectLst/>
-                <a:latin typeface="Calibri" panose="020F0502020204030204" pitchFamily="34" charset="0"/>
-                <a:ea typeface="DengXian" panose="02010600030101010101" pitchFamily="2" charset="-122"/>
-                <a:cs typeface="Times New Roman" panose="02020603050405020304" pitchFamily="18" charset="0"/>
-              </a:rPr>
-              <a:t> </a:t>
-            </a:r>
-          </a:p>
-        </p:txBody>
-      </p:sp>
-    </p:spTree>
-    <p:extLst>
-      <p:ext uri="{BB962C8B-B14F-4D97-AF65-F5344CB8AC3E}">
-        <p14:creationId xmlns:p14="http://schemas.microsoft.com/office/powerpoint/2010/main" val="912388309"/>
       </p:ext>
     </p:extLst>
   </p:cSld>
@@ -5192,10 +5163,10 @@
       </p:grpSpPr>
       <p:sp>
         <p:nvSpPr>
-          <p:cNvPr id="2" name="TextBox 1">
-            <a:extLst>
-              <a:ext uri="{FF2B5EF4-FFF2-40B4-BE49-F238E27FC236}">
-                <a16:creationId xmlns:a16="http://schemas.microsoft.com/office/drawing/2014/main" id="{FA74CDEE-99F9-484E-9434-4295ECE0B6B1}"/>
+          <p:cNvPr id="4" name="TextBox 3">
+            <a:extLst>
+              <a:ext uri="{FF2B5EF4-FFF2-40B4-BE49-F238E27FC236}">
+                <a16:creationId xmlns:a16="http://schemas.microsoft.com/office/drawing/2014/main" id="{AC51DFB6-93DF-4F96-B5C1-317F332B086A}"/>
               </a:ext>
             </a:extLst>
           </p:cNvPr>
@@ -5204,8 +5175,8 @@
         </p:nvSpPr>
         <p:spPr>
           <a:xfrm>
-            <a:off x="1144952" y="757449"/>
-            <a:ext cx="1877181" cy="461665"/>
+            <a:off x="879844" y="1287392"/>
+            <a:ext cx="8423644" cy="646331"/>
           </a:xfrm>
           <a:prstGeom prst="rect">
             <a:avLst/>
@@ -5213,24 +5184,24 @@
           <a:noFill/>
         </p:spPr>
         <p:txBody>
-          <a:bodyPr wrap="none" rtlCol="0">
+          <a:bodyPr wrap="square">
             <a:spAutoFit/>
           </a:bodyPr>
           <a:lstStyle/>
           <a:p>
             <a:r>
-              <a:rPr lang="en-US" sz="2400" b="1" dirty="0"/>
-              <a:t>Prediction II: </a:t>
-            </a:r>
-          </a:p>
-        </p:txBody>
-      </p:sp>
-      <p:sp>
-        <p:nvSpPr>
-          <p:cNvPr id="4" name="TextBox 3">
-            <a:extLst>
-              <a:ext uri="{FF2B5EF4-FFF2-40B4-BE49-F238E27FC236}">
-                <a16:creationId xmlns:a16="http://schemas.microsoft.com/office/drawing/2014/main" id="{CE75CCA2-96CF-45C8-89FC-6ED0B40F3E75}"/>
+              <a:rPr lang="en-US" dirty="0"/>
+              <a:t>If I know some other cities (Burlington and Cleveland) of monthly mean temperature, can I predict the monthly mean temperature of New York city? </a:t>
+            </a:r>
+          </a:p>
+        </p:txBody>
+      </p:sp>
+      <p:sp>
+        <p:nvSpPr>
+          <p:cNvPr id="6" name="TextBox 5">
+            <a:extLst>
+              <a:ext uri="{FF2B5EF4-FFF2-40B4-BE49-F238E27FC236}">
+                <a16:creationId xmlns:a16="http://schemas.microsoft.com/office/drawing/2014/main" id="{0173B82D-13BD-4471-B852-98240B41A426}"/>
               </a:ext>
             </a:extLst>
           </p:cNvPr>
@@ -5239,8 +5210,43 @@
         </p:nvSpPr>
         <p:spPr>
           <a:xfrm>
-            <a:off x="1007434" y="1657540"/>
-            <a:ext cx="7753793" cy="4443011"/>
+            <a:off x="863966" y="488413"/>
+            <a:ext cx="2767123" cy="461665"/>
+          </a:xfrm>
+          <a:prstGeom prst="rect">
+            <a:avLst/>
+          </a:prstGeom>
+          <a:noFill/>
+        </p:spPr>
+        <p:txBody>
+          <a:bodyPr wrap="square">
+            <a:spAutoFit/>
+          </a:bodyPr>
+          <a:lstStyle/>
+          <a:p>
+            <a:r>
+              <a:rPr lang="en-US" sz="2400" b="1" dirty="0"/>
+              <a:t>Prediction I:</a:t>
+            </a:r>
+          </a:p>
+        </p:txBody>
+      </p:sp>
+      <p:sp>
+        <p:nvSpPr>
+          <p:cNvPr id="8" name="TextBox 7">
+            <a:extLst>
+              <a:ext uri="{FF2B5EF4-FFF2-40B4-BE49-F238E27FC236}">
+                <a16:creationId xmlns:a16="http://schemas.microsoft.com/office/drawing/2014/main" id="{CF61CFEE-9449-42F9-85BB-8A008F098A1F}"/>
+              </a:ext>
+            </a:extLst>
+          </p:cNvPr>
+          <p:cNvSpPr txBox="1"/>
+          <p:nvPr/>
+        </p:nvSpPr>
+        <p:spPr>
+          <a:xfrm>
+            <a:off x="879844" y="2366730"/>
+            <a:ext cx="7892016" cy="1561581"/>
           </a:xfrm>
           <a:prstGeom prst="rect">
             <a:avLst/>
@@ -5265,13 +5271,13 @@
               </a:spcAft>
             </a:pPr>
             <a:r>
-              <a:rPr lang="en-US" sz="1600" dirty="0">
+              <a:rPr lang="en-US" dirty="0">
                 <a:effectLst/>
                 <a:latin typeface="Calibri" panose="020F0502020204030204" pitchFamily="34" charset="0"/>
                 <a:ea typeface="DengXian" panose="02010600030101010101" pitchFamily="2" charset="-122"/>
                 <a:cs typeface="Times New Roman" panose="02020603050405020304" pitchFamily="18" charset="0"/>
               </a:rPr>
-              <a:t>Based on the 150 years of historical data of the monthly mean temperature of New York  city, can we predict the future temperatures of NYC?</a:t>
+              <a:t>KNN model: K =2, Train Score= 0.993, Test Score=0.981</a:t>
             </a:r>
           </a:p>
           <a:p>
@@ -5286,15 +5292,12 @@
                 <a:spcPts val="0"/>
               </a:spcAft>
             </a:pPr>
-            <a:r>
-              <a:rPr lang="en-US" sz="1600" dirty="0">
-                <a:effectLst/>
-                <a:latin typeface="Calibri" panose="020F0502020204030204" pitchFamily="34" charset="0"/>
-                <a:ea typeface="DengXian" panose="02010600030101010101" pitchFamily="2" charset="-122"/>
-                <a:cs typeface="Times New Roman" panose="02020603050405020304" pitchFamily="18" charset="0"/>
-              </a:rPr>
-              <a:t> </a:t>
-            </a:r>
+            <a:endParaRPr lang="en-US" dirty="0">
+              <a:effectLst/>
+              <a:latin typeface="Calibri" panose="020F0502020204030204" pitchFamily="34" charset="0"/>
+              <a:ea typeface="DengXian" panose="02010600030101010101" pitchFamily="2" charset="-122"/>
+              <a:cs typeface="Times New Roman" panose="02020603050405020304" pitchFamily="18" charset="0"/>
+            </a:endParaRPr>
           </a:p>
           <a:p>
             <a:pPr marL="57150" marR="0" indent="57150">
@@ -5309,13 +5312,31 @@
               </a:spcAft>
             </a:pPr>
             <a:r>
-              <a:rPr lang="en-US" sz="1600" dirty="0">
+              <a:rPr lang="en-US" dirty="0">
                 <a:effectLst/>
                 <a:latin typeface="Calibri" panose="020F0502020204030204" pitchFamily="34" charset="0"/>
                 <a:ea typeface="DengXian" panose="02010600030101010101" pitchFamily="2" charset="-122"/>
                 <a:cs typeface="Times New Roman" panose="02020603050405020304" pitchFamily="18" charset="0"/>
               </a:rPr>
-              <a:t>KNN model: K=1, Test Score =0.791; K=2, Test Score =0.673..</a:t>
+              <a:t>Linear Regression: Train Score= 0.994, Test Score= 0.990, MAE=1.28</a:t>
+            </a:r>
+            <a:r>
+              <a:rPr lang="en-US" dirty="0">
+                <a:effectLst/>
+                <a:latin typeface="Calibri" panose="020F0502020204030204" pitchFamily="34" charset="0"/>
+                <a:ea typeface="DengXian" panose="02010600030101010101" pitchFamily="2" charset="-122"/>
+                <a:cs typeface="Calibri" panose="020F0502020204030204" pitchFamily="34" charset="0"/>
+              </a:rPr>
+              <a:t>°</a:t>
+            </a:r>
+            <a:r>
+              <a:rPr lang="en-US" dirty="0">
+                <a:effectLst/>
+                <a:latin typeface="Calibri" panose="020F0502020204030204" pitchFamily="34" charset="0"/>
+                <a:ea typeface="DengXian" panose="02010600030101010101" pitchFamily="2" charset="-122"/>
+                <a:cs typeface="Times New Roman" panose="02020603050405020304" pitchFamily="18" charset="0"/>
+              </a:rPr>
+              <a:t>F</a:t>
             </a:r>
           </a:p>
           <a:p>
@@ -5330,13 +5351,64 @@
                 <a:spcPts val="0"/>
               </a:spcAft>
             </a:pPr>
-            <a:endParaRPr lang="en-US" sz="1600" dirty="0">
+            <a:endParaRPr lang="en-US" dirty="0">
               <a:effectLst/>
               <a:latin typeface="Calibri" panose="020F0502020204030204" pitchFamily="34" charset="0"/>
               <a:ea typeface="DengXian" panose="02010600030101010101" pitchFamily="2" charset="-122"/>
               <a:cs typeface="Times New Roman" panose="02020603050405020304" pitchFamily="18" charset="0"/>
             </a:endParaRPr>
           </a:p>
+          <a:p>
+            <a:pPr marL="57150" marR="0" indent="57150">
+              <a:lnSpc>
+                <a:spcPct val="107000"/>
+              </a:lnSpc>
+              <a:spcBef>
+                <a:spcPts val="0"/>
+              </a:spcBef>
+              <a:spcAft>
+                <a:spcPts val="800"/>
+              </a:spcAft>
+            </a:pPr>
+            <a:r>
+              <a:rPr lang="en-US" dirty="0">
+                <a:effectLst/>
+                <a:latin typeface="Calibri" panose="020F0502020204030204" pitchFamily="34" charset="0"/>
+                <a:ea typeface="DengXian" panose="02010600030101010101" pitchFamily="2" charset="-122"/>
+                <a:cs typeface="Times New Roman" panose="02020603050405020304" pitchFamily="18" charset="0"/>
+              </a:rPr>
+              <a:t>Gradient Boosting: Train Score= 0.998, Test Score= 0.988, MAE= 1.36 °F</a:t>
+            </a:r>
+          </a:p>
+        </p:txBody>
+      </p:sp>
+      <p:sp>
+        <p:nvSpPr>
+          <p:cNvPr id="10" name="TextBox 9">
+            <a:extLst>
+              <a:ext uri="{FF2B5EF4-FFF2-40B4-BE49-F238E27FC236}">
+                <a16:creationId xmlns:a16="http://schemas.microsoft.com/office/drawing/2014/main" id="{A4AB21BE-D419-4CC0-B723-6C0D07A831D4}"/>
+              </a:ext>
+            </a:extLst>
+          </p:cNvPr>
+          <p:cNvSpPr txBox="1"/>
+          <p:nvPr/>
+        </p:nvSpPr>
+        <p:spPr>
+          <a:xfrm>
+            <a:off x="863966" y="4915049"/>
+            <a:ext cx="7721895" cy="858184"/>
+          </a:xfrm>
+          <a:prstGeom prst="rect">
+            <a:avLst/>
+          </a:prstGeom>
+          <a:noFill/>
+        </p:spPr>
+        <p:txBody>
+          <a:bodyPr wrap="square">
+            <a:spAutoFit/>
+          </a:bodyPr>
+          <a:lstStyle/>
           <a:p>
             <a:pPr marL="57150" marR="0" indent="57150">
               <a:lnSpc>
@@ -5350,110 +5422,14 @@
               </a:spcAft>
             </a:pPr>
             <a:r>
-              <a:rPr lang="en-US" sz="1600" dirty="0">
+              <a:rPr lang="en-US" dirty="0">
                 <a:effectLst/>
                 <a:latin typeface="Calibri" panose="020F0502020204030204" pitchFamily="34" charset="0"/>
                 <a:ea typeface="DengXian" panose="02010600030101010101" pitchFamily="2" charset="-122"/>
                 <a:cs typeface="Times New Roman" panose="02020603050405020304" pitchFamily="18" charset="0"/>
               </a:rPr>
-              <a:t>Linear Regression: Train Score = 0.965, Test Score= 0.964, MAE= 2.384</a:t>
-            </a:r>
-            <a:r>
-              <a:rPr lang="en-US" sz="1600" dirty="0">
-                <a:effectLst/>
-                <a:latin typeface="Calibri" panose="020F0502020204030204" pitchFamily="34" charset="0"/>
-                <a:ea typeface="DengXian" panose="02010600030101010101" pitchFamily="2" charset="-122"/>
-                <a:cs typeface="Calibri" panose="020F0502020204030204" pitchFamily="34" charset="0"/>
-              </a:rPr>
-              <a:t>°</a:t>
-            </a:r>
-            <a:r>
-              <a:rPr lang="en-US" sz="1600" dirty="0">
-                <a:effectLst/>
-                <a:latin typeface="Calibri" panose="020F0502020204030204" pitchFamily="34" charset="0"/>
-                <a:ea typeface="DengXian" panose="02010600030101010101" pitchFamily="2" charset="-122"/>
-                <a:cs typeface="Times New Roman" panose="02020603050405020304" pitchFamily="18" charset="0"/>
-              </a:rPr>
-              <a:t>F</a:t>
-            </a:r>
-          </a:p>
-          <a:p>
-            <a:pPr marL="57150" marR="0" indent="57150">
-              <a:lnSpc>
-                <a:spcPct val="107000"/>
-              </a:lnSpc>
-              <a:spcBef>
-                <a:spcPts val="0"/>
-              </a:spcBef>
-              <a:spcAft>
-                <a:spcPts val="0"/>
-              </a:spcAft>
-            </a:pPr>
-            <a:endParaRPr lang="en-US" sz="1600" dirty="0">
-              <a:effectLst/>
-              <a:latin typeface="Calibri" panose="020F0502020204030204" pitchFamily="34" charset="0"/>
-              <a:ea typeface="DengXian" panose="02010600030101010101" pitchFamily="2" charset="-122"/>
-              <a:cs typeface="Times New Roman" panose="02020603050405020304" pitchFamily="18" charset="0"/>
-            </a:endParaRPr>
-          </a:p>
-          <a:p>
-            <a:pPr marL="57150" marR="0" indent="57150">
-              <a:lnSpc>
-                <a:spcPct val="107000"/>
-              </a:lnSpc>
-              <a:spcBef>
-                <a:spcPts val="0"/>
-              </a:spcBef>
-              <a:spcAft>
-                <a:spcPts val="0"/>
-              </a:spcAft>
-            </a:pPr>
-            <a:r>
-              <a:rPr lang="en-US" sz="1600" dirty="0">
-                <a:effectLst/>
-                <a:latin typeface="Calibri" panose="020F0502020204030204" pitchFamily="34" charset="0"/>
-                <a:ea typeface="DengXian" panose="02010600030101010101" pitchFamily="2" charset="-122"/>
-                <a:cs typeface="Times New Roman" panose="02020603050405020304" pitchFamily="18" charset="0"/>
-              </a:rPr>
-              <a:t>Gradient Boosting: Train Score = 0.969, Test Score= 0.965, MAE= 2.376</a:t>
-            </a:r>
-            <a:r>
-              <a:rPr lang="en-US" sz="1600" dirty="0">
-                <a:effectLst/>
-                <a:latin typeface="Calibri" panose="020F0502020204030204" pitchFamily="34" charset="0"/>
-                <a:ea typeface="DengXian" panose="02010600030101010101" pitchFamily="2" charset="-122"/>
-                <a:cs typeface="Calibri" panose="020F0502020204030204" pitchFamily="34" charset="0"/>
-              </a:rPr>
-              <a:t>°</a:t>
-            </a:r>
-            <a:r>
-              <a:rPr lang="en-US" sz="1600" dirty="0">
-                <a:effectLst/>
-                <a:latin typeface="Calibri" panose="020F0502020204030204" pitchFamily="34" charset="0"/>
-                <a:ea typeface="DengXian" panose="02010600030101010101" pitchFamily="2" charset="-122"/>
-                <a:cs typeface="Times New Roman" panose="02020603050405020304" pitchFamily="18" charset="0"/>
-              </a:rPr>
-              <a:t>F</a:t>
-            </a:r>
-          </a:p>
-          <a:p>
-            <a:pPr marL="57150" marR="0" indent="57150">
-              <a:lnSpc>
-                <a:spcPct val="107000"/>
-              </a:lnSpc>
-              <a:spcBef>
-                <a:spcPts val="0"/>
-              </a:spcBef>
-              <a:spcAft>
-                <a:spcPts val="0"/>
-              </a:spcAft>
-            </a:pPr>
-            <a:endParaRPr lang="en-US" sz="1600" dirty="0">
-              <a:effectLst/>
-              <a:latin typeface="Calibri" panose="020F0502020204030204" pitchFamily="34" charset="0"/>
-              <a:ea typeface="DengXian" panose="02010600030101010101" pitchFamily="2" charset="-122"/>
-              <a:cs typeface="Times New Roman" panose="02020603050405020304" pitchFamily="18" charset="0"/>
-            </a:endParaRPr>
+              <a:t>Conclusion: It is easy to predict a city’s temperature if you know the temperature of other US cities at the same time.</a:t>
+            </a:r>
           </a:p>
           <a:p>
             <a:pPr marL="57150" marR="0" indent="57150">
@@ -5468,116 +5444,21 @@
               </a:spcAft>
             </a:pPr>
             <a:r>
-              <a:rPr lang="en-US" sz="1600" dirty="0">
+              <a:rPr lang="en-US" sz="1100" dirty="0">
                 <a:effectLst/>
                 <a:latin typeface="Calibri" panose="020F0502020204030204" pitchFamily="34" charset="0"/>
                 <a:ea typeface="DengXian" panose="02010600030101010101" pitchFamily="2" charset="-122"/>
                 <a:cs typeface="Times New Roman" panose="02020603050405020304" pitchFamily="18" charset="0"/>
               </a:rPr>
-              <a:t>Random Forest: Test Score= 0.948, MAE= 2.759 </a:t>
-            </a:r>
-            <a:r>
-              <a:rPr lang="en-US" sz="1600" dirty="0">
-                <a:effectLst/>
-                <a:latin typeface="Calibri" panose="020F0502020204030204" pitchFamily="34" charset="0"/>
-                <a:ea typeface="DengXian" panose="02010600030101010101" pitchFamily="2" charset="-122"/>
-                <a:cs typeface="Calibri" panose="020F0502020204030204" pitchFamily="34" charset="0"/>
-              </a:rPr>
-              <a:t>°</a:t>
-            </a:r>
-            <a:r>
-              <a:rPr lang="en-US" sz="1600" dirty="0">
-                <a:effectLst/>
-                <a:latin typeface="Calibri" panose="020F0502020204030204" pitchFamily="34" charset="0"/>
-                <a:ea typeface="DengXian" panose="02010600030101010101" pitchFamily="2" charset="-122"/>
-                <a:cs typeface="Times New Roman" panose="02020603050405020304" pitchFamily="18" charset="0"/>
-              </a:rPr>
-              <a:t>F</a:t>
-            </a:r>
-          </a:p>
-          <a:p>
-            <a:pPr marL="57150" marR="0" indent="57150">
-              <a:lnSpc>
-                <a:spcPct val="107000"/>
-              </a:lnSpc>
-              <a:spcBef>
-                <a:spcPts val="0"/>
-              </a:spcBef>
-              <a:spcAft>
-                <a:spcPts val="800"/>
-              </a:spcAft>
-            </a:pPr>
-            <a:endParaRPr lang="en-US" sz="1600" dirty="0">
-              <a:latin typeface="Calibri" panose="020F0502020204030204" pitchFamily="34" charset="0"/>
-              <a:ea typeface="DengXian" panose="02010600030101010101" pitchFamily="2" charset="-122"/>
-              <a:cs typeface="Times New Roman" panose="02020603050405020304" pitchFamily="18" charset="0"/>
-            </a:endParaRPr>
-          </a:p>
-          <a:p>
-            <a:pPr marL="57150" marR="0" indent="57150">
-              <a:lnSpc>
-                <a:spcPct val="107000"/>
-              </a:lnSpc>
-              <a:spcBef>
-                <a:spcPts val="0"/>
-              </a:spcBef>
-              <a:spcAft>
-                <a:spcPts val="800"/>
-              </a:spcAft>
-            </a:pPr>
-            <a:r>
-              <a:rPr lang="en-US" sz="1600" dirty="0">
-                <a:effectLst/>
-                <a:latin typeface="Calibri" panose="020F0502020204030204" pitchFamily="34" charset="0"/>
-                <a:ea typeface="DengXian" panose="02010600030101010101" pitchFamily="2" charset="-122"/>
-                <a:cs typeface="Times New Roman" panose="02020603050405020304" pitchFamily="18" charset="0"/>
-              </a:rPr>
-              <a:t>Gradient Boosting cannot give a future temperature prediction (like 2100), only Linear Regression works well.</a:t>
-            </a:r>
-          </a:p>
-          <a:p>
-            <a:pPr marL="57150" marR="0" indent="57150">
-              <a:lnSpc>
-                <a:spcPct val="107000"/>
-              </a:lnSpc>
-              <a:spcBef>
-                <a:spcPts val="0"/>
-              </a:spcBef>
-              <a:spcAft>
-                <a:spcPts val="800"/>
-              </a:spcAft>
-            </a:pPr>
-            <a:endParaRPr lang="en-US" sz="1600" dirty="0">
-              <a:latin typeface="Calibri" panose="020F0502020204030204" pitchFamily="34" charset="0"/>
-              <a:ea typeface="DengXian" panose="02010600030101010101" pitchFamily="2" charset="-122"/>
-              <a:cs typeface="Times New Roman" panose="02020603050405020304" pitchFamily="18" charset="0"/>
-            </a:endParaRPr>
-          </a:p>
-          <a:p>
-            <a:pPr marL="57150" marR="0" indent="57150">
-              <a:lnSpc>
-                <a:spcPct val="107000"/>
-              </a:lnSpc>
-              <a:spcBef>
-                <a:spcPts val="0"/>
-              </a:spcBef>
-              <a:spcAft>
-                <a:spcPts val="800"/>
-              </a:spcAft>
-            </a:pPr>
-            <a:endParaRPr lang="en-US" sz="1600" dirty="0">
-              <a:effectLst/>
-              <a:latin typeface="Calibri" panose="020F0502020204030204" pitchFamily="34" charset="0"/>
-              <a:ea typeface="DengXian" panose="02010600030101010101" pitchFamily="2" charset="-122"/>
-              <a:cs typeface="Times New Roman" panose="02020603050405020304" pitchFamily="18" charset="0"/>
-            </a:endParaRPr>
+              <a:t> </a:t>
+            </a:r>
           </a:p>
         </p:txBody>
       </p:sp>
     </p:spTree>
     <p:extLst>
       <p:ext uri="{BB962C8B-B14F-4D97-AF65-F5344CB8AC3E}">
-        <p14:creationId xmlns:p14="http://schemas.microsoft.com/office/powerpoint/2010/main" val="2215991776"/>
+        <p14:creationId xmlns:p14="http://schemas.microsoft.com/office/powerpoint/2010/main" val="912388309"/>
       </p:ext>
     </p:extLst>
   </p:cSld>
@@ -5604,6 +5485,420 @@
           <a:chExt cx="0" cy="0"/>
         </a:xfrm>
       </p:grpSpPr>
+      <p:sp>
+        <p:nvSpPr>
+          <p:cNvPr id="2" name="TextBox 1">
+            <a:extLst>
+              <a:ext uri="{FF2B5EF4-FFF2-40B4-BE49-F238E27FC236}">
+                <a16:creationId xmlns:a16="http://schemas.microsoft.com/office/drawing/2014/main" id="{FA74CDEE-99F9-484E-9434-4295ECE0B6B1}"/>
+              </a:ext>
+            </a:extLst>
+          </p:cNvPr>
+          <p:cNvSpPr txBox="1"/>
+          <p:nvPr/>
+        </p:nvSpPr>
+        <p:spPr>
+          <a:xfrm>
+            <a:off x="1144952" y="757449"/>
+            <a:ext cx="1877181" cy="461665"/>
+          </a:xfrm>
+          <a:prstGeom prst="rect">
+            <a:avLst/>
+          </a:prstGeom>
+          <a:noFill/>
+        </p:spPr>
+        <p:txBody>
+          <a:bodyPr wrap="none" rtlCol="0">
+            <a:spAutoFit/>
+          </a:bodyPr>
+          <a:lstStyle/>
+          <a:p>
+            <a:r>
+              <a:rPr lang="en-US" sz="2400" b="1" dirty="0"/>
+              <a:t>Prediction II: </a:t>
+            </a:r>
+          </a:p>
+        </p:txBody>
+      </p:sp>
+      <p:sp>
+        <p:nvSpPr>
+          <p:cNvPr id="4" name="TextBox 3">
+            <a:extLst>
+              <a:ext uri="{FF2B5EF4-FFF2-40B4-BE49-F238E27FC236}">
+                <a16:creationId xmlns:a16="http://schemas.microsoft.com/office/drawing/2014/main" id="{CE75CCA2-96CF-45C8-89FC-6ED0B40F3E75}"/>
+              </a:ext>
+            </a:extLst>
+          </p:cNvPr>
+          <p:cNvSpPr txBox="1"/>
+          <p:nvPr/>
+        </p:nvSpPr>
+        <p:spPr>
+          <a:xfrm>
+            <a:off x="1007434" y="1657540"/>
+            <a:ext cx="7753793" cy="4443011"/>
+          </a:xfrm>
+          <a:prstGeom prst="rect">
+            <a:avLst/>
+          </a:prstGeom>
+          <a:noFill/>
+        </p:spPr>
+        <p:txBody>
+          <a:bodyPr wrap="square">
+            <a:spAutoFit/>
+          </a:bodyPr>
+          <a:lstStyle/>
+          <a:p>
+            <a:pPr marL="57150" marR="0" indent="57150">
+              <a:lnSpc>
+                <a:spcPct val="107000"/>
+              </a:lnSpc>
+              <a:spcBef>
+                <a:spcPts val="0"/>
+              </a:spcBef>
+              <a:spcAft>
+                <a:spcPts val="0"/>
+              </a:spcAft>
+            </a:pPr>
+            <a:r>
+              <a:rPr lang="en-US" sz="1600" dirty="0">
+                <a:effectLst/>
+                <a:latin typeface="Calibri" panose="020F0502020204030204" pitchFamily="34" charset="0"/>
+                <a:ea typeface="DengXian" panose="02010600030101010101" pitchFamily="2" charset="-122"/>
+                <a:cs typeface="Times New Roman" panose="02020603050405020304" pitchFamily="18" charset="0"/>
+              </a:rPr>
+              <a:t>Based on the 150 years of historical data of the monthly mean temperature of New York  city, can we predict the future temperatures of NYC?</a:t>
+            </a:r>
+          </a:p>
+          <a:p>
+            <a:pPr marL="57150" marR="0" indent="57150">
+              <a:lnSpc>
+                <a:spcPct val="107000"/>
+              </a:lnSpc>
+              <a:spcBef>
+                <a:spcPts val="0"/>
+              </a:spcBef>
+              <a:spcAft>
+                <a:spcPts val="0"/>
+              </a:spcAft>
+            </a:pPr>
+            <a:r>
+              <a:rPr lang="en-US" sz="1600" dirty="0">
+                <a:effectLst/>
+                <a:latin typeface="Calibri" panose="020F0502020204030204" pitchFamily="34" charset="0"/>
+                <a:ea typeface="DengXian" panose="02010600030101010101" pitchFamily="2" charset="-122"/>
+                <a:cs typeface="Times New Roman" panose="02020603050405020304" pitchFamily="18" charset="0"/>
+              </a:rPr>
+              <a:t> </a:t>
+            </a:r>
+          </a:p>
+          <a:p>
+            <a:pPr marL="57150" marR="0" indent="57150">
+              <a:lnSpc>
+                <a:spcPct val="107000"/>
+              </a:lnSpc>
+              <a:spcBef>
+                <a:spcPts val="0"/>
+              </a:spcBef>
+              <a:spcAft>
+                <a:spcPts val="0"/>
+              </a:spcAft>
+            </a:pPr>
+            <a:r>
+              <a:rPr lang="en-US" sz="1600" dirty="0">
+                <a:effectLst/>
+                <a:latin typeface="Calibri" panose="020F0502020204030204" pitchFamily="34" charset="0"/>
+                <a:ea typeface="DengXian" panose="02010600030101010101" pitchFamily="2" charset="-122"/>
+                <a:cs typeface="Times New Roman" panose="02020603050405020304" pitchFamily="18" charset="0"/>
+              </a:rPr>
+              <a:t>KNN model: K=1, Test Score =0.892; K=2, Test Score =-0.272..</a:t>
+            </a:r>
+          </a:p>
+          <a:p>
+            <a:pPr marL="57150" marR="0" indent="57150">
+              <a:lnSpc>
+                <a:spcPct val="107000"/>
+              </a:lnSpc>
+              <a:spcBef>
+                <a:spcPts val="0"/>
+              </a:spcBef>
+              <a:spcAft>
+                <a:spcPts val="0"/>
+              </a:spcAft>
+            </a:pPr>
+            <a:endParaRPr lang="en-US" sz="1600" dirty="0">
+              <a:effectLst/>
+              <a:latin typeface="Calibri" panose="020F0502020204030204" pitchFamily="34" charset="0"/>
+              <a:ea typeface="DengXian" panose="02010600030101010101" pitchFamily="2" charset="-122"/>
+              <a:cs typeface="Times New Roman" panose="02020603050405020304" pitchFamily="18" charset="0"/>
+            </a:endParaRPr>
+          </a:p>
+          <a:p>
+            <a:pPr marL="57150" marR="0" indent="57150">
+              <a:lnSpc>
+                <a:spcPct val="107000"/>
+              </a:lnSpc>
+              <a:spcBef>
+                <a:spcPts val="0"/>
+              </a:spcBef>
+              <a:spcAft>
+                <a:spcPts val="0"/>
+              </a:spcAft>
+            </a:pPr>
+            <a:r>
+              <a:rPr lang="en-US" sz="1600" dirty="0">
+                <a:effectLst/>
+                <a:latin typeface="Calibri" panose="020F0502020204030204" pitchFamily="34" charset="0"/>
+                <a:ea typeface="DengXian" panose="02010600030101010101" pitchFamily="2" charset="-122"/>
+                <a:cs typeface="Times New Roman" panose="02020603050405020304" pitchFamily="18" charset="0"/>
+              </a:rPr>
+              <a:t>Linear Regression: Train Score = 0.965, Test Score= 0.959, MAE= 2.45</a:t>
+            </a:r>
+            <a:r>
+              <a:rPr lang="en-US" sz="1600" dirty="0">
+                <a:effectLst/>
+                <a:latin typeface="Calibri" panose="020F0502020204030204" pitchFamily="34" charset="0"/>
+                <a:ea typeface="DengXian" panose="02010600030101010101" pitchFamily="2" charset="-122"/>
+                <a:cs typeface="Calibri" panose="020F0502020204030204" pitchFamily="34" charset="0"/>
+              </a:rPr>
+              <a:t>°</a:t>
+            </a:r>
+            <a:r>
+              <a:rPr lang="en-US" sz="1600" dirty="0">
+                <a:effectLst/>
+                <a:latin typeface="Calibri" panose="020F0502020204030204" pitchFamily="34" charset="0"/>
+                <a:ea typeface="DengXian" panose="02010600030101010101" pitchFamily="2" charset="-122"/>
+                <a:cs typeface="Times New Roman" panose="02020603050405020304" pitchFamily="18" charset="0"/>
+              </a:rPr>
+              <a:t>F</a:t>
+            </a:r>
+          </a:p>
+          <a:p>
+            <a:pPr marL="57150" marR="0" indent="57150">
+              <a:lnSpc>
+                <a:spcPct val="107000"/>
+              </a:lnSpc>
+              <a:spcBef>
+                <a:spcPts val="0"/>
+              </a:spcBef>
+              <a:spcAft>
+                <a:spcPts val="0"/>
+              </a:spcAft>
+            </a:pPr>
+            <a:endParaRPr lang="en-US" sz="1600" dirty="0">
+              <a:effectLst/>
+              <a:latin typeface="Calibri" panose="020F0502020204030204" pitchFamily="34" charset="0"/>
+              <a:ea typeface="DengXian" panose="02010600030101010101" pitchFamily="2" charset="-122"/>
+              <a:cs typeface="Times New Roman" panose="02020603050405020304" pitchFamily="18" charset="0"/>
+            </a:endParaRPr>
+          </a:p>
+          <a:p>
+            <a:pPr marL="57150" marR="0" indent="57150">
+              <a:lnSpc>
+                <a:spcPct val="107000"/>
+              </a:lnSpc>
+              <a:spcBef>
+                <a:spcPts val="0"/>
+              </a:spcBef>
+              <a:spcAft>
+                <a:spcPts val="0"/>
+              </a:spcAft>
+            </a:pPr>
+            <a:r>
+              <a:rPr lang="en-US" sz="1600" dirty="0">
+                <a:effectLst/>
+                <a:latin typeface="Calibri" panose="020F0502020204030204" pitchFamily="34" charset="0"/>
+                <a:ea typeface="DengXian" panose="02010600030101010101" pitchFamily="2" charset="-122"/>
+                <a:cs typeface="Times New Roman" panose="02020603050405020304" pitchFamily="18" charset="0"/>
+              </a:rPr>
+              <a:t>Gradient Boosting: Train Score = 0.969, Test Score= 0.930, MAE= 2.89</a:t>
+            </a:r>
+            <a:r>
+              <a:rPr lang="en-US" sz="1600" dirty="0">
+                <a:effectLst/>
+                <a:latin typeface="Calibri" panose="020F0502020204030204" pitchFamily="34" charset="0"/>
+                <a:ea typeface="DengXian" panose="02010600030101010101" pitchFamily="2" charset="-122"/>
+                <a:cs typeface="Calibri" panose="020F0502020204030204" pitchFamily="34" charset="0"/>
+              </a:rPr>
+              <a:t>°</a:t>
+            </a:r>
+            <a:r>
+              <a:rPr lang="en-US" sz="1600" dirty="0">
+                <a:effectLst/>
+                <a:latin typeface="Calibri" panose="020F0502020204030204" pitchFamily="34" charset="0"/>
+                <a:ea typeface="DengXian" panose="02010600030101010101" pitchFamily="2" charset="-122"/>
+                <a:cs typeface="Times New Roman" panose="02020603050405020304" pitchFamily="18" charset="0"/>
+              </a:rPr>
+              <a:t>F</a:t>
+            </a:r>
+          </a:p>
+          <a:p>
+            <a:pPr marL="57150" marR="0" indent="57150">
+              <a:lnSpc>
+                <a:spcPct val="107000"/>
+              </a:lnSpc>
+              <a:spcBef>
+                <a:spcPts val="0"/>
+              </a:spcBef>
+              <a:spcAft>
+                <a:spcPts val="0"/>
+              </a:spcAft>
+            </a:pPr>
+            <a:endParaRPr lang="en-US" sz="1600" dirty="0">
+              <a:effectLst/>
+              <a:latin typeface="Calibri" panose="020F0502020204030204" pitchFamily="34" charset="0"/>
+              <a:ea typeface="DengXian" panose="02010600030101010101" pitchFamily="2" charset="-122"/>
+              <a:cs typeface="Times New Roman" panose="02020603050405020304" pitchFamily="18" charset="0"/>
+            </a:endParaRPr>
+          </a:p>
+          <a:p>
+            <a:pPr marL="57150" marR="0" indent="57150">
+              <a:lnSpc>
+                <a:spcPct val="107000"/>
+              </a:lnSpc>
+              <a:spcBef>
+                <a:spcPts val="0"/>
+              </a:spcBef>
+              <a:spcAft>
+                <a:spcPts val="800"/>
+              </a:spcAft>
+            </a:pPr>
+            <a:r>
+              <a:rPr lang="en-US" sz="1600" dirty="0">
+                <a:effectLst/>
+                <a:latin typeface="Calibri" panose="020F0502020204030204" pitchFamily="34" charset="0"/>
+                <a:ea typeface="DengXian" panose="02010600030101010101" pitchFamily="2" charset="-122"/>
+                <a:cs typeface="Times New Roman" panose="02020603050405020304" pitchFamily="18" charset="0"/>
+              </a:rPr>
+              <a:t>Random Forest: Test Score= 0.928, MAE= 2.95</a:t>
+            </a:r>
+            <a:r>
+              <a:rPr lang="en-US" sz="1600" dirty="0">
+                <a:effectLst/>
+                <a:latin typeface="Calibri" panose="020F0502020204030204" pitchFamily="34" charset="0"/>
+                <a:ea typeface="DengXian" panose="02010600030101010101" pitchFamily="2" charset="-122"/>
+                <a:cs typeface="Calibri" panose="020F0502020204030204" pitchFamily="34" charset="0"/>
+              </a:rPr>
+              <a:t>°</a:t>
+            </a:r>
+            <a:r>
+              <a:rPr lang="en-US" sz="1600" dirty="0">
+                <a:effectLst/>
+                <a:latin typeface="Calibri" panose="020F0502020204030204" pitchFamily="34" charset="0"/>
+                <a:ea typeface="DengXian" panose="02010600030101010101" pitchFamily="2" charset="-122"/>
+                <a:cs typeface="Times New Roman" panose="02020603050405020304" pitchFamily="18" charset="0"/>
+              </a:rPr>
+              <a:t>F</a:t>
+            </a:r>
+          </a:p>
+          <a:p>
+            <a:pPr marL="57150" marR="0" indent="57150">
+              <a:lnSpc>
+                <a:spcPct val="107000"/>
+              </a:lnSpc>
+              <a:spcBef>
+                <a:spcPts val="0"/>
+              </a:spcBef>
+              <a:spcAft>
+                <a:spcPts val="800"/>
+              </a:spcAft>
+            </a:pPr>
+            <a:endParaRPr lang="en-US" sz="1600" dirty="0">
+              <a:latin typeface="Calibri" panose="020F0502020204030204" pitchFamily="34" charset="0"/>
+              <a:ea typeface="DengXian" panose="02010600030101010101" pitchFamily="2" charset="-122"/>
+              <a:cs typeface="Times New Roman" panose="02020603050405020304" pitchFamily="18" charset="0"/>
+            </a:endParaRPr>
+          </a:p>
+          <a:p>
+            <a:pPr marL="57150" marR="0" indent="57150">
+              <a:lnSpc>
+                <a:spcPct val="107000"/>
+              </a:lnSpc>
+              <a:spcBef>
+                <a:spcPts val="0"/>
+              </a:spcBef>
+              <a:spcAft>
+                <a:spcPts val="800"/>
+              </a:spcAft>
+            </a:pPr>
+            <a:r>
+              <a:rPr lang="en-US" sz="1600" dirty="0">
+                <a:effectLst/>
+                <a:latin typeface="Calibri" panose="020F0502020204030204" pitchFamily="34" charset="0"/>
+                <a:ea typeface="DengXian" panose="02010600030101010101" pitchFamily="2" charset="-122"/>
+                <a:cs typeface="Times New Roman" panose="02020603050405020304" pitchFamily="18" charset="0"/>
+              </a:rPr>
+              <a:t>Gradient Boosting cannot give a future temperature prediction (like 2100), only Linear Regression works well.</a:t>
+            </a:r>
+          </a:p>
+          <a:p>
+            <a:pPr marL="57150" marR="0" indent="57150">
+              <a:lnSpc>
+                <a:spcPct val="107000"/>
+              </a:lnSpc>
+              <a:spcBef>
+                <a:spcPts val="0"/>
+              </a:spcBef>
+              <a:spcAft>
+                <a:spcPts val="800"/>
+              </a:spcAft>
+            </a:pPr>
+            <a:endParaRPr lang="en-US" sz="1600" dirty="0">
+              <a:latin typeface="Calibri" panose="020F0502020204030204" pitchFamily="34" charset="0"/>
+              <a:ea typeface="DengXian" panose="02010600030101010101" pitchFamily="2" charset="-122"/>
+              <a:cs typeface="Times New Roman" panose="02020603050405020304" pitchFamily="18" charset="0"/>
+            </a:endParaRPr>
+          </a:p>
+          <a:p>
+            <a:pPr marL="57150" marR="0" indent="57150">
+              <a:lnSpc>
+                <a:spcPct val="107000"/>
+              </a:lnSpc>
+              <a:spcBef>
+                <a:spcPts val="0"/>
+              </a:spcBef>
+              <a:spcAft>
+                <a:spcPts val="800"/>
+              </a:spcAft>
+            </a:pPr>
+            <a:endParaRPr lang="en-US" sz="1600" dirty="0">
+              <a:effectLst/>
+              <a:latin typeface="Calibri" panose="020F0502020204030204" pitchFamily="34" charset="0"/>
+              <a:ea typeface="DengXian" panose="02010600030101010101" pitchFamily="2" charset="-122"/>
+              <a:cs typeface="Times New Roman" panose="02020603050405020304" pitchFamily="18" charset="0"/>
+            </a:endParaRPr>
+          </a:p>
+        </p:txBody>
+      </p:sp>
+    </p:spTree>
+    <p:extLst>
+      <p:ext uri="{BB962C8B-B14F-4D97-AF65-F5344CB8AC3E}">
+        <p14:creationId xmlns:p14="http://schemas.microsoft.com/office/powerpoint/2010/main" val="2215991776"/>
+      </p:ext>
+    </p:extLst>
+  </p:cSld>
+  <p:clrMapOvr>
+    <a:masterClrMapping/>
+  </p:clrMapOvr>
+</p:sld>
+</file>
+
+<file path=ppt/slides/slide16.xml><?xml version="1.0" encoding="utf-8"?>
+<p:sld xmlns:a="http://schemas.openxmlformats.org/drawingml/2006/main" xmlns:r="http://schemas.openxmlformats.org/officeDocument/2006/relationships" xmlns:p="http://schemas.openxmlformats.org/presentationml/2006/main">
+  <p:cSld>
+    <p:spTree>
+      <p:nvGrpSpPr>
+        <p:cNvPr id="1" name=""/>
+        <p:cNvGrpSpPr/>
+        <p:nvPr/>
+      </p:nvGrpSpPr>
+      <p:grpSpPr>
+        <a:xfrm>
+          <a:off x="0" y="0"/>
+          <a:ext cx="0" cy="0"/>
+          <a:chOff x="0" y="0"/>
+          <a:chExt cx="0" cy="0"/>
+        </a:xfrm>
+      </p:grpSpPr>
       <p:pic>
         <p:nvPicPr>
           <p:cNvPr id="6146" name="Picture 2">
@@ -5699,7 +5994,7 @@
 </p:sld>
 </file>
 
-<file path=ppt/slides/slide16.xml><?xml version="1.0" encoding="utf-8"?>
+<file path=ppt/slides/slide17.xml><?xml version="1.0" encoding="utf-8"?>
 <p:sld xmlns:a="http://schemas.openxmlformats.org/drawingml/2006/main" xmlns:r="http://schemas.openxmlformats.org/officeDocument/2006/relationships" xmlns:p="http://schemas.openxmlformats.org/presentationml/2006/main">
   <p:cSld>
     <p:spTree>
@@ -5860,7 +6155,7 @@
                 <a:ea typeface="DengXian" panose="02010600030101010101" pitchFamily="2" charset="-122"/>
                 <a:cs typeface="Times New Roman" panose="02020603050405020304" pitchFamily="18" charset="0"/>
               </a:rPr>
-              <a:t>KNN model: K =11, Train Score= 0.944, Test Score=0.907</a:t>
+              <a:t>KNN model: K =4, Train Score= 0.951, Test Score=0.916</a:t>
             </a:r>
           </a:p>
           <a:p>
@@ -5901,7 +6196,7 @@
                 <a:ea typeface="DengXian" panose="02010600030101010101" pitchFamily="2" charset="-122"/>
                 <a:cs typeface="Times New Roman" panose="02020603050405020304" pitchFamily="18" charset="0"/>
               </a:rPr>
-              <a:t>Linear Regression: Train Score= 0.975, Test Score= 0.944</a:t>
+              <a:t>Linear Regression: Train Score= 0.969, Test Score= 0.969</a:t>
             </a:r>
           </a:p>
           <a:p>
@@ -5942,7 +6237,7 @@
                 <a:ea typeface="DengXian" panose="02010600030101010101" pitchFamily="2" charset="-122"/>
                 <a:cs typeface="Times New Roman" panose="02020603050405020304" pitchFamily="18" charset="0"/>
               </a:rPr>
-              <a:t>Gradient Boosting: Train Score= 0.993, Test Score= 0.932</a:t>
+              <a:t>Gradient Boosting: Train Score= 0.992, Test Score= 0.914</a:t>
             </a:r>
           </a:p>
           <a:p>
@@ -6045,7 +6340,7 @@
 </p:sld>
 </file>
 
-<file path=ppt/slides/slide17.xml><?xml version="1.0" encoding="utf-8"?>
+<file path=ppt/slides/slide18.xml><?xml version="1.0" encoding="utf-8"?>
 <p:sld xmlns:a="http://schemas.openxmlformats.org/drawingml/2006/main" xmlns:r="http://schemas.openxmlformats.org/officeDocument/2006/relationships" xmlns:p="http://schemas.openxmlformats.org/presentationml/2006/main">
   <p:cSld>
     <p:spTree>
@@ -6311,7 +6606,7 @@
 </p:sld>
 </file>
 
-<file path=ppt/slides/slide18.xml><?xml version="1.0" encoding="utf-8"?>
+<file path=ppt/slides/slide19.xml><?xml version="1.0" encoding="utf-8"?>
 <p:sld xmlns:a="http://schemas.openxmlformats.org/drawingml/2006/main" xmlns:r="http://schemas.openxmlformats.org/officeDocument/2006/relationships" xmlns:p="http://schemas.openxmlformats.org/presentationml/2006/main">
   <p:cSld>
     <p:spTree>
@@ -7147,12 +7442,98 @@
           <a:chExt cx="0" cy="0"/>
         </a:xfrm>
       </p:grpSpPr>
+      <p:sp>
+        <p:nvSpPr>
+          <p:cNvPr id="3" name="TextBox 2">
+            <a:extLst>
+              <a:ext uri="{FF2B5EF4-FFF2-40B4-BE49-F238E27FC236}">
+                <a16:creationId xmlns:a16="http://schemas.microsoft.com/office/drawing/2014/main" id="{B885422C-E7A2-45F1-8F5C-C85B729B9867}"/>
+              </a:ext>
+            </a:extLst>
+          </p:cNvPr>
+          <p:cNvSpPr txBox="1"/>
+          <p:nvPr/>
+        </p:nvSpPr>
+        <p:spPr>
+          <a:xfrm>
+            <a:off x="720703" y="754912"/>
+            <a:ext cx="9445406" cy="369332"/>
+          </a:xfrm>
+          <a:prstGeom prst="rect">
+            <a:avLst/>
+          </a:prstGeom>
+          <a:noFill/>
+        </p:spPr>
+        <p:txBody>
+          <a:bodyPr wrap="none" rtlCol="0">
+            <a:spAutoFit/>
+          </a:bodyPr>
+          <a:lstStyle/>
+          <a:p>
+            <a:r>
+              <a:rPr lang="en-US" dirty="0"/>
+              <a:t>Totally 19 cities were selected to see the mean temperature change over the 20 years (1995-2015) </a:t>
+            </a:r>
+          </a:p>
+        </p:txBody>
+      </p:sp>
+      <p:sp>
+        <p:nvSpPr>
+          <p:cNvPr id="4" name="TextBox 3">
+            <a:extLst>
+              <a:ext uri="{FF2B5EF4-FFF2-40B4-BE49-F238E27FC236}">
+                <a16:creationId xmlns:a16="http://schemas.microsoft.com/office/drawing/2014/main" id="{EEB488EC-DF13-491B-B49D-541983108DB0}"/>
+              </a:ext>
+            </a:extLst>
+          </p:cNvPr>
+          <p:cNvSpPr txBox="1"/>
+          <p:nvPr/>
+        </p:nvSpPr>
+        <p:spPr>
+          <a:xfrm>
+            <a:off x="9128946" y="2628781"/>
+            <a:ext cx="2512472" cy="800219"/>
+          </a:xfrm>
+          <a:prstGeom prst="rect">
+            <a:avLst/>
+          </a:prstGeom>
+          <a:noFill/>
+        </p:spPr>
+        <p:txBody>
+          <a:bodyPr wrap="square" rtlCol="0">
+            <a:spAutoFit/>
+          </a:bodyPr>
+          <a:lstStyle/>
+          <a:p>
+            <a:r>
+              <a:rPr lang="en-US" dirty="0"/>
+              <a:t>Data Source:</a:t>
+            </a:r>
+          </a:p>
+          <a:p>
+            <a:r>
+              <a:rPr lang="en-US" sz="1400" u="sng" dirty="0">
+                <a:solidFill>
+                  <a:srgbClr val="0563C1"/>
+                </a:solidFill>
+                <a:effectLst/>
+                <a:latin typeface="Calibri" panose="020F0502020204030204" pitchFamily="34" charset="0"/>
+                <a:ea typeface="DengXian" panose="02010600030101010101" pitchFamily="2" charset="-122"/>
+                <a:cs typeface="Times New Roman" panose="02020603050405020304" pitchFamily="18" charset="0"/>
+                <a:hlinkClick r:id="rId2"/>
+              </a:rPr>
+              <a:t>https://academic.udayton.edu/kissock/http/weather/</a:t>
+            </a:r>
+            <a:endParaRPr lang="en-US" sz="1400" dirty="0"/>
+          </a:p>
+        </p:txBody>
+      </p:sp>
       <p:pic>
         <p:nvPicPr>
-          <p:cNvPr id="2" name="Picture 1">
-            <a:extLst>
-              <a:ext uri="{FF2B5EF4-FFF2-40B4-BE49-F238E27FC236}">
-                <a16:creationId xmlns:a16="http://schemas.microsoft.com/office/drawing/2014/main" id="{F7285C9F-5E6F-4258-8A13-B0289EC4A264}"/>
+          <p:cNvPr id="5" name="Picture 4">
+            <a:extLst>
+              <a:ext uri="{FF2B5EF4-FFF2-40B4-BE49-F238E27FC236}">
+                <a16:creationId xmlns:a16="http://schemas.microsoft.com/office/drawing/2014/main" id="{04D2A967-4CF3-422F-BE52-62FEAE90E323}"/>
               </a:ext>
             </a:extLst>
           </p:cNvPr>
@@ -7160,7 +7541,7 @@
           <p:nvPr/>
         </p:nvPicPr>
         <p:blipFill>
-          <a:blip r:embed="rId2">
+          <a:blip r:embed="rId3">
             <a:extLst>
               <a:ext uri="{28A0092B-C50C-407E-A947-70E740481C1C}">
                 <a14:useLocalDpi xmlns:a14="http://schemas.microsoft.com/office/drawing/2010/main" val="0"/>
@@ -7174,8 +7555,8 @@
         </p:blipFill>
         <p:spPr bwMode="auto">
           <a:xfrm>
-            <a:off x="550582" y="1358566"/>
-            <a:ext cx="8323162" cy="4927679"/>
+            <a:off x="609956" y="1290506"/>
+            <a:ext cx="8518990" cy="4908276"/>
           </a:xfrm>
           <a:prstGeom prst="rect">
             <a:avLst/>
@@ -7186,92 +7567,6 @@
           </a:ln>
         </p:spPr>
       </p:pic>
-      <p:sp>
-        <p:nvSpPr>
-          <p:cNvPr id="3" name="TextBox 2">
-            <a:extLst>
-              <a:ext uri="{FF2B5EF4-FFF2-40B4-BE49-F238E27FC236}">
-                <a16:creationId xmlns:a16="http://schemas.microsoft.com/office/drawing/2014/main" id="{B885422C-E7A2-45F1-8F5C-C85B729B9867}"/>
-              </a:ext>
-            </a:extLst>
-          </p:cNvPr>
-          <p:cNvSpPr txBox="1"/>
-          <p:nvPr/>
-        </p:nvSpPr>
-        <p:spPr>
-          <a:xfrm>
-            <a:off x="720703" y="754912"/>
-            <a:ext cx="9445406" cy="369332"/>
-          </a:xfrm>
-          <a:prstGeom prst="rect">
-            <a:avLst/>
-          </a:prstGeom>
-          <a:noFill/>
-        </p:spPr>
-        <p:txBody>
-          <a:bodyPr wrap="none" rtlCol="0">
-            <a:spAutoFit/>
-          </a:bodyPr>
-          <a:lstStyle/>
-          <a:p>
-            <a:r>
-              <a:rPr lang="en-US" dirty="0"/>
-              <a:t>Totally 19 cities were selected to see the mean temperature change over the 20 years (1995-2015) </a:t>
-            </a:r>
-          </a:p>
-        </p:txBody>
-      </p:sp>
-      <p:sp>
-        <p:nvSpPr>
-          <p:cNvPr id="4" name="TextBox 3">
-            <a:extLst>
-              <a:ext uri="{FF2B5EF4-FFF2-40B4-BE49-F238E27FC236}">
-                <a16:creationId xmlns:a16="http://schemas.microsoft.com/office/drawing/2014/main" id="{EEB488EC-DF13-491B-B49D-541983108DB0}"/>
-              </a:ext>
-            </a:extLst>
-          </p:cNvPr>
-          <p:cNvSpPr txBox="1"/>
-          <p:nvPr/>
-        </p:nvSpPr>
-        <p:spPr>
-          <a:xfrm>
-            <a:off x="9128946" y="2628781"/>
-            <a:ext cx="2512472" cy="800219"/>
-          </a:xfrm>
-          <a:prstGeom prst="rect">
-            <a:avLst/>
-          </a:prstGeom>
-          <a:noFill/>
-        </p:spPr>
-        <p:txBody>
-          <a:bodyPr wrap="square" rtlCol="0">
-            <a:spAutoFit/>
-          </a:bodyPr>
-          <a:lstStyle/>
-          <a:p>
-            <a:r>
-              <a:rPr lang="en-US" dirty="0"/>
-              <a:t>Data Source:</a:t>
-            </a:r>
-          </a:p>
-          <a:p>
-            <a:r>
-              <a:rPr lang="en-US" sz="1400" u="sng" dirty="0">
-                <a:solidFill>
-                  <a:srgbClr val="0563C1"/>
-                </a:solidFill>
-                <a:effectLst/>
-                <a:latin typeface="Calibri" panose="020F0502020204030204" pitchFamily="34" charset="0"/>
-                <a:ea typeface="DengXian" panose="02010600030101010101" pitchFamily="2" charset="-122"/>
-                <a:cs typeface="Times New Roman" panose="02020603050405020304" pitchFamily="18" charset="0"/>
-                <a:hlinkClick r:id="rId3"/>
-              </a:rPr>
-              <a:t>https://academic.udayton.edu/kissock/http/weather/</a:t>
-            </a:r>
-            <a:endParaRPr lang="en-US" sz="1400" dirty="0"/>
-          </a:p>
-        </p:txBody>
-      </p:sp>
     </p:spTree>
     <p:extLst>
       <p:ext uri="{BB962C8B-B14F-4D97-AF65-F5344CB8AC3E}">
@@ -7849,7 +8144,7 @@
         </p:blipFill>
         <p:spPr bwMode="auto">
           <a:xfrm>
-            <a:off x="5312735" y="3182236"/>
+            <a:off x="4961184" y="2289102"/>
             <a:ext cx="3705225" cy="2495550"/>
           </a:xfrm>
           <a:prstGeom prst="rect">
@@ -7869,937 +8164,6 @@
       </p:pic>
       <p:sp>
         <p:nvSpPr>
-          <p:cNvPr id="2" name="Rectangle 3">
-            <a:extLst>
-              <a:ext uri="{FF2B5EF4-FFF2-40B4-BE49-F238E27FC236}">
-                <a16:creationId xmlns:a16="http://schemas.microsoft.com/office/drawing/2014/main" id="{FAFEBE51-DF62-4ABC-9269-6BF00EBD0FA0}"/>
-              </a:ext>
-            </a:extLst>
-          </p:cNvPr>
-          <p:cNvSpPr>
-            <a:spLocks noChangeArrowheads="1"/>
-          </p:cNvSpPr>
-          <p:nvPr/>
-        </p:nvSpPr>
-        <p:spPr bwMode="auto">
-          <a:xfrm>
-            <a:off x="1620358" y="2053640"/>
-            <a:ext cx="3625702" cy="4031873"/>
-          </a:xfrm>
-          <a:prstGeom prst="rect">
-            <a:avLst/>
-          </a:prstGeom>
-          <a:noFill/>
-          <a:ln>
-            <a:noFill/>
-          </a:ln>
-          <a:effectLst/>
-          <a:extLst>
-            <a:ext uri="{909E8E84-426E-40DD-AFC4-6F175D3DCCD1}">
-              <a14:hiddenFill xmlns:a14="http://schemas.microsoft.com/office/drawing/2010/main">
-                <a:solidFill>
-                  <a:schemeClr val="accent1"/>
-                </a:solidFill>
-              </a14:hiddenFill>
-            </a:ext>
-            <a:ext uri="{91240B29-F687-4F45-9708-019B960494DF}">
-              <a14:hiddenLine xmlns:a14="http://schemas.microsoft.com/office/drawing/2010/main" w="9525">
-                <a:solidFill>
-                  <a:schemeClr val="tx1"/>
-                </a:solidFill>
-                <a:miter lim="800000"/>
-                <a:headEnd/>
-                <a:tailEnd/>
-              </a14:hiddenLine>
-            </a:ext>
-            <a:ext uri="{AF507438-7753-43E0-B8FC-AC1667EBCBE1}">
-              <a14:hiddenEffects xmlns:a14="http://schemas.microsoft.com/office/drawing/2010/main">
-                <a:effectLst>
-                  <a:outerShdw dist="35921" dir="2700000" algn="ctr" rotWithShape="0">
-                    <a:schemeClr val="bg2"/>
-                  </a:outerShdw>
-                </a:effectLst>
-              </a14:hiddenEffects>
-            </a:ext>
-          </a:extLst>
-        </p:spPr>
-        <p:txBody>
-          <a:bodyPr vert="horz" wrap="square" lIns="91440" tIns="45720" rIns="91440" bIns="45720" numCol="1" anchor="ctr" anchorCtr="0" compatLnSpc="1">
-            <a:prstTxWarp prst="textNoShape">
-              <a:avLst/>
-            </a:prstTxWarp>
-            <a:spAutoFit/>
-          </a:bodyPr>
-          <a:lstStyle/>
-          <a:p>
-            <a:pPr marL="0" marR="0" lvl="0" indent="0" algn="l" defTabSz="914400" rtl="0" eaLnBrk="0" fontAlgn="base" latinLnBrk="0" hangingPunct="0">
-              <a:lnSpc>
-                <a:spcPct val="100000"/>
-              </a:lnSpc>
-              <a:spcBef>
-                <a:spcPct val="0"/>
-              </a:spcBef>
-              <a:spcAft>
-                <a:spcPct val="0"/>
-              </a:spcAft>
-              <a:buClrTx/>
-              <a:buSzTx/>
-              <a:buFontTx/>
-              <a:buNone/>
-              <a:tabLst/>
-            </a:pPr>
-            <a:r>
-              <a:rPr kumimoji="0" lang="en-US" altLang="en-US" sz="1200" b="0" i="0" u="none" strike="noStrike" cap="none" normalizeH="0" baseline="0" dirty="0">
-                <a:ln>
-                  <a:noFill/>
-                </a:ln>
-                <a:solidFill>
-                  <a:schemeClr val="tx1"/>
-                </a:solidFill>
-                <a:effectLst/>
-                <a:latin typeface="Arial Unicode MS"/>
-              </a:rPr>
-              <a:t>Cities                                     </a:t>
-            </a:r>
-            <a:r>
-              <a:rPr kumimoji="0" lang="el-GR" sz="1600" b="0" i="0" u="none" strike="noStrike" kern="1200" cap="none" spc="0" normalizeH="0" baseline="0" noProof="0" dirty="0">
-                <a:ln>
-                  <a:noFill/>
-                </a:ln>
-                <a:solidFill>
-                  <a:prstClr val="black"/>
-                </a:solidFill>
-                <a:effectLst/>
-                <a:uLnTx/>
-                <a:uFillTx/>
-                <a:latin typeface="Calibri" panose="020F0502020204030204"/>
-                <a:ea typeface="+mn-ea"/>
-                <a:cs typeface="+mn-cs"/>
-              </a:rPr>
-              <a:t>Δ</a:t>
-            </a:r>
-            <a:r>
-              <a:rPr kumimoji="0" lang="en-US" sz="1600" b="0" i="0" u="none" strike="noStrike" kern="1200" cap="none" spc="0" normalizeH="0" baseline="0" noProof="0" dirty="0">
-                <a:ln>
-                  <a:noFill/>
-                </a:ln>
-                <a:solidFill>
-                  <a:prstClr val="black"/>
-                </a:solidFill>
-                <a:effectLst/>
-                <a:uLnTx/>
-                <a:uFillTx/>
-                <a:latin typeface="Calibri" panose="020F0502020204030204"/>
-                <a:ea typeface="+mn-ea"/>
-                <a:cs typeface="+mn-cs"/>
-              </a:rPr>
-              <a:t>T (°F)</a:t>
-            </a:r>
-            <a:r>
-              <a:rPr kumimoji="0" lang="en-US" altLang="en-US" sz="1200" b="0" i="0" u="none" strike="noStrike" cap="none" normalizeH="0" baseline="0" dirty="0">
-                <a:ln>
-                  <a:noFill/>
-                </a:ln>
-                <a:solidFill>
-                  <a:schemeClr val="tx1"/>
-                </a:solidFill>
-                <a:effectLst/>
-                <a:latin typeface="Arial Unicode MS"/>
-              </a:rPr>
-              <a:t>  </a:t>
-            </a:r>
-          </a:p>
-          <a:p>
-            <a:pPr marL="0" marR="0" lvl="0" indent="0" algn="l" defTabSz="914400" rtl="0" eaLnBrk="0" fontAlgn="base" latinLnBrk="0" hangingPunct="0">
-              <a:lnSpc>
-                <a:spcPct val="100000"/>
-              </a:lnSpc>
-              <a:spcBef>
-                <a:spcPct val="0"/>
-              </a:spcBef>
-              <a:spcAft>
-                <a:spcPct val="0"/>
-              </a:spcAft>
-              <a:buClrTx/>
-              <a:buSzTx/>
-              <a:buFontTx/>
-              <a:buNone/>
-              <a:tabLst/>
-            </a:pPr>
-            <a:endParaRPr lang="en-US" altLang="en-US" sz="1200" dirty="0">
-              <a:latin typeface="Arial Unicode MS"/>
-            </a:endParaRPr>
-          </a:p>
-          <a:p>
-            <a:pPr marL="0" marR="0" lvl="0" indent="0" algn="l" defTabSz="914400" rtl="0" eaLnBrk="0" fontAlgn="base" latinLnBrk="0" hangingPunct="0">
-              <a:lnSpc>
-                <a:spcPct val="100000"/>
-              </a:lnSpc>
-              <a:spcBef>
-                <a:spcPct val="0"/>
-              </a:spcBef>
-              <a:spcAft>
-                <a:spcPct val="0"/>
-              </a:spcAft>
-              <a:buClrTx/>
-              <a:buSzTx/>
-              <a:buFontTx/>
-              <a:buNone/>
-              <a:tabLst/>
-            </a:pPr>
-            <a:r>
-              <a:rPr kumimoji="0" lang="en-US" altLang="en-US" sz="1200" b="0" i="0" u="none" strike="noStrike" cap="none" normalizeH="0" baseline="0" dirty="0">
-                <a:ln>
-                  <a:noFill/>
-                </a:ln>
-                <a:solidFill>
-                  <a:schemeClr val="tx1"/>
-                </a:solidFill>
-                <a:effectLst/>
-                <a:latin typeface="Arial Unicode MS"/>
-              </a:rPr>
-              <a:t>Anchorage                          1.074367                         </a:t>
-            </a:r>
-          </a:p>
-          <a:p>
-            <a:pPr marL="0" marR="0" lvl="0" indent="0" algn="l" defTabSz="914400" rtl="0" eaLnBrk="0" fontAlgn="base" latinLnBrk="0" hangingPunct="0">
-              <a:lnSpc>
-                <a:spcPct val="100000"/>
-              </a:lnSpc>
-              <a:spcBef>
-                <a:spcPct val="0"/>
-              </a:spcBef>
-              <a:spcAft>
-                <a:spcPct val="0"/>
-              </a:spcAft>
-              <a:buClrTx/>
-              <a:buSzTx/>
-              <a:buFontTx/>
-              <a:buNone/>
-              <a:tabLst/>
-            </a:pPr>
-            <a:r>
-              <a:rPr kumimoji="0" lang="en-US" altLang="en-US" sz="1200" b="0" i="0" u="none" strike="noStrike" cap="none" normalizeH="0" baseline="0" dirty="0">
-                <a:ln>
-                  <a:noFill/>
-                </a:ln>
-                <a:solidFill>
-                  <a:schemeClr val="tx1"/>
-                </a:solidFill>
-                <a:effectLst/>
-                <a:latin typeface="Arial Unicode MS"/>
-              </a:rPr>
-              <a:t>Fargo                                  0.969164 </a:t>
-            </a:r>
-          </a:p>
-          <a:p>
-            <a:pPr marL="0" marR="0" lvl="0" indent="0" algn="l" defTabSz="914400" rtl="0" eaLnBrk="0" fontAlgn="base" latinLnBrk="0" hangingPunct="0">
-              <a:lnSpc>
-                <a:spcPct val="100000"/>
-              </a:lnSpc>
-              <a:spcBef>
-                <a:spcPct val="0"/>
-              </a:spcBef>
-              <a:spcAft>
-                <a:spcPct val="0"/>
-              </a:spcAft>
-              <a:buClrTx/>
-              <a:buSzTx/>
-              <a:buFontTx/>
-              <a:buNone/>
-              <a:tabLst/>
-            </a:pPr>
-            <a:r>
-              <a:rPr kumimoji="0" lang="en-US" altLang="en-US" sz="1200" b="0" i="0" u="none" strike="noStrike" cap="none" normalizeH="0" baseline="0" dirty="0" err="1">
-                <a:ln>
-                  <a:noFill/>
-                </a:ln>
-                <a:solidFill>
-                  <a:schemeClr val="tx1"/>
-                </a:solidFill>
-                <a:effectLst/>
-                <a:latin typeface="Arial Unicode MS"/>
-              </a:rPr>
-              <a:t>West_Palm_Beach</a:t>
-            </a:r>
-            <a:r>
-              <a:rPr kumimoji="0" lang="en-US" altLang="en-US" sz="1200" b="0" i="0" u="none" strike="noStrike" cap="none" normalizeH="0" baseline="0" dirty="0">
-                <a:ln>
-                  <a:noFill/>
-                </a:ln>
-                <a:solidFill>
-                  <a:schemeClr val="tx1"/>
-                </a:solidFill>
-                <a:effectLst/>
-                <a:latin typeface="Arial Unicode MS"/>
-              </a:rPr>
-              <a:t>_           0.640763 </a:t>
-            </a:r>
-          </a:p>
-          <a:p>
-            <a:pPr marL="0" marR="0" lvl="0" indent="0" algn="l" defTabSz="914400" rtl="0" eaLnBrk="0" fontAlgn="base" latinLnBrk="0" hangingPunct="0">
-              <a:lnSpc>
-                <a:spcPct val="100000"/>
-              </a:lnSpc>
-              <a:spcBef>
-                <a:spcPct val="0"/>
-              </a:spcBef>
-              <a:spcAft>
-                <a:spcPct val="0"/>
-              </a:spcAft>
-              <a:buClrTx/>
-              <a:buSzTx/>
-              <a:buFontTx/>
-              <a:buNone/>
-              <a:tabLst/>
-            </a:pPr>
-            <a:r>
-              <a:rPr kumimoji="0" lang="en-US" altLang="en-US" sz="1200" b="0" i="0" u="none" strike="noStrike" cap="none" normalizeH="0" baseline="0" dirty="0">
-                <a:ln>
-                  <a:noFill/>
-                </a:ln>
-                <a:solidFill>
-                  <a:schemeClr val="tx1"/>
-                </a:solidFill>
-                <a:effectLst/>
-                <a:latin typeface="Arial Unicode MS"/>
-              </a:rPr>
-              <a:t>Burlington                           1.026773 </a:t>
-            </a:r>
-          </a:p>
-          <a:p>
-            <a:pPr marL="0" marR="0" lvl="0" indent="0" algn="l" defTabSz="914400" rtl="0" eaLnBrk="0" fontAlgn="base" latinLnBrk="0" hangingPunct="0">
-              <a:lnSpc>
-                <a:spcPct val="100000"/>
-              </a:lnSpc>
-              <a:spcBef>
-                <a:spcPct val="0"/>
-              </a:spcBef>
-              <a:spcAft>
-                <a:spcPct val="0"/>
-              </a:spcAft>
-              <a:buClrTx/>
-              <a:buSzTx/>
-              <a:buFontTx/>
-              <a:buNone/>
-              <a:tabLst/>
-            </a:pPr>
-            <a:r>
-              <a:rPr kumimoji="0" lang="en-US" altLang="en-US" sz="1200" b="0" i="0" u="none" strike="noStrike" cap="none" normalizeH="0" baseline="0" dirty="0" err="1">
-                <a:ln>
-                  <a:noFill/>
-                </a:ln>
-                <a:solidFill>
-                  <a:schemeClr val="tx1"/>
-                </a:solidFill>
-                <a:effectLst/>
-                <a:latin typeface="Arial Unicode MS"/>
-              </a:rPr>
-              <a:t>El_Paso</a:t>
-            </a:r>
-            <a:r>
-              <a:rPr kumimoji="0" lang="en-US" altLang="en-US" sz="1200" b="0" i="0" u="none" strike="noStrike" cap="none" normalizeH="0" baseline="0" dirty="0">
-                <a:ln>
-                  <a:noFill/>
-                </a:ln>
-                <a:solidFill>
-                  <a:schemeClr val="tx1"/>
-                </a:solidFill>
-                <a:effectLst/>
-                <a:latin typeface="Arial Unicode MS"/>
-              </a:rPr>
-              <a:t>                              1.368277 </a:t>
-            </a:r>
-          </a:p>
-          <a:p>
-            <a:pPr marL="0" marR="0" lvl="0" indent="0" algn="l" defTabSz="914400" rtl="0" eaLnBrk="0" fontAlgn="base" latinLnBrk="0" hangingPunct="0">
-              <a:lnSpc>
-                <a:spcPct val="100000"/>
-              </a:lnSpc>
-              <a:spcBef>
-                <a:spcPct val="0"/>
-              </a:spcBef>
-              <a:spcAft>
-                <a:spcPct val="0"/>
-              </a:spcAft>
-              <a:buClrTx/>
-              <a:buSzTx/>
-              <a:buFontTx/>
-              <a:buNone/>
-              <a:tabLst/>
-            </a:pPr>
-            <a:r>
-              <a:rPr kumimoji="0" lang="en-US" altLang="en-US" sz="1200" b="0" i="0" u="none" strike="noStrike" cap="none" normalizeH="0" baseline="0" dirty="0">
-                <a:ln>
-                  <a:noFill/>
-                </a:ln>
-                <a:solidFill>
-                  <a:schemeClr val="tx1"/>
-                </a:solidFill>
-                <a:effectLst/>
-                <a:latin typeface="Arial Unicode MS"/>
-              </a:rPr>
-              <a:t>Cheyenne                           0.728467 </a:t>
-            </a:r>
-          </a:p>
-          <a:p>
-            <a:pPr marL="0" marR="0" lvl="0" indent="0" algn="l" defTabSz="914400" rtl="0" eaLnBrk="0" fontAlgn="base" latinLnBrk="0" hangingPunct="0">
-              <a:lnSpc>
-                <a:spcPct val="100000"/>
-              </a:lnSpc>
-              <a:spcBef>
-                <a:spcPct val="0"/>
-              </a:spcBef>
-              <a:spcAft>
-                <a:spcPct val="0"/>
-              </a:spcAft>
-              <a:buClrTx/>
-              <a:buSzTx/>
-              <a:buFontTx/>
-              <a:buNone/>
-              <a:tabLst/>
-            </a:pPr>
-            <a:r>
-              <a:rPr kumimoji="0" lang="en-US" altLang="en-US" sz="1200" b="0" i="0" u="none" strike="noStrike" cap="none" normalizeH="0" baseline="0" dirty="0" err="1">
-                <a:ln>
-                  <a:noFill/>
-                </a:ln>
-                <a:solidFill>
-                  <a:schemeClr val="tx1"/>
-                </a:solidFill>
-                <a:effectLst/>
-                <a:latin typeface="Arial Unicode MS"/>
-              </a:rPr>
-              <a:t>San_Francisco</a:t>
-            </a:r>
-            <a:r>
-              <a:rPr lang="en-US" altLang="en-US" sz="1200" dirty="0">
-                <a:latin typeface="Arial Unicode MS"/>
-              </a:rPr>
-              <a:t> </a:t>
-            </a:r>
-            <a:r>
-              <a:rPr kumimoji="0" lang="en-US" altLang="en-US" sz="1200" b="0" i="0" u="none" strike="noStrike" cap="none" normalizeH="0" baseline="0" dirty="0">
-                <a:ln>
-                  <a:noFill/>
-                </a:ln>
-                <a:solidFill>
-                  <a:schemeClr val="tx1"/>
-                </a:solidFill>
-                <a:effectLst/>
-                <a:latin typeface="Arial Unicode MS"/>
-              </a:rPr>
-              <a:t>                   0.451889 </a:t>
-            </a:r>
-          </a:p>
-          <a:p>
-            <a:pPr marL="0" marR="0" lvl="0" indent="0" algn="l" defTabSz="914400" rtl="0" eaLnBrk="0" fontAlgn="base" latinLnBrk="0" hangingPunct="0">
-              <a:lnSpc>
-                <a:spcPct val="100000"/>
-              </a:lnSpc>
-              <a:spcBef>
-                <a:spcPct val="0"/>
-              </a:spcBef>
-              <a:spcAft>
-                <a:spcPct val="0"/>
-              </a:spcAft>
-              <a:buClrTx/>
-              <a:buSzTx/>
-              <a:buFontTx/>
-              <a:buNone/>
-              <a:tabLst/>
-            </a:pPr>
-            <a:r>
-              <a:rPr kumimoji="0" lang="en-US" altLang="en-US" sz="1200" b="0" i="0" u="none" strike="noStrike" cap="none" normalizeH="0" baseline="0" dirty="0">
-                <a:ln>
-                  <a:noFill/>
-                </a:ln>
-                <a:solidFill>
-                  <a:schemeClr val="tx1"/>
-                </a:solidFill>
-                <a:effectLst/>
-                <a:latin typeface="Arial Unicode MS"/>
-              </a:rPr>
-              <a:t>Cleveland                            0.735532</a:t>
-            </a:r>
-          </a:p>
-          <a:p>
-            <a:pPr marL="0" marR="0" lvl="0" indent="0" algn="l" defTabSz="914400" rtl="0" eaLnBrk="0" fontAlgn="base" latinLnBrk="0" hangingPunct="0">
-              <a:lnSpc>
-                <a:spcPct val="100000"/>
-              </a:lnSpc>
-              <a:spcBef>
-                <a:spcPct val="0"/>
-              </a:spcBef>
-              <a:spcAft>
-                <a:spcPct val="0"/>
-              </a:spcAft>
-              <a:buClrTx/>
-              <a:buSzTx/>
-              <a:buFontTx/>
-              <a:buNone/>
-              <a:tabLst/>
-            </a:pPr>
-            <a:r>
-              <a:rPr kumimoji="0" lang="en-US" altLang="en-US" sz="1200" b="0" i="0" u="none" strike="noStrike" cap="none" normalizeH="0" baseline="0" dirty="0">
-                <a:ln>
-                  <a:noFill/>
-                </a:ln>
-                <a:solidFill>
-                  <a:schemeClr val="tx1"/>
-                </a:solidFill>
-                <a:effectLst/>
-                <a:latin typeface="Arial Unicode MS"/>
-              </a:rPr>
-              <a:t> Milwaukee                          0.246579 </a:t>
-            </a:r>
-          </a:p>
-          <a:p>
-            <a:pPr marL="0" marR="0" lvl="0" indent="0" algn="l" defTabSz="914400" rtl="0" eaLnBrk="0" fontAlgn="base" latinLnBrk="0" hangingPunct="0">
-              <a:lnSpc>
-                <a:spcPct val="100000"/>
-              </a:lnSpc>
-              <a:spcBef>
-                <a:spcPct val="0"/>
-              </a:spcBef>
-              <a:spcAft>
-                <a:spcPct val="0"/>
-              </a:spcAft>
-              <a:buClrTx/>
-              <a:buSzTx/>
-              <a:buFontTx/>
-              <a:buNone/>
-              <a:tabLst/>
-            </a:pPr>
-            <a:r>
-              <a:rPr kumimoji="0" lang="en-US" altLang="en-US" sz="1200" b="0" i="0" u="none" strike="noStrike" cap="none" normalizeH="0" baseline="0" dirty="0">
-                <a:ln>
-                  <a:noFill/>
-                </a:ln>
-                <a:solidFill>
-                  <a:schemeClr val="tx1"/>
-                </a:solidFill>
-                <a:effectLst/>
-                <a:latin typeface="Arial Unicode MS"/>
-              </a:rPr>
-              <a:t>New</a:t>
-            </a:r>
-            <a:r>
-              <a:rPr lang="en-US" altLang="en-US" sz="1200" dirty="0">
-                <a:latin typeface="Arial Unicode MS"/>
-              </a:rPr>
-              <a:t> </a:t>
-            </a:r>
-            <a:r>
-              <a:rPr kumimoji="0" lang="en-US" altLang="en-US" sz="1200" b="0" i="0" u="none" strike="noStrike" cap="none" normalizeH="0" baseline="0" dirty="0">
-                <a:ln>
-                  <a:noFill/>
-                </a:ln>
-                <a:solidFill>
-                  <a:schemeClr val="tx1"/>
-                </a:solidFill>
-                <a:effectLst/>
-                <a:latin typeface="Arial Unicode MS"/>
-              </a:rPr>
-              <a:t>York  City                     0.470892</a:t>
-            </a:r>
-          </a:p>
-          <a:p>
-            <a:pPr marL="0" marR="0" lvl="0" indent="0" algn="l" defTabSz="914400" rtl="0" eaLnBrk="0" fontAlgn="base" latinLnBrk="0" hangingPunct="0">
-              <a:lnSpc>
-                <a:spcPct val="100000"/>
-              </a:lnSpc>
-              <a:spcBef>
-                <a:spcPct val="0"/>
-              </a:spcBef>
-              <a:spcAft>
-                <a:spcPct val="0"/>
-              </a:spcAft>
-              <a:buClrTx/>
-              <a:buSzTx/>
-              <a:buFontTx/>
-              <a:buNone/>
-              <a:tabLst/>
-            </a:pPr>
-            <a:r>
-              <a:rPr kumimoji="0" lang="en-US" altLang="en-US" sz="1200" b="0" i="0" u="none" strike="noStrike" cap="none" normalizeH="0" baseline="0" dirty="0">
-                <a:ln>
-                  <a:noFill/>
-                </a:ln>
-                <a:solidFill>
-                  <a:schemeClr val="tx1"/>
-                </a:solidFill>
-                <a:effectLst/>
-                <a:latin typeface="Arial Unicode MS"/>
-              </a:rPr>
-              <a:t>Honolulu                             -0.114274 </a:t>
-            </a:r>
-          </a:p>
-          <a:p>
-            <a:pPr marL="0" marR="0" lvl="0" indent="0" algn="l" defTabSz="914400" rtl="0" eaLnBrk="0" fontAlgn="base" latinLnBrk="0" hangingPunct="0">
-              <a:lnSpc>
-                <a:spcPct val="100000"/>
-              </a:lnSpc>
-              <a:spcBef>
-                <a:spcPct val="0"/>
-              </a:spcBef>
-              <a:spcAft>
-                <a:spcPct val="0"/>
-              </a:spcAft>
-              <a:buClrTx/>
-              <a:buSzTx/>
-              <a:buFontTx/>
-              <a:buNone/>
-              <a:tabLst/>
-            </a:pPr>
-            <a:r>
-              <a:rPr kumimoji="0" lang="en-US" altLang="en-US" sz="1200" b="0" i="0" u="none" strike="noStrike" cap="none" normalizeH="0" baseline="0" dirty="0" err="1">
-                <a:ln>
-                  <a:noFill/>
-                </a:ln>
-                <a:solidFill>
-                  <a:schemeClr val="tx1"/>
-                </a:solidFill>
-                <a:effectLst/>
-                <a:latin typeface="Arial Unicode MS"/>
-              </a:rPr>
-              <a:t>Egypt_Cairo</a:t>
-            </a:r>
-            <a:r>
-              <a:rPr kumimoji="0" lang="en-US" altLang="en-US" sz="1200" b="0" i="0" u="none" strike="noStrike" cap="none" normalizeH="0" baseline="0" dirty="0">
-                <a:ln>
-                  <a:noFill/>
-                </a:ln>
-                <a:solidFill>
-                  <a:schemeClr val="tx1"/>
-                </a:solidFill>
-                <a:effectLst/>
-                <a:latin typeface="Arial Unicode MS"/>
-              </a:rPr>
-              <a:t>                        1.605934 </a:t>
-            </a:r>
-          </a:p>
-          <a:p>
-            <a:pPr marL="0" marR="0" lvl="0" indent="0" algn="l" defTabSz="914400" rtl="0" eaLnBrk="0" fontAlgn="base" latinLnBrk="0" hangingPunct="0">
-              <a:lnSpc>
-                <a:spcPct val="100000"/>
-              </a:lnSpc>
-              <a:spcBef>
-                <a:spcPct val="0"/>
-              </a:spcBef>
-              <a:spcAft>
-                <a:spcPct val="0"/>
-              </a:spcAft>
-              <a:buClrTx/>
-              <a:buSzTx/>
-              <a:buFontTx/>
-              <a:buNone/>
-              <a:tabLst/>
-            </a:pPr>
-            <a:r>
-              <a:rPr kumimoji="0" lang="en-US" altLang="en-US" sz="1200" b="0" i="0" u="none" strike="noStrike" cap="none" normalizeH="0" baseline="0" dirty="0" err="1">
-                <a:ln>
-                  <a:noFill/>
-                </a:ln>
-                <a:solidFill>
-                  <a:schemeClr val="tx1"/>
-                </a:solidFill>
-                <a:effectLst/>
-                <a:latin typeface="Arial Unicode MS"/>
-              </a:rPr>
-              <a:t>India_Delhi</a:t>
-            </a:r>
-            <a:r>
-              <a:rPr kumimoji="0" lang="en-US" altLang="en-US" sz="1200" b="0" i="0" u="none" strike="noStrike" cap="none" normalizeH="0" baseline="0" dirty="0">
-                <a:ln>
-                  <a:noFill/>
-                </a:ln>
-                <a:solidFill>
-                  <a:schemeClr val="tx1"/>
-                </a:solidFill>
-                <a:effectLst/>
-                <a:latin typeface="Arial Unicode MS"/>
-              </a:rPr>
-              <a:t>                          0.888429</a:t>
-            </a:r>
-          </a:p>
-          <a:p>
-            <a:pPr marL="0" marR="0" lvl="0" indent="0" algn="l" defTabSz="914400" rtl="0" eaLnBrk="0" fontAlgn="base" latinLnBrk="0" hangingPunct="0">
-              <a:lnSpc>
-                <a:spcPct val="100000"/>
-              </a:lnSpc>
-              <a:spcBef>
-                <a:spcPct val="0"/>
-              </a:spcBef>
-              <a:spcAft>
-                <a:spcPct val="0"/>
-              </a:spcAft>
-              <a:buClrTx/>
-              <a:buSzTx/>
-              <a:buFontTx/>
-              <a:buNone/>
-              <a:tabLst/>
-            </a:pPr>
-            <a:r>
-              <a:rPr kumimoji="0" lang="en-US" altLang="en-US" sz="1200" b="0" i="0" u="none" strike="noStrike" cap="none" normalizeH="0" baseline="0" dirty="0">
-                <a:ln>
-                  <a:noFill/>
-                </a:ln>
-                <a:solidFill>
-                  <a:schemeClr val="tx1"/>
-                </a:solidFill>
-                <a:effectLst/>
-                <a:latin typeface="Arial Unicode MS"/>
-              </a:rPr>
-              <a:t> </a:t>
-            </a:r>
-            <a:r>
-              <a:rPr kumimoji="0" lang="en-US" altLang="en-US" sz="1200" b="0" i="0" u="none" strike="noStrike" cap="none" normalizeH="0" baseline="0" dirty="0" err="1">
-                <a:ln>
-                  <a:noFill/>
-                </a:ln>
-                <a:solidFill>
-                  <a:schemeClr val="tx1"/>
-                </a:solidFill>
-                <a:effectLst/>
-                <a:latin typeface="Arial Unicode MS"/>
-              </a:rPr>
-              <a:t>China_Beijing</a:t>
-            </a:r>
-            <a:r>
-              <a:rPr kumimoji="0" lang="en-US" altLang="en-US" sz="1200" b="0" i="0" u="none" strike="noStrike" cap="none" normalizeH="0" baseline="0" dirty="0">
-                <a:ln>
-                  <a:noFill/>
-                </a:ln>
-                <a:solidFill>
-                  <a:schemeClr val="tx1"/>
-                </a:solidFill>
-                <a:effectLst/>
-                <a:latin typeface="Arial Unicode MS"/>
-              </a:rPr>
-              <a:t>                    -0.878986 </a:t>
-            </a:r>
-          </a:p>
-          <a:p>
-            <a:pPr marL="0" marR="0" lvl="0" indent="0" algn="l" defTabSz="914400" rtl="0" eaLnBrk="0" fontAlgn="base" latinLnBrk="0" hangingPunct="0">
-              <a:lnSpc>
-                <a:spcPct val="100000"/>
-              </a:lnSpc>
-              <a:spcBef>
-                <a:spcPct val="0"/>
-              </a:spcBef>
-              <a:spcAft>
-                <a:spcPct val="0"/>
-              </a:spcAft>
-              <a:buClrTx/>
-              <a:buSzTx/>
-              <a:buFontTx/>
-              <a:buNone/>
-              <a:tabLst/>
-            </a:pPr>
-            <a:r>
-              <a:rPr kumimoji="0" lang="en-US" altLang="en-US" sz="1200" b="0" i="0" u="none" strike="noStrike" cap="none" normalizeH="0" baseline="0" dirty="0" err="1">
-                <a:ln>
-                  <a:noFill/>
-                </a:ln>
-                <a:solidFill>
-                  <a:schemeClr val="tx1"/>
-                </a:solidFill>
-                <a:effectLst/>
-                <a:latin typeface="Arial Unicode MS"/>
-              </a:rPr>
-              <a:t>Singapore_Temp</a:t>
-            </a:r>
-            <a:r>
-              <a:rPr kumimoji="0" lang="en-US" altLang="en-US" sz="1200" b="0" i="0" u="none" strike="noStrike" cap="none" normalizeH="0" baseline="0" dirty="0">
-                <a:ln>
-                  <a:noFill/>
-                </a:ln>
-                <a:solidFill>
-                  <a:schemeClr val="tx1"/>
-                </a:solidFill>
-                <a:effectLst/>
-                <a:latin typeface="Arial Unicode MS"/>
-              </a:rPr>
-              <a:t>                -0.129509 </a:t>
-            </a:r>
-          </a:p>
-          <a:p>
-            <a:pPr marL="0" marR="0" lvl="0" indent="0" algn="l" defTabSz="914400" rtl="0" eaLnBrk="0" fontAlgn="base" latinLnBrk="0" hangingPunct="0">
-              <a:lnSpc>
-                <a:spcPct val="100000"/>
-              </a:lnSpc>
-              <a:spcBef>
-                <a:spcPct val="0"/>
-              </a:spcBef>
-              <a:spcAft>
-                <a:spcPct val="0"/>
-              </a:spcAft>
-              <a:buClrTx/>
-              <a:buSzTx/>
-              <a:buFontTx/>
-              <a:buNone/>
-              <a:tabLst/>
-            </a:pPr>
-            <a:r>
-              <a:rPr kumimoji="0" lang="en-US" altLang="en-US" sz="1200" b="0" i="0" u="none" strike="noStrike" cap="none" normalizeH="0" baseline="0" dirty="0">
-                <a:ln>
-                  <a:noFill/>
-                </a:ln>
-                <a:solidFill>
-                  <a:schemeClr val="tx1"/>
-                </a:solidFill>
-                <a:effectLst/>
-                <a:latin typeface="Arial Unicode MS"/>
-              </a:rPr>
-              <a:t>Auckland                             0.059801 </a:t>
-            </a:r>
-          </a:p>
-          <a:p>
-            <a:pPr marL="0" marR="0" lvl="0" indent="0" algn="l" defTabSz="914400" rtl="0" eaLnBrk="0" fontAlgn="base" latinLnBrk="0" hangingPunct="0">
-              <a:lnSpc>
-                <a:spcPct val="100000"/>
-              </a:lnSpc>
-              <a:spcBef>
-                <a:spcPct val="0"/>
-              </a:spcBef>
-              <a:spcAft>
-                <a:spcPct val="0"/>
-              </a:spcAft>
-              <a:buClrTx/>
-              <a:buSzTx/>
-              <a:buFontTx/>
-              <a:buNone/>
-              <a:tabLst/>
-            </a:pPr>
-            <a:r>
-              <a:rPr kumimoji="0" lang="en-US" altLang="en-US" sz="1200" b="0" i="0" u="none" strike="noStrike" cap="none" normalizeH="0" baseline="0" dirty="0" err="1">
-                <a:ln>
-                  <a:noFill/>
-                </a:ln>
-                <a:solidFill>
-                  <a:schemeClr val="tx1"/>
-                </a:solidFill>
-                <a:effectLst/>
-                <a:latin typeface="Arial Unicode MS"/>
-              </a:rPr>
-              <a:t>Russia_Moscow</a:t>
-            </a:r>
-            <a:r>
-              <a:rPr kumimoji="0" lang="en-US" altLang="en-US" sz="1200" b="0" i="0" u="none" strike="noStrike" cap="none" normalizeH="0" baseline="0" dirty="0">
-                <a:ln>
-                  <a:noFill/>
-                </a:ln>
-                <a:solidFill>
-                  <a:schemeClr val="tx1"/>
-                </a:solidFill>
-                <a:effectLst/>
-                <a:latin typeface="Arial Unicode MS"/>
-              </a:rPr>
-              <a:t>                  1.904925 </a:t>
-            </a:r>
-          </a:p>
-          <a:p>
-            <a:pPr marL="0" marR="0" lvl="0" indent="0" algn="l" defTabSz="914400" rtl="0" eaLnBrk="0" fontAlgn="base" latinLnBrk="0" hangingPunct="0">
-              <a:lnSpc>
-                <a:spcPct val="100000"/>
-              </a:lnSpc>
-              <a:spcBef>
-                <a:spcPct val="0"/>
-              </a:spcBef>
-              <a:spcAft>
-                <a:spcPct val="0"/>
-              </a:spcAft>
-              <a:buClrTx/>
-              <a:buSzTx/>
-              <a:buFontTx/>
-              <a:buNone/>
-              <a:tabLst/>
-            </a:pPr>
-            <a:r>
-              <a:rPr kumimoji="0" lang="en-US" altLang="en-US" sz="1200" b="0" i="0" u="none" strike="noStrike" cap="none" normalizeH="0" baseline="0" dirty="0" err="1">
-                <a:ln>
-                  <a:noFill/>
-                </a:ln>
-                <a:solidFill>
-                  <a:schemeClr val="tx1"/>
-                </a:solidFill>
-                <a:effectLst/>
-                <a:latin typeface="Arial Unicode MS"/>
-              </a:rPr>
-              <a:t>Buenos_Aires</a:t>
-            </a:r>
-            <a:r>
-              <a:rPr kumimoji="0" lang="en-US" altLang="en-US" sz="1200" b="0" i="0" u="none" strike="noStrike" cap="none" normalizeH="0" baseline="0" dirty="0">
-                <a:ln>
-                  <a:noFill/>
-                </a:ln>
-                <a:solidFill>
-                  <a:schemeClr val="tx1"/>
-                </a:solidFill>
-                <a:effectLst/>
-                <a:latin typeface="Arial Unicode MS"/>
-              </a:rPr>
-              <a:t>                     1.060245</a:t>
-            </a:r>
-          </a:p>
-          <a:p>
-            <a:pPr marL="0" marR="0" lvl="0" indent="0" algn="l" defTabSz="914400" rtl="0" eaLnBrk="0" fontAlgn="base" latinLnBrk="0" hangingPunct="0">
-              <a:lnSpc>
-                <a:spcPct val="100000"/>
-              </a:lnSpc>
-              <a:spcBef>
-                <a:spcPct val="0"/>
-              </a:spcBef>
-              <a:spcAft>
-                <a:spcPct val="0"/>
-              </a:spcAft>
-              <a:buClrTx/>
-              <a:buSzTx/>
-              <a:buFontTx/>
-              <a:buNone/>
-              <a:tabLst/>
-            </a:pPr>
-            <a:r>
-              <a:rPr kumimoji="0" lang="en-US" altLang="en-US" sz="1200" b="0" i="0" u="none" strike="noStrike" cap="none" normalizeH="0" baseline="0" dirty="0">
-                <a:ln>
-                  <a:noFill/>
-                </a:ln>
-                <a:solidFill>
-                  <a:schemeClr val="tx1"/>
-                </a:solidFill>
-                <a:effectLst/>
-                <a:latin typeface="Arial Unicode MS"/>
-              </a:rPr>
-              <a:t>_Lima                                 -0.836762</a:t>
-            </a:r>
-            <a:r>
-              <a:rPr kumimoji="0" lang="en-US" altLang="en-US" sz="1200" b="0" i="0" u="none" strike="noStrike" cap="none" normalizeH="0" baseline="0" dirty="0">
-                <a:ln>
-                  <a:noFill/>
-                </a:ln>
-                <a:solidFill>
-                  <a:schemeClr val="tx1"/>
-                </a:solidFill>
-                <a:effectLst/>
-              </a:rPr>
-              <a:t> </a:t>
-            </a:r>
-            <a:endParaRPr kumimoji="0" lang="en-US" altLang="en-US" sz="1200" b="0" i="0" u="none" strike="noStrike" cap="none" normalizeH="0" baseline="0" dirty="0">
-              <a:ln>
-                <a:noFill/>
-              </a:ln>
-              <a:solidFill>
-                <a:schemeClr val="tx1"/>
-              </a:solidFill>
-              <a:effectLst/>
-              <a:latin typeface="Arial" panose="020B0604020202020204" pitchFamily="34" charset="0"/>
-            </a:endParaRPr>
-          </a:p>
-        </p:txBody>
-      </p:sp>
-      <p:sp>
-        <p:nvSpPr>
           <p:cNvPr id="3" name="TextBox 2">
             <a:extLst>
               <a:ext uri="{FF2B5EF4-FFF2-40B4-BE49-F238E27FC236}">
@@ -8878,6 +8242,288 @@
             <a:r>
               <a:rPr lang="en-US" sz="1600" dirty="0"/>
               <a:t>T=T2-T1</a:t>
+            </a:r>
+          </a:p>
+        </p:txBody>
+      </p:sp>
+      <p:sp>
+        <p:nvSpPr>
+          <p:cNvPr id="9" name="TextBox 8">
+            <a:extLst>
+              <a:ext uri="{FF2B5EF4-FFF2-40B4-BE49-F238E27FC236}">
+                <a16:creationId xmlns:a16="http://schemas.microsoft.com/office/drawing/2014/main" id="{D83A46D8-A083-4D49-8657-105B1FAC52E3}"/>
+              </a:ext>
+            </a:extLst>
+          </p:cNvPr>
+          <p:cNvSpPr txBox="1"/>
+          <p:nvPr/>
+        </p:nvSpPr>
+        <p:spPr>
+          <a:xfrm>
+            <a:off x="1379575" y="1941837"/>
+            <a:ext cx="3490137" cy="4401205"/>
+          </a:xfrm>
+          <a:prstGeom prst="rect">
+            <a:avLst/>
+          </a:prstGeom>
+          <a:noFill/>
+        </p:spPr>
+        <p:txBody>
+          <a:bodyPr wrap="square">
+            <a:spAutoFit/>
+          </a:bodyPr>
+          <a:lstStyle/>
+          <a:p>
+            <a:r>
+              <a:rPr lang="en-US" sz="1400" dirty="0" err="1"/>
+              <a:t>AK_Anchorage_Temp</a:t>
+            </a:r>
+            <a:r>
+              <a:rPr lang="en-US" sz="1400" dirty="0"/>
+              <a:t>          1.131106</a:t>
+            </a:r>
+          </a:p>
+          <a:p>
+            <a:r>
+              <a:rPr lang="en-US" sz="1400" dirty="0" err="1"/>
+              <a:t>ND_Fargo_Temp</a:t>
+            </a:r>
+            <a:r>
+              <a:rPr lang="en-US" sz="1400" dirty="0"/>
+              <a:t>              1.083954</a:t>
+            </a:r>
+          </a:p>
+          <a:p>
+            <a:r>
+              <a:rPr lang="en-US" sz="1400" dirty="0" err="1"/>
+              <a:t>FL_West_Palm_Beach_Temp</a:t>
+            </a:r>
+            <a:r>
+              <a:rPr lang="en-US" sz="1400" dirty="0"/>
+              <a:t>    0.657804</a:t>
+            </a:r>
+          </a:p>
+          <a:p>
+            <a:r>
+              <a:rPr lang="en-US" sz="1400" dirty="0" err="1"/>
+              <a:t>Vermont_Burlington_Temp</a:t>
+            </a:r>
+            <a:r>
+              <a:rPr lang="en-US" sz="1400" dirty="0"/>
+              <a:t>    1.061802</a:t>
+            </a:r>
+          </a:p>
+          <a:p>
+            <a:r>
+              <a:rPr lang="en-US" sz="1400" dirty="0" err="1"/>
+              <a:t>TX_El_Paso_Temp</a:t>
+            </a:r>
+            <a:r>
+              <a:rPr lang="en-US" sz="1400" dirty="0"/>
+              <a:t>            1.430969</a:t>
+            </a:r>
+          </a:p>
+          <a:p>
+            <a:r>
+              <a:rPr lang="en-US" sz="1400" dirty="0" err="1"/>
+              <a:t>Wyoming_Cheyenne_Temp</a:t>
+            </a:r>
+            <a:r>
+              <a:rPr lang="en-US" sz="1400" dirty="0"/>
+              <a:t>      0.768072</a:t>
+            </a:r>
+          </a:p>
+          <a:p>
+            <a:r>
+              <a:rPr lang="en-US" sz="1400" dirty="0" err="1"/>
+              <a:t>San_Francisco_Temp</a:t>
+            </a:r>
+            <a:r>
+              <a:rPr lang="en-US" sz="1400" dirty="0"/>
+              <a:t>         0.513417</a:t>
+            </a:r>
+          </a:p>
+          <a:p>
+            <a:r>
+              <a:rPr lang="en-US" sz="1400" dirty="0" err="1"/>
+              <a:t>Cleveland_Temp</a:t>
+            </a:r>
+            <a:r>
+              <a:rPr lang="en-US" sz="1400" dirty="0"/>
+              <a:t>             0.820345</a:t>
+            </a:r>
+          </a:p>
+          <a:p>
+            <a:r>
+              <a:rPr lang="en-US" sz="1400" dirty="0" err="1"/>
+              <a:t>Milwaukee_Temp</a:t>
+            </a:r>
+            <a:r>
+              <a:rPr lang="en-US" sz="1400" dirty="0"/>
+              <a:t>             0.385734</a:t>
+            </a:r>
+          </a:p>
+          <a:p>
+            <a:r>
+              <a:rPr lang="en-US" sz="1400" dirty="0" err="1"/>
+              <a:t>New_York_City</a:t>
+            </a:r>
+            <a:r>
+              <a:rPr lang="en-US" sz="1400" dirty="0"/>
+              <a:t>              0.533899</a:t>
+            </a:r>
+          </a:p>
+          <a:p>
+            <a:r>
+              <a:rPr lang="en-US" sz="1400" dirty="0" err="1"/>
+              <a:t>Honolulu_Temp</a:t>
+            </a:r>
+            <a:r>
+              <a:rPr lang="en-US" sz="1400" dirty="0"/>
+              <a:t>             -0.102903</a:t>
+            </a:r>
+          </a:p>
+          <a:p>
+            <a:r>
+              <a:rPr lang="en-US" sz="1400" dirty="0" err="1"/>
+              <a:t>SA_Cape_Town</a:t>
+            </a:r>
+            <a:r>
+              <a:rPr lang="en-US" sz="1400" dirty="0"/>
+              <a:t>               1.023740</a:t>
+            </a:r>
+          </a:p>
+          <a:p>
+            <a:r>
+              <a:rPr lang="en-US" sz="1400" dirty="0" err="1"/>
+              <a:t>Egypt_Cairo</a:t>
+            </a:r>
+            <a:r>
+              <a:rPr lang="en-US" sz="1400" dirty="0"/>
+              <a:t>                1.613335</a:t>
+            </a:r>
+          </a:p>
+          <a:p>
+            <a:r>
+              <a:rPr lang="en-US" sz="1400" dirty="0" err="1"/>
+              <a:t>India_Delhi</a:t>
+            </a:r>
+            <a:r>
+              <a:rPr lang="en-US" sz="1400" dirty="0"/>
+              <a:t>                1.005422</a:t>
+            </a:r>
+          </a:p>
+          <a:p>
+            <a:r>
+              <a:rPr lang="en-US" sz="1400" dirty="0" err="1"/>
+              <a:t>China_Beijing</a:t>
+            </a:r>
+            <a:r>
+              <a:rPr lang="en-US" sz="1400" dirty="0"/>
+              <a:t>             -0.821714</a:t>
+            </a:r>
+          </a:p>
+          <a:p>
+            <a:r>
+              <a:rPr lang="en-US" sz="1400" dirty="0" err="1"/>
+              <a:t>Singapore_Temp</a:t>
+            </a:r>
+            <a:r>
+              <a:rPr lang="en-US" sz="1400" dirty="0"/>
+              <a:t>            -0.119140</a:t>
+            </a:r>
+          </a:p>
+          <a:p>
+            <a:r>
+              <a:rPr lang="en-US" sz="1400" dirty="0" err="1"/>
+              <a:t>New_Zealand</a:t>
+            </a:r>
+            <a:r>
+              <a:rPr lang="en-US" sz="1400" dirty="0"/>
+              <a:t> Auckland       0.080367</a:t>
+            </a:r>
+          </a:p>
+          <a:p>
+            <a:r>
+              <a:rPr lang="en-US" sz="1400" dirty="0" err="1"/>
+              <a:t>Russia_Moscow</a:t>
+            </a:r>
+            <a:r>
+              <a:rPr lang="en-US" sz="1400" dirty="0"/>
+              <a:t>              1.955066</a:t>
+            </a:r>
+          </a:p>
+          <a:p>
+            <a:r>
+              <a:rPr lang="en-US" sz="1400" dirty="0"/>
+              <a:t>Argentina </a:t>
+            </a:r>
+            <a:r>
+              <a:rPr lang="en-US" sz="1400" dirty="0" err="1"/>
+              <a:t>Buenos_Aires</a:t>
+            </a:r>
+            <a:r>
+              <a:rPr lang="en-US" sz="1400" dirty="0"/>
+              <a:t>     1.046030</a:t>
+            </a:r>
+          </a:p>
+          <a:p>
+            <a:r>
+              <a:rPr lang="en-US" sz="1400" dirty="0" err="1"/>
+              <a:t>Peru_Lima</a:t>
+            </a:r>
+            <a:r>
+              <a:rPr lang="en-US" sz="1400" dirty="0"/>
+              <a:t>                 -0.839321</a:t>
+            </a:r>
+          </a:p>
+        </p:txBody>
+      </p:sp>
+      <p:sp>
+        <p:nvSpPr>
+          <p:cNvPr id="8" name="TextBox 7">
+            <a:extLst>
+              <a:ext uri="{FF2B5EF4-FFF2-40B4-BE49-F238E27FC236}">
+                <a16:creationId xmlns:a16="http://schemas.microsoft.com/office/drawing/2014/main" id="{435030C8-5E94-4BD1-8B48-06BF161B73B5}"/>
+              </a:ext>
+            </a:extLst>
+          </p:cNvPr>
+          <p:cNvSpPr txBox="1"/>
+          <p:nvPr/>
+        </p:nvSpPr>
+        <p:spPr>
+          <a:xfrm>
+            <a:off x="4869712" y="5846120"/>
+            <a:ext cx="3811941" cy="646331"/>
+          </a:xfrm>
+          <a:prstGeom prst="rect">
+            <a:avLst/>
+          </a:prstGeom>
+          <a:noFill/>
+        </p:spPr>
+        <p:txBody>
+          <a:bodyPr wrap="none" rtlCol="0">
+            <a:spAutoFit/>
+          </a:bodyPr>
+          <a:lstStyle/>
+          <a:p>
+            <a:r>
+              <a:rPr lang="en-US" dirty="0">
+                <a:solidFill>
+                  <a:srgbClr val="FF0000"/>
+                </a:solidFill>
+              </a:rPr>
+              <a:t>The mean change of 20 cities is 0.66 °F</a:t>
+            </a:r>
+          </a:p>
+          <a:p>
+            <a:r>
+              <a:rPr lang="en-US" dirty="0">
+                <a:solidFill>
+                  <a:srgbClr val="0070C0"/>
+                </a:solidFill>
+              </a:rPr>
+              <a:t>Is it statistically significant? </a:t>
             </a:r>
           </a:p>
         </p:txBody>
@@ -8914,10 +8560,10 @@
       </p:grpSpPr>
       <p:sp>
         <p:nvSpPr>
-          <p:cNvPr id="2" name="TextBox 1">
-            <a:extLst>
-              <a:ext uri="{FF2B5EF4-FFF2-40B4-BE49-F238E27FC236}">
-                <a16:creationId xmlns:a16="http://schemas.microsoft.com/office/drawing/2014/main" id="{F02EC32D-719C-4E71-8986-BE47C18BACD9}"/>
+          <p:cNvPr id="3" name="TextBox 2">
+            <a:extLst>
+              <a:ext uri="{FF2B5EF4-FFF2-40B4-BE49-F238E27FC236}">
+                <a16:creationId xmlns:a16="http://schemas.microsoft.com/office/drawing/2014/main" id="{7A2D32B9-406B-4FC3-B9FF-BDF755221FE2}"/>
               </a:ext>
             </a:extLst>
           </p:cNvPr>
@@ -8926,8 +8572,8 @@
         </p:nvSpPr>
         <p:spPr>
           <a:xfrm>
-            <a:off x="857250" y="561975"/>
-            <a:ext cx="7000827" cy="461665"/>
+            <a:off x="560866" y="533408"/>
+            <a:ext cx="9401839" cy="5447966"/>
           </a:xfrm>
           <a:prstGeom prst="rect">
             <a:avLst/>
@@ -8935,69 +8581,346 @@
           <a:noFill/>
         </p:spPr>
         <p:txBody>
-          <a:bodyPr wrap="none" rtlCol="0">
+          <a:bodyPr wrap="square">
             <a:spAutoFit/>
           </a:bodyPr>
           <a:lstStyle/>
           <a:p>
-            <a:r>
-              <a:rPr lang="en-US" sz="2400" dirty="0"/>
-              <a:t>Cities and Their Five Years Mean Temperature Changes</a:t>
-            </a:r>
-          </a:p>
-        </p:txBody>
-      </p:sp>
-      <p:pic>
-        <p:nvPicPr>
-          <p:cNvPr id="1028" name="Picture 4">
-            <a:extLst>
-              <a:ext uri="{FF2B5EF4-FFF2-40B4-BE49-F238E27FC236}">
-                <a16:creationId xmlns:a16="http://schemas.microsoft.com/office/drawing/2014/main" id="{3E2B6655-E5FB-4615-A686-85B1CBB1CDFC}"/>
-              </a:ext>
-            </a:extLst>
-          </p:cNvPr>
-          <p:cNvPicPr>
-            <a:picLocks noChangeAspect="1" noChangeArrowheads="1"/>
-          </p:cNvPicPr>
-          <p:nvPr/>
-        </p:nvPicPr>
-        <p:blipFill>
-          <a:blip r:embed="rId2">
-            <a:extLst>
-              <a:ext uri="{28A0092B-C50C-407E-A947-70E740481C1C}">
-                <a14:useLocalDpi xmlns:a14="http://schemas.microsoft.com/office/drawing/2010/main" val="0"/>
-              </a:ext>
-            </a:extLst>
-          </a:blip>
-          <a:srcRect/>
-          <a:stretch>
-            <a:fillRect/>
-          </a:stretch>
-        </p:blipFill>
-        <p:spPr bwMode="auto">
-          <a:xfrm>
-            <a:off x="578432" y="1465282"/>
-            <a:ext cx="10166841" cy="4437807"/>
-          </a:xfrm>
-          <a:prstGeom prst="rect">
-            <a:avLst/>
-          </a:prstGeom>
-          <a:noFill/>
-          <a:extLst>
-            <a:ext uri="{909E8E84-426E-40DD-AFC4-6F175D3DCCD1}">
-              <a14:hiddenFill xmlns:a14="http://schemas.microsoft.com/office/drawing/2010/main">
+            <a:pPr marL="0" marR="0">
+              <a:lnSpc>
+                <a:spcPct val="107000"/>
+              </a:lnSpc>
+              <a:spcBef>
+                <a:spcPts val="0"/>
+              </a:spcBef>
+              <a:spcAft>
+                <a:spcPts val="800"/>
+              </a:spcAft>
+              <a:tabLst>
+                <a:tab pos="228600" algn="l"/>
+              </a:tabLst>
+            </a:pPr>
+            <a:r>
+              <a:rPr lang="en-US" b="1" dirty="0">
+                <a:effectLst/>
+                <a:latin typeface="Calibri" panose="020F0502020204030204" pitchFamily="34" charset="0"/>
+                <a:ea typeface="DengXian" panose="02010600030101010101" pitchFamily="2" charset="-122"/>
+                <a:cs typeface="Times New Roman" panose="02020603050405020304" pitchFamily="18" charset="0"/>
+              </a:rPr>
+              <a:t>Hypothesis Test:</a:t>
+            </a:r>
+            <a:endParaRPr lang="en-US" dirty="0">
+              <a:effectLst/>
+              <a:latin typeface="Calibri" panose="020F0502020204030204" pitchFamily="34" charset="0"/>
+              <a:ea typeface="DengXian" panose="02010600030101010101" pitchFamily="2" charset="-122"/>
+              <a:cs typeface="Times New Roman" panose="02020603050405020304" pitchFamily="18" charset="0"/>
+            </a:endParaRPr>
+          </a:p>
+          <a:p>
+            <a:pPr marL="0" marR="0">
+              <a:lnSpc>
+                <a:spcPct val="107000"/>
+              </a:lnSpc>
+              <a:spcBef>
+                <a:spcPts val="0"/>
+              </a:spcBef>
+              <a:spcAft>
+                <a:spcPts val="800"/>
+              </a:spcAft>
+              <a:tabLst>
+                <a:tab pos="228600" algn="l"/>
+              </a:tabLst>
+            </a:pPr>
+            <a:r>
+              <a:rPr lang="en-US" dirty="0">
+                <a:effectLst/>
+                <a:latin typeface="Calibri" panose="020F0502020204030204" pitchFamily="34" charset="0"/>
+                <a:ea typeface="DengXian" panose="02010600030101010101" pitchFamily="2" charset="-122"/>
+                <a:cs typeface="Times New Roman" panose="02020603050405020304" pitchFamily="18" charset="0"/>
+              </a:rPr>
+              <a:t>Assumption: there is no temperature change during the 20 years. The yearly mean temperatures of each city follows the standard distribution. </a:t>
+            </a:r>
+          </a:p>
+          <a:p>
+            <a:pPr marL="0" marR="0">
+              <a:lnSpc>
+                <a:spcPct val="107000"/>
+              </a:lnSpc>
+              <a:spcBef>
+                <a:spcPts val="0"/>
+              </a:spcBef>
+              <a:spcAft>
+                <a:spcPts val="800"/>
+              </a:spcAft>
+              <a:tabLst>
+                <a:tab pos="228600" algn="l"/>
+              </a:tabLst>
+            </a:pPr>
+            <a:r>
+              <a:rPr lang="en-US">
+                <a:effectLst/>
+                <a:latin typeface="Calibri" panose="020F0502020204030204" pitchFamily="34" charset="0"/>
+                <a:ea typeface="DengXian" panose="02010600030101010101" pitchFamily="2" charset="-122"/>
+                <a:cs typeface="Times New Roman" panose="02020603050405020304" pitchFamily="18" charset="0"/>
+              </a:rPr>
+              <a:t>Use average of </a:t>
+            </a:r>
+            <a:r>
+              <a:rPr lang="en-US" dirty="0">
+                <a:effectLst/>
+                <a:latin typeface="Calibri" panose="020F0502020204030204" pitchFamily="34" charset="0"/>
+                <a:ea typeface="DengXian" panose="02010600030101010101" pitchFamily="2" charset="-122"/>
+                <a:cs typeface="Times New Roman" panose="02020603050405020304" pitchFamily="18" charset="0"/>
+              </a:rPr>
+              <a:t>the 20 years temperature and the standard deviation of the yearly mean temperature of each city to generate 10000 data (as the sample pool of the yearly mean temperature) for each city.</a:t>
+            </a:r>
+          </a:p>
+          <a:p>
+            <a:pPr marL="0" marR="0">
+              <a:lnSpc>
+                <a:spcPct val="107000"/>
+              </a:lnSpc>
+              <a:spcBef>
+                <a:spcPts val="0"/>
+              </a:spcBef>
+              <a:spcAft>
+                <a:spcPts val="800"/>
+              </a:spcAft>
+              <a:tabLst>
+                <a:tab pos="228600" algn="l"/>
+              </a:tabLst>
+            </a:pPr>
+            <a:r>
+              <a:rPr lang="en-US" dirty="0">
+                <a:effectLst/>
+                <a:latin typeface="Calibri" panose="020F0502020204030204" pitchFamily="34" charset="0"/>
+                <a:ea typeface="DengXian" panose="02010600030101010101" pitchFamily="2" charset="-122"/>
+                <a:cs typeface="Times New Roman" panose="02020603050405020304" pitchFamily="18" charset="0"/>
+              </a:rPr>
+              <a:t>Random</a:t>
+            </a:r>
+            <a:r>
+              <a:rPr lang="en-US" dirty="0">
+                <a:latin typeface="Calibri" panose="020F0502020204030204" pitchFamily="34" charset="0"/>
+                <a:ea typeface="DengXian" panose="02010600030101010101" pitchFamily="2" charset="-122"/>
+                <a:cs typeface="Times New Roman" panose="02020603050405020304" pitchFamily="18" charset="0"/>
+              </a:rPr>
+              <a:t>ly </a:t>
+            </a:r>
+            <a:r>
+              <a:rPr lang="en-US" dirty="0">
+                <a:effectLst/>
+                <a:latin typeface="Calibri" panose="020F0502020204030204" pitchFamily="34" charset="0"/>
+                <a:ea typeface="DengXian" panose="02010600030101010101" pitchFamily="2" charset="-122"/>
+                <a:cs typeface="Times New Roman" panose="02020603050405020304" pitchFamily="18" charset="0"/>
+              </a:rPr>
+              <a:t>pick 5 data (5a) from the pool as the yearly mean temperature of 1995-1999, and other 5 data (5b) as the those of 2010-2014.</a:t>
+            </a:r>
+          </a:p>
+          <a:p>
+            <a:pPr marL="0" marR="0">
+              <a:lnSpc>
+                <a:spcPct val="107000"/>
+              </a:lnSpc>
+              <a:spcBef>
+                <a:spcPts val="0"/>
+              </a:spcBef>
+              <a:spcAft>
+                <a:spcPts val="800"/>
+              </a:spcAft>
+              <a:tabLst>
+                <a:tab pos="228600" algn="l"/>
+              </a:tabLst>
+            </a:pPr>
+            <a:r>
+              <a:rPr lang="en-US" dirty="0">
+                <a:effectLst/>
+                <a:latin typeface="Calibri" panose="020F0502020204030204" pitchFamily="34" charset="0"/>
+                <a:ea typeface="DengXian" panose="02010600030101010101" pitchFamily="2" charset="-122"/>
+                <a:cs typeface="Times New Roman" panose="02020603050405020304" pitchFamily="18" charset="0"/>
+              </a:rPr>
+              <a:t>c=Average of 20 cities of Mean(5a)-Mean(5b)</a:t>
+            </a:r>
+          </a:p>
+          <a:p>
+            <a:pPr marL="0" marR="0">
+              <a:lnSpc>
+                <a:spcPct val="107000"/>
+              </a:lnSpc>
+              <a:spcBef>
+                <a:spcPts val="0"/>
+              </a:spcBef>
+              <a:spcAft>
+                <a:spcPts val="800"/>
+              </a:spcAft>
+              <a:tabLst>
+                <a:tab pos="228600" algn="l"/>
+              </a:tabLst>
+            </a:pPr>
+            <a:r>
+              <a:rPr lang="en-US" dirty="0">
+                <a:effectLst/>
+                <a:latin typeface="Calibri" panose="020F0502020204030204" pitchFamily="34" charset="0"/>
+                <a:ea typeface="DengXian" panose="02010600030101010101" pitchFamily="2" charset="-122"/>
+                <a:cs typeface="Times New Roman" panose="02020603050405020304" pitchFamily="18" charset="0"/>
+              </a:rPr>
+              <a:t>I repeated 1000 times and obtained a list of c. </a:t>
+            </a:r>
+          </a:p>
+          <a:p>
+            <a:pPr marL="0" marR="0">
+              <a:lnSpc>
+                <a:spcPct val="107000"/>
+              </a:lnSpc>
+              <a:spcBef>
+                <a:spcPts val="0"/>
+              </a:spcBef>
+              <a:spcAft>
+                <a:spcPts val="800"/>
+              </a:spcAft>
+              <a:tabLst>
+                <a:tab pos="228600" algn="l"/>
+              </a:tabLst>
+            </a:pPr>
+            <a:r>
+              <a:rPr lang="en-US" dirty="0">
+                <a:effectLst/>
+                <a:latin typeface="Calibri" panose="020F0502020204030204" pitchFamily="34" charset="0"/>
+                <a:ea typeface="DengXian" panose="02010600030101010101" pitchFamily="2" charset="-122"/>
+                <a:cs typeface="Times New Roman" panose="02020603050405020304" pitchFamily="18" charset="0"/>
+              </a:rPr>
+              <a:t>5% -95% of c is between -0.27 and 0.27 (</a:t>
+            </a:r>
+            <a:r>
+              <a:rPr lang="en-US" dirty="0">
+                <a:effectLst/>
+                <a:latin typeface="Calibri" panose="020F0502020204030204" pitchFamily="34" charset="0"/>
+                <a:ea typeface="DengXian" panose="02010600030101010101" pitchFamily="2" charset="-122"/>
+                <a:cs typeface="Calibri" panose="020F0502020204030204" pitchFamily="34" charset="0"/>
+              </a:rPr>
+              <a:t>°</a:t>
+            </a:r>
+            <a:r>
+              <a:rPr lang="en-US" dirty="0">
+                <a:effectLst/>
+                <a:latin typeface="Calibri" panose="020F0502020204030204" pitchFamily="34" charset="0"/>
+                <a:ea typeface="DengXian" panose="02010600030101010101" pitchFamily="2" charset="-122"/>
+                <a:cs typeface="Times New Roman" panose="02020603050405020304" pitchFamily="18" charset="0"/>
+              </a:rPr>
+              <a:t>F)</a:t>
+            </a:r>
+          </a:p>
+          <a:p>
+            <a:pPr marL="0" marR="0">
+              <a:lnSpc>
+                <a:spcPct val="107000"/>
+              </a:lnSpc>
+              <a:spcBef>
+                <a:spcPts val="0"/>
+              </a:spcBef>
+              <a:spcAft>
+                <a:spcPts val="800"/>
+              </a:spcAft>
+              <a:tabLst>
+                <a:tab pos="228600" algn="l"/>
+              </a:tabLst>
+            </a:pPr>
+            <a:r>
+              <a:rPr lang="en-US" dirty="0">
+                <a:effectLst/>
+                <a:latin typeface="Calibri" panose="020F0502020204030204" pitchFamily="34" charset="0"/>
+                <a:ea typeface="DengXian" panose="02010600030101010101" pitchFamily="2" charset="-122"/>
+                <a:cs typeface="Times New Roman" panose="02020603050405020304" pitchFamily="18" charset="0"/>
+              </a:rPr>
+              <a:t>1% -99% of c is between -0.41 and 0.41 (</a:t>
+            </a:r>
+            <a:r>
+              <a:rPr lang="en-US" dirty="0">
+                <a:effectLst/>
+                <a:latin typeface="Calibri" panose="020F0502020204030204" pitchFamily="34" charset="0"/>
+                <a:ea typeface="DengXian" panose="02010600030101010101" pitchFamily="2" charset="-122"/>
+                <a:cs typeface="Calibri" panose="020F0502020204030204" pitchFamily="34" charset="0"/>
+              </a:rPr>
+              <a:t>°</a:t>
+            </a:r>
+            <a:r>
+              <a:rPr lang="en-US" dirty="0">
+                <a:effectLst/>
+                <a:latin typeface="Calibri" panose="020F0502020204030204" pitchFamily="34" charset="0"/>
+                <a:ea typeface="DengXian" panose="02010600030101010101" pitchFamily="2" charset="-122"/>
+                <a:cs typeface="Times New Roman" panose="02020603050405020304" pitchFamily="18" charset="0"/>
+              </a:rPr>
+              <a:t>F)</a:t>
+            </a:r>
+          </a:p>
+          <a:p>
+            <a:pPr marL="0" marR="0">
+              <a:lnSpc>
+                <a:spcPct val="107000"/>
+              </a:lnSpc>
+              <a:spcBef>
+                <a:spcPts val="0"/>
+              </a:spcBef>
+              <a:spcAft>
+                <a:spcPts val="800"/>
+              </a:spcAft>
+              <a:tabLst>
+                <a:tab pos="228600" algn="l"/>
+              </a:tabLst>
+            </a:pPr>
+            <a:r>
+              <a:rPr lang="en-US" dirty="0">
+                <a:effectLst/>
+                <a:latin typeface="Calibri" panose="020F0502020204030204" pitchFamily="34" charset="0"/>
+                <a:ea typeface="DengXian" panose="02010600030101010101" pitchFamily="2" charset="-122"/>
+                <a:cs typeface="Times New Roman" panose="02020603050405020304" pitchFamily="18" charset="0"/>
+              </a:rPr>
+              <a:t>0.66 (°F) from the real data of 20 cities. It is well above 99% of the possible data. </a:t>
+            </a:r>
+          </a:p>
+          <a:p>
+            <a:pPr marL="0" marR="0">
+              <a:lnSpc>
+                <a:spcPct val="107000"/>
+              </a:lnSpc>
+              <a:spcBef>
+                <a:spcPts val="0"/>
+              </a:spcBef>
+              <a:spcAft>
+                <a:spcPts val="800"/>
+              </a:spcAft>
+              <a:tabLst>
+                <a:tab pos="228600" algn="l"/>
+              </a:tabLst>
+            </a:pPr>
+            <a:r>
+              <a:rPr lang="en-US" b="1" dirty="0">
                 <a:solidFill>
-                  <a:srgbClr val="FFFFFF"/>
+                  <a:srgbClr val="FF0000"/>
                 </a:solidFill>
-              </a14:hiddenFill>
-            </a:ext>
-          </a:extLst>
-        </p:spPr>
-      </p:pic>
+                <a:effectLst/>
+                <a:latin typeface="Calibri" panose="020F0502020204030204" pitchFamily="34" charset="0"/>
+                <a:ea typeface="DengXian" panose="02010600030101010101" pitchFamily="2" charset="-122"/>
+                <a:cs typeface="Times New Roman" panose="02020603050405020304" pitchFamily="18" charset="0"/>
+              </a:rPr>
+              <a:t>The original hypothesis that there was no climate change is wrong. The overall temperature of 20 cities increased during the years of 1995-2014. </a:t>
+            </a:r>
+            <a:endParaRPr lang="en-US" dirty="0">
+              <a:solidFill>
+                <a:srgbClr val="FF0000"/>
+              </a:solidFill>
+              <a:effectLst/>
+              <a:latin typeface="Calibri" panose="020F0502020204030204" pitchFamily="34" charset="0"/>
+              <a:ea typeface="DengXian" panose="02010600030101010101" pitchFamily="2" charset="-122"/>
+              <a:cs typeface="Times New Roman" panose="02020603050405020304" pitchFamily="18" charset="0"/>
+            </a:endParaRPr>
+          </a:p>
+        </p:txBody>
+      </p:sp>
     </p:spTree>
     <p:extLst>
       <p:ext uri="{BB962C8B-B14F-4D97-AF65-F5344CB8AC3E}">
-        <p14:creationId xmlns:p14="http://schemas.microsoft.com/office/powerpoint/2010/main" val="843256626"/>
+        <p14:creationId xmlns:p14="http://schemas.microsoft.com/office/powerpoint/2010/main" val="1385726098"/>
       </p:ext>
     </p:extLst>
   </p:cSld>

--- a/Capstone_Presentation_Climate.pptx
+++ b/Capstone_Presentation_Climate.pptx
@@ -14,16 +14,17 @@
     <p:sldId id="263" r:id="rId8"/>
     <p:sldId id="269" r:id="rId9"/>
     <p:sldId id="274" r:id="rId10"/>
-    <p:sldId id="262" r:id="rId11"/>
-    <p:sldId id="264" r:id="rId12"/>
-    <p:sldId id="265" r:id="rId13"/>
-    <p:sldId id="266" r:id="rId14"/>
-    <p:sldId id="267" r:id="rId15"/>
-    <p:sldId id="268" r:id="rId16"/>
-    <p:sldId id="272" r:id="rId17"/>
-    <p:sldId id="270" r:id="rId18"/>
-    <p:sldId id="271" r:id="rId19"/>
-    <p:sldId id="273" r:id="rId20"/>
+    <p:sldId id="275" r:id="rId11"/>
+    <p:sldId id="262" r:id="rId12"/>
+    <p:sldId id="264" r:id="rId13"/>
+    <p:sldId id="265" r:id="rId14"/>
+    <p:sldId id="266" r:id="rId15"/>
+    <p:sldId id="267" r:id="rId16"/>
+    <p:sldId id="268" r:id="rId17"/>
+    <p:sldId id="272" r:id="rId18"/>
+    <p:sldId id="270" r:id="rId19"/>
+    <p:sldId id="271" r:id="rId20"/>
+    <p:sldId id="273" r:id="rId21"/>
   </p:sldIdLst>
   <p:sldSz cx="12192000" cy="6858000"/>
   <p:notesSz cx="6858000" cy="9144000"/>
@@ -467,7 +468,7 @@
           <a:p>
             <a:fld id="{6D7DEBBB-8302-41A0-A65F-C5E9FD2281CA}" type="datetimeFigureOut">
               <a:rPr lang="en-US" smtClean="0"/>
-              <a:t>5/4/2021</a:t>
+              <a:t>5/23/2021</a:t>
             </a:fld>
             <a:endParaRPr lang="en-US"/>
           </a:p>
@@ -665,7 +666,7 @@
           <a:p>
             <a:fld id="{6D7DEBBB-8302-41A0-A65F-C5E9FD2281CA}" type="datetimeFigureOut">
               <a:rPr lang="en-US" smtClean="0"/>
-              <a:t>5/4/2021</a:t>
+              <a:t>5/23/2021</a:t>
             </a:fld>
             <a:endParaRPr lang="en-US"/>
           </a:p>
@@ -873,7 +874,7 @@
           <a:p>
             <a:fld id="{6D7DEBBB-8302-41A0-A65F-C5E9FD2281CA}" type="datetimeFigureOut">
               <a:rPr lang="en-US" smtClean="0"/>
-              <a:t>5/4/2021</a:t>
+              <a:t>5/23/2021</a:t>
             </a:fld>
             <a:endParaRPr lang="en-US"/>
           </a:p>
@@ -1071,7 +1072,7 @@
           <a:p>
             <a:fld id="{6D7DEBBB-8302-41A0-A65F-C5E9FD2281CA}" type="datetimeFigureOut">
               <a:rPr lang="en-US" smtClean="0"/>
-              <a:t>5/4/2021</a:t>
+              <a:t>5/23/2021</a:t>
             </a:fld>
             <a:endParaRPr lang="en-US"/>
           </a:p>
@@ -1346,7 +1347,7 @@
           <a:p>
             <a:fld id="{6D7DEBBB-8302-41A0-A65F-C5E9FD2281CA}" type="datetimeFigureOut">
               <a:rPr lang="en-US" smtClean="0"/>
-              <a:t>5/4/2021</a:t>
+              <a:t>5/23/2021</a:t>
             </a:fld>
             <a:endParaRPr lang="en-US"/>
           </a:p>
@@ -1611,7 +1612,7 @@
           <a:p>
             <a:fld id="{6D7DEBBB-8302-41A0-A65F-C5E9FD2281CA}" type="datetimeFigureOut">
               <a:rPr lang="en-US" smtClean="0"/>
-              <a:t>5/4/2021</a:t>
+              <a:t>5/23/2021</a:t>
             </a:fld>
             <a:endParaRPr lang="en-US"/>
           </a:p>
@@ -2023,7 +2024,7 @@
           <a:p>
             <a:fld id="{6D7DEBBB-8302-41A0-A65F-C5E9FD2281CA}" type="datetimeFigureOut">
               <a:rPr lang="en-US" smtClean="0"/>
-              <a:t>5/4/2021</a:t>
+              <a:t>5/23/2021</a:t>
             </a:fld>
             <a:endParaRPr lang="en-US"/>
           </a:p>
@@ -2164,7 +2165,7 @@
           <a:p>
             <a:fld id="{6D7DEBBB-8302-41A0-A65F-C5E9FD2281CA}" type="datetimeFigureOut">
               <a:rPr lang="en-US" smtClean="0"/>
-              <a:t>5/4/2021</a:t>
+              <a:t>5/23/2021</a:t>
             </a:fld>
             <a:endParaRPr lang="en-US"/>
           </a:p>
@@ -2277,7 +2278,7 @@
           <a:p>
             <a:fld id="{6D7DEBBB-8302-41A0-A65F-C5E9FD2281CA}" type="datetimeFigureOut">
               <a:rPr lang="en-US" smtClean="0"/>
-              <a:t>5/4/2021</a:t>
+              <a:t>5/23/2021</a:t>
             </a:fld>
             <a:endParaRPr lang="en-US"/>
           </a:p>
@@ -2588,7 +2589,7 @@
           <a:p>
             <a:fld id="{6D7DEBBB-8302-41A0-A65F-C5E9FD2281CA}" type="datetimeFigureOut">
               <a:rPr lang="en-US" smtClean="0"/>
-              <a:t>5/4/2021</a:t>
+              <a:t>5/23/2021</a:t>
             </a:fld>
             <a:endParaRPr lang="en-US"/>
           </a:p>
@@ -2876,7 +2877,7 @@
           <a:p>
             <a:fld id="{6D7DEBBB-8302-41A0-A65F-C5E9FD2281CA}" type="datetimeFigureOut">
               <a:rPr lang="en-US" smtClean="0"/>
-              <a:t>5/4/2021</a:t>
+              <a:t>5/23/2021</a:t>
             </a:fld>
             <a:endParaRPr lang="en-US"/>
           </a:p>
@@ -3117,7 +3118,7 @@
           <a:p>
             <a:fld id="{6D7DEBBB-8302-41A0-A65F-C5E9FD2281CA}" type="datetimeFigureOut">
               <a:rPr lang="en-US" smtClean="0"/>
-              <a:t>5/4/2021</a:t>
+              <a:t>5/23/2021</a:t>
             </a:fld>
             <a:endParaRPr lang="en-US"/>
           </a:p>
@@ -4429,6 +4430,633 @@
       </p:grpSpPr>
       <p:sp>
         <p:nvSpPr>
+          <p:cNvPr id="3" name="TextBox 2">
+            <a:extLst>
+              <a:ext uri="{FF2B5EF4-FFF2-40B4-BE49-F238E27FC236}">
+                <a16:creationId xmlns:a16="http://schemas.microsoft.com/office/drawing/2014/main" id="{CF2C7341-D127-4884-B77F-4F1250D0B67B}"/>
+              </a:ext>
+            </a:extLst>
+          </p:cNvPr>
+          <p:cNvSpPr txBox="1"/>
+          <p:nvPr/>
+        </p:nvSpPr>
+        <p:spPr>
+          <a:xfrm>
+            <a:off x="914399" y="1565376"/>
+            <a:ext cx="7955812" cy="4558877"/>
+          </a:xfrm>
+          <a:prstGeom prst="rect">
+            <a:avLst/>
+          </a:prstGeom>
+          <a:noFill/>
+        </p:spPr>
+        <p:txBody>
+          <a:bodyPr wrap="square">
+            <a:spAutoFit/>
+          </a:bodyPr>
+          <a:lstStyle/>
+          <a:p>
+            <a:pPr marL="0" marR="0" lvl="0" indent="0" algn="l" defTabSz="914400" rtl="0" eaLnBrk="1" fontAlgn="auto" latinLnBrk="0" hangingPunct="1">
+              <a:lnSpc>
+                <a:spcPct val="107000"/>
+              </a:lnSpc>
+              <a:spcBef>
+                <a:spcPts val="0"/>
+              </a:spcBef>
+              <a:spcAft>
+                <a:spcPts val="800"/>
+              </a:spcAft>
+              <a:buClrTx/>
+              <a:buSzTx/>
+              <a:buFontTx/>
+              <a:buNone/>
+              <a:tabLst>
+                <a:tab pos="228600" algn="l"/>
+              </a:tabLst>
+              <a:defRPr/>
+            </a:pPr>
+            <a:r>
+              <a:rPr kumimoji="0" lang="en-US" sz="1800" b="0" i="0" u="none" strike="noStrike" kern="1200" cap="none" spc="0" normalizeH="0" baseline="0" noProof="0" dirty="0">
+                <a:ln>
+                  <a:noFill/>
+                </a:ln>
+                <a:solidFill>
+                  <a:prstClr val="black"/>
+                </a:solidFill>
+                <a:effectLst/>
+                <a:uLnTx/>
+                <a:uFillTx/>
+                <a:latin typeface="Calibri" panose="020F0502020204030204" pitchFamily="34" charset="0"/>
+                <a:ea typeface="DengXian" panose="02010600030101010101" pitchFamily="2" charset="-122"/>
+                <a:cs typeface="Times New Roman" panose="02020603050405020304" pitchFamily="18" charset="0"/>
+              </a:rPr>
+              <a:t>C = Average of 20 cities of ΔT</a:t>
+            </a:r>
+          </a:p>
+          <a:p>
+            <a:pPr marL="0" marR="0" lvl="0" indent="0" algn="l" defTabSz="914400" rtl="0" eaLnBrk="1" fontAlgn="auto" latinLnBrk="0" hangingPunct="1">
+              <a:lnSpc>
+                <a:spcPct val="107000"/>
+              </a:lnSpc>
+              <a:spcBef>
+                <a:spcPts val="0"/>
+              </a:spcBef>
+              <a:spcAft>
+                <a:spcPts val="800"/>
+              </a:spcAft>
+              <a:buClrTx/>
+              <a:buSzTx/>
+              <a:buFontTx/>
+              <a:buNone/>
+              <a:tabLst>
+                <a:tab pos="228600" algn="l"/>
+              </a:tabLst>
+              <a:defRPr/>
+            </a:pPr>
+            <a:endParaRPr kumimoji="0" lang="en-US" sz="1800" b="0" i="0" u="none" strike="noStrike" kern="1200" cap="none" spc="0" normalizeH="0" baseline="0" noProof="0" dirty="0">
+              <a:ln>
+                <a:noFill/>
+              </a:ln>
+              <a:solidFill>
+                <a:prstClr val="black"/>
+              </a:solidFill>
+              <a:effectLst/>
+              <a:uLnTx/>
+              <a:uFillTx/>
+              <a:latin typeface="Calibri" panose="020F0502020204030204" pitchFamily="34" charset="0"/>
+              <a:ea typeface="DengXian" panose="02010600030101010101" pitchFamily="2" charset="-122"/>
+              <a:cs typeface="Times New Roman" panose="02020603050405020304" pitchFamily="18" charset="0"/>
+            </a:endParaRPr>
+          </a:p>
+          <a:p>
+            <a:pPr marL="0" marR="0" lvl="0" indent="0" algn="l" defTabSz="914400" rtl="0" eaLnBrk="1" fontAlgn="auto" latinLnBrk="0" hangingPunct="1">
+              <a:lnSpc>
+                <a:spcPct val="107000"/>
+              </a:lnSpc>
+              <a:spcBef>
+                <a:spcPts val="0"/>
+              </a:spcBef>
+              <a:spcAft>
+                <a:spcPts val="800"/>
+              </a:spcAft>
+              <a:buClrTx/>
+              <a:buSzTx/>
+              <a:buFontTx/>
+              <a:buNone/>
+              <a:tabLst>
+                <a:tab pos="228600" algn="l"/>
+              </a:tabLst>
+              <a:defRPr/>
+            </a:pPr>
+            <a:r>
+              <a:rPr kumimoji="0" lang="en-US" sz="1800" b="0" i="0" u="none" strike="noStrike" kern="1200" cap="none" spc="0" normalizeH="0" baseline="0" noProof="0" dirty="0">
+                <a:ln>
+                  <a:noFill/>
+                </a:ln>
+                <a:solidFill>
+                  <a:prstClr val="black"/>
+                </a:solidFill>
+                <a:effectLst/>
+                <a:uLnTx/>
+                <a:uFillTx/>
+                <a:latin typeface="Calibri" panose="020F0502020204030204" pitchFamily="34" charset="0"/>
+                <a:ea typeface="DengXian" panose="02010600030101010101" pitchFamily="2" charset="-122"/>
+                <a:cs typeface="Times New Roman" panose="02020603050405020304" pitchFamily="18" charset="0"/>
+              </a:rPr>
+              <a:t>I repeated 1000 times and obtained a list of c. </a:t>
+            </a:r>
+          </a:p>
+          <a:p>
+            <a:pPr marL="0" marR="0" lvl="0" indent="0" algn="l" defTabSz="914400" rtl="0" eaLnBrk="1" fontAlgn="auto" latinLnBrk="0" hangingPunct="1">
+              <a:lnSpc>
+                <a:spcPct val="107000"/>
+              </a:lnSpc>
+              <a:spcBef>
+                <a:spcPts val="0"/>
+              </a:spcBef>
+              <a:spcAft>
+                <a:spcPts val="800"/>
+              </a:spcAft>
+              <a:buClrTx/>
+              <a:buSzTx/>
+              <a:buFontTx/>
+              <a:buNone/>
+              <a:tabLst>
+                <a:tab pos="228600" algn="l"/>
+              </a:tabLst>
+              <a:defRPr/>
+            </a:pPr>
+            <a:endParaRPr kumimoji="0" lang="en-US" sz="1800" b="0" i="0" u="none" strike="noStrike" kern="1200" cap="none" spc="0" normalizeH="0" baseline="0" noProof="0" dirty="0">
+              <a:ln>
+                <a:noFill/>
+              </a:ln>
+              <a:solidFill>
+                <a:prstClr val="black"/>
+              </a:solidFill>
+              <a:effectLst/>
+              <a:uLnTx/>
+              <a:uFillTx/>
+              <a:latin typeface="Calibri" panose="020F0502020204030204" pitchFamily="34" charset="0"/>
+              <a:ea typeface="DengXian" panose="02010600030101010101" pitchFamily="2" charset="-122"/>
+              <a:cs typeface="Times New Roman" panose="02020603050405020304" pitchFamily="18" charset="0"/>
+            </a:endParaRPr>
+          </a:p>
+          <a:p>
+            <a:pPr marL="0" marR="0" lvl="0" indent="0" algn="l" defTabSz="914400" rtl="0" eaLnBrk="1" fontAlgn="auto" latinLnBrk="0" hangingPunct="1">
+              <a:lnSpc>
+                <a:spcPct val="107000"/>
+              </a:lnSpc>
+              <a:spcBef>
+                <a:spcPts val="0"/>
+              </a:spcBef>
+              <a:spcAft>
+                <a:spcPts val="800"/>
+              </a:spcAft>
+              <a:buClrTx/>
+              <a:buSzTx/>
+              <a:buFontTx/>
+              <a:buNone/>
+              <a:tabLst>
+                <a:tab pos="228600" algn="l"/>
+              </a:tabLst>
+              <a:defRPr/>
+            </a:pPr>
+            <a:r>
+              <a:rPr kumimoji="0" lang="en-US" sz="1800" b="0" i="0" u="none" strike="noStrike" kern="1200" cap="none" spc="0" normalizeH="0" baseline="0" noProof="0" dirty="0">
+                <a:ln>
+                  <a:noFill/>
+                </a:ln>
+                <a:solidFill>
+                  <a:prstClr val="black"/>
+                </a:solidFill>
+                <a:effectLst/>
+                <a:uLnTx/>
+                <a:uFillTx/>
+                <a:latin typeface="Calibri" panose="020F0502020204030204" pitchFamily="34" charset="0"/>
+                <a:ea typeface="DengXian" panose="02010600030101010101" pitchFamily="2" charset="-122"/>
+                <a:cs typeface="Times New Roman" panose="02020603050405020304" pitchFamily="18" charset="0"/>
+              </a:rPr>
+              <a:t>5% -95% of c is between -0.27 and 0.27 (</a:t>
+            </a:r>
+            <a:r>
+              <a:rPr kumimoji="0" lang="en-US" sz="1800" b="0" i="0" u="none" strike="noStrike" kern="1200" cap="none" spc="0" normalizeH="0" baseline="0" noProof="0" dirty="0">
+                <a:ln>
+                  <a:noFill/>
+                </a:ln>
+                <a:solidFill>
+                  <a:prstClr val="black"/>
+                </a:solidFill>
+                <a:effectLst/>
+                <a:uLnTx/>
+                <a:uFillTx/>
+                <a:latin typeface="Calibri" panose="020F0502020204030204" pitchFamily="34" charset="0"/>
+                <a:ea typeface="DengXian" panose="02010600030101010101" pitchFamily="2" charset="-122"/>
+                <a:cs typeface="Calibri" panose="020F0502020204030204" pitchFamily="34" charset="0"/>
+              </a:rPr>
+              <a:t>°</a:t>
+            </a:r>
+            <a:r>
+              <a:rPr kumimoji="0" lang="en-US" sz="1800" b="0" i="0" u="none" strike="noStrike" kern="1200" cap="none" spc="0" normalizeH="0" baseline="0" noProof="0" dirty="0">
+                <a:ln>
+                  <a:noFill/>
+                </a:ln>
+                <a:solidFill>
+                  <a:prstClr val="black"/>
+                </a:solidFill>
+                <a:effectLst/>
+                <a:uLnTx/>
+                <a:uFillTx/>
+                <a:latin typeface="Calibri" panose="020F0502020204030204" pitchFamily="34" charset="0"/>
+                <a:ea typeface="DengXian" panose="02010600030101010101" pitchFamily="2" charset="-122"/>
+                <a:cs typeface="Times New Roman" panose="02020603050405020304" pitchFamily="18" charset="0"/>
+              </a:rPr>
+              <a:t>F)</a:t>
+            </a:r>
+          </a:p>
+          <a:p>
+            <a:pPr marL="0" marR="0" lvl="0" indent="0" algn="l" defTabSz="914400" rtl="0" eaLnBrk="1" fontAlgn="auto" latinLnBrk="0" hangingPunct="1">
+              <a:lnSpc>
+                <a:spcPct val="107000"/>
+              </a:lnSpc>
+              <a:spcBef>
+                <a:spcPts val="0"/>
+              </a:spcBef>
+              <a:spcAft>
+                <a:spcPts val="800"/>
+              </a:spcAft>
+              <a:buClrTx/>
+              <a:buSzTx/>
+              <a:buFontTx/>
+              <a:buNone/>
+              <a:tabLst>
+                <a:tab pos="228600" algn="l"/>
+              </a:tabLst>
+              <a:defRPr/>
+            </a:pPr>
+            <a:r>
+              <a:rPr kumimoji="0" lang="en-US" sz="1800" b="0" i="0" u="none" strike="noStrike" kern="1200" cap="none" spc="0" normalizeH="0" baseline="0" noProof="0" dirty="0">
+                <a:ln>
+                  <a:noFill/>
+                </a:ln>
+                <a:solidFill>
+                  <a:prstClr val="black"/>
+                </a:solidFill>
+                <a:effectLst/>
+                <a:uLnTx/>
+                <a:uFillTx/>
+                <a:latin typeface="Calibri" panose="020F0502020204030204" pitchFamily="34" charset="0"/>
+                <a:ea typeface="DengXian" panose="02010600030101010101" pitchFamily="2" charset="-122"/>
+                <a:cs typeface="Times New Roman" panose="02020603050405020304" pitchFamily="18" charset="0"/>
+              </a:rPr>
+              <a:t>1% -99% of c is between -0.41 and 0.41 (</a:t>
+            </a:r>
+            <a:r>
+              <a:rPr kumimoji="0" lang="en-US" sz="1800" b="0" i="0" u="none" strike="noStrike" kern="1200" cap="none" spc="0" normalizeH="0" baseline="0" noProof="0" dirty="0">
+                <a:ln>
+                  <a:noFill/>
+                </a:ln>
+                <a:solidFill>
+                  <a:prstClr val="black"/>
+                </a:solidFill>
+                <a:effectLst/>
+                <a:uLnTx/>
+                <a:uFillTx/>
+                <a:latin typeface="Calibri" panose="020F0502020204030204" pitchFamily="34" charset="0"/>
+                <a:ea typeface="DengXian" panose="02010600030101010101" pitchFamily="2" charset="-122"/>
+                <a:cs typeface="Calibri" panose="020F0502020204030204" pitchFamily="34" charset="0"/>
+              </a:rPr>
+              <a:t>°</a:t>
+            </a:r>
+            <a:r>
+              <a:rPr kumimoji="0" lang="en-US" sz="1800" b="0" i="0" u="none" strike="noStrike" kern="1200" cap="none" spc="0" normalizeH="0" baseline="0" noProof="0" dirty="0">
+                <a:ln>
+                  <a:noFill/>
+                </a:ln>
+                <a:solidFill>
+                  <a:prstClr val="black"/>
+                </a:solidFill>
+                <a:effectLst/>
+                <a:uLnTx/>
+                <a:uFillTx/>
+                <a:latin typeface="Calibri" panose="020F0502020204030204" pitchFamily="34" charset="0"/>
+                <a:ea typeface="DengXian" panose="02010600030101010101" pitchFamily="2" charset="-122"/>
+                <a:cs typeface="Times New Roman" panose="02020603050405020304" pitchFamily="18" charset="0"/>
+              </a:rPr>
+              <a:t>F)</a:t>
+            </a:r>
+          </a:p>
+          <a:p>
+            <a:pPr marL="0" marR="0" lvl="0" indent="0" algn="l" defTabSz="914400" rtl="0" eaLnBrk="1" fontAlgn="auto" latinLnBrk="0" hangingPunct="1">
+              <a:lnSpc>
+                <a:spcPct val="107000"/>
+              </a:lnSpc>
+              <a:spcBef>
+                <a:spcPts val="0"/>
+              </a:spcBef>
+              <a:spcAft>
+                <a:spcPts val="800"/>
+              </a:spcAft>
+              <a:buClrTx/>
+              <a:buSzTx/>
+              <a:buFontTx/>
+              <a:buNone/>
+              <a:tabLst>
+                <a:tab pos="228600" algn="l"/>
+              </a:tabLst>
+              <a:defRPr/>
+            </a:pPr>
+            <a:endParaRPr kumimoji="0" lang="en-US" sz="1800" b="0" i="0" u="none" strike="noStrike" kern="1200" cap="none" spc="0" normalizeH="0" baseline="0" noProof="0" dirty="0">
+              <a:ln>
+                <a:noFill/>
+              </a:ln>
+              <a:solidFill>
+                <a:prstClr val="black"/>
+              </a:solidFill>
+              <a:effectLst/>
+              <a:uLnTx/>
+              <a:uFillTx/>
+              <a:latin typeface="Calibri" panose="020F0502020204030204" pitchFamily="34" charset="0"/>
+              <a:ea typeface="DengXian" panose="02010600030101010101" pitchFamily="2" charset="-122"/>
+              <a:cs typeface="Times New Roman" panose="02020603050405020304" pitchFamily="18" charset="0"/>
+            </a:endParaRPr>
+          </a:p>
+          <a:p>
+            <a:pPr marL="0" marR="0" lvl="0" indent="0" algn="l" defTabSz="914400" rtl="0" eaLnBrk="1" fontAlgn="auto" latinLnBrk="0" hangingPunct="1">
+              <a:lnSpc>
+                <a:spcPct val="107000"/>
+              </a:lnSpc>
+              <a:spcBef>
+                <a:spcPts val="0"/>
+              </a:spcBef>
+              <a:spcAft>
+                <a:spcPts val="800"/>
+              </a:spcAft>
+              <a:buClrTx/>
+              <a:buSzTx/>
+              <a:buFontTx/>
+              <a:buNone/>
+              <a:tabLst>
+                <a:tab pos="228600" algn="l"/>
+              </a:tabLst>
+              <a:defRPr/>
+            </a:pPr>
+            <a:r>
+              <a:rPr kumimoji="0" lang="en-US" sz="1800" b="0" i="0" u="none" strike="noStrike" kern="1200" cap="none" spc="0" normalizeH="0" baseline="0" noProof="0" dirty="0">
+                <a:ln>
+                  <a:noFill/>
+                </a:ln>
+                <a:solidFill>
+                  <a:prstClr val="black"/>
+                </a:solidFill>
+                <a:effectLst/>
+                <a:uLnTx/>
+                <a:uFillTx/>
+                <a:latin typeface="Calibri" panose="020F0502020204030204" pitchFamily="34" charset="0"/>
+                <a:ea typeface="DengXian" panose="02010600030101010101" pitchFamily="2" charset="-122"/>
+                <a:cs typeface="Times New Roman" panose="02020603050405020304" pitchFamily="18" charset="0"/>
+              </a:rPr>
+              <a:t>The real data of 20 cities during the 20 years gave a C of 0.66</a:t>
+            </a:r>
+            <a:r>
+              <a:rPr kumimoji="0" lang="en-US" sz="1800" b="0" i="0" u="none" strike="noStrike" kern="1200" cap="none" spc="0" normalizeH="0" baseline="0" noProof="0" dirty="0">
+                <a:ln>
+                  <a:noFill/>
+                </a:ln>
+                <a:solidFill>
+                  <a:prstClr val="black"/>
+                </a:solidFill>
+                <a:effectLst/>
+                <a:uLnTx/>
+                <a:uFillTx/>
+                <a:latin typeface="Calibri" panose="020F0502020204030204" pitchFamily="34" charset="0"/>
+                <a:ea typeface="DengXian" panose="02010600030101010101" pitchFamily="2" charset="-122"/>
+                <a:cs typeface="Calibri" panose="020F0502020204030204" pitchFamily="34" charset="0"/>
+              </a:rPr>
+              <a:t>°</a:t>
+            </a:r>
+            <a:r>
+              <a:rPr kumimoji="0" lang="en-US" sz="1800" b="0" i="0" u="none" strike="noStrike" kern="1200" cap="none" spc="0" normalizeH="0" baseline="0" noProof="0" dirty="0">
+                <a:ln>
+                  <a:noFill/>
+                </a:ln>
+                <a:solidFill>
+                  <a:prstClr val="black"/>
+                </a:solidFill>
+                <a:effectLst/>
+                <a:uLnTx/>
+                <a:uFillTx/>
+                <a:latin typeface="Calibri" panose="020F0502020204030204" pitchFamily="34" charset="0"/>
+                <a:ea typeface="DengXian" panose="02010600030101010101" pitchFamily="2" charset="-122"/>
+                <a:cs typeface="Times New Roman" panose="02020603050405020304" pitchFamily="18" charset="0"/>
+              </a:rPr>
+              <a:t>F . It is well above 99% of the possible data in the permutation test.</a:t>
+            </a:r>
+          </a:p>
+          <a:p>
+            <a:pPr marL="0" marR="0" lvl="0" indent="0" algn="l" defTabSz="914400" rtl="0" eaLnBrk="1" fontAlgn="auto" latinLnBrk="0" hangingPunct="1">
+              <a:lnSpc>
+                <a:spcPct val="107000"/>
+              </a:lnSpc>
+              <a:spcBef>
+                <a:spcPts val="0"/>
+              </a:spcBef>
+              <a:spcAft>
+                <a:spcPts val="800"/>
+              </a:spcAft>
+              <a:buClrTx/>
+              <a:buSzTx/>
+              <a:buFontTx/>
+              <a:buNone/>
+              <a:tabLst>
+                <a:tab pos="228600" algn="l"/>
+              </a:tabLst>
+              <a:defRPr/>
+            </a:pPr>
+            <a:r>
+              <a:rPr kumimoji="0" lang="en-US" sz="1800" b="0" i="0" u="none" strike="noStrike" kern="1200" cap="none" spc="0" normalizeH="0" baseline="0" noProof="0" dirty="0">
+                <a:ln>
+                  <a:noFill/>
+                </a:ln>
+                <a:solidFill>
+                  <a:prstClr val="black"/>
+                </a:solidFill>
+                <a:effectLst/>
+                <a:uLnTx/>
+                <a:uFillTx/>
+                <a:latin typeface="Calibri" panose="020F0502020204030204" pitchFamily="34" charset="0"/>
+                <a:ea typeface="DengXian" panose="02010600030101010101" pitchFamily="2" charset="-122"/>
+                <a:cs typeface="Times New Roman" panose="02020603050405020304" pitchFamily="18" charset="0"/>
+              </a:rPr>
+              <a:t> </a:t>
+            </a:r>
+          </a:p>
+          <a:p>
+            <a:pPr marL="0" marR="0" lvl="0" indent="0" algn="l" defTabSz="914400" rtl="0" eaLnBrk="1" fontAlgn="auto" latinLnBrk="0" hangingPunct="1">
+              <a:lnSpc>
+                <a:spcPct val="107000"/>
+              </a:lnSpc>
+              <a:spcBef>
+                <a:spcPts val="0"/>
+              </a:spcBef>
+              <a:spcAft>
+                <a:spcPts val="800"/>
+              </a:spcAft>
+              <a:buClrTx/>
+              <a:buSzTx/>
+              <a:buFontTx/>
+              <a:buNone/>
+              <a:tabLst>
+                <a:tab pos="228600" algn="l"/>
+              </a:tabLst>
+              <a:defRPr/>
+            </a:pPr>
+            <a:r>
+              <a:rPr kumimoji="0" lang="en-US" sz="1800" b="1" i="0" u="none" strike="noStrike" kern="1200" cap="none" spc="0" normalizeH="0" baseline="0" noProof="0" dirty="0">
+                <a:ln>
+                  <a:noFill/>
+                </a:ln>
+                <a:solidFill>
+                  <a:srgbClr val="FF0000"/>
+                </a:solidFill>
+                <a:effectLst/>
+                <a:uLnTx/>
+                <a:uFillTx/>
+                <a:latin typeface="Calibri" panose="020F0502020204030204" pitchFamily="34" charset="0"/>
+                <a:ea typeface="DengXian" panose="02010600030101010101" pitchFamily="2" charset="-122"/>
+                <a:cs typeface="Times New Roman" panose="02020603050405020304" pitchFamily="18" charset="0"/>
+              </a:rPr>
+              <a:t>The original hypothesis that there was no climate change is wrong. The overall temperature of 20 cities increased during the years of 1995-2014. </a:t>
+            </a:r>
+            <a:endParaRPr kumimoji="0" lang="en-US" sz="1800" b="0" i="0" u="none" strike="noStrike" kern="1200" cap="none" spc="0" normalizeH="0" baseline="0" noProof="0" dirty="0">
+              <a:ln>
+                <a:noFill/>
+              </a:ln>
+              <a:solidFill>
+                <a:srgbClr val="FF0000"/>
+              </a:solidFill>
+              <a:effectLst/>
+              <a:uLnTx/>
+              <a:uFillTx/>
+              <a:latin typeface="Calibri" panose="020F0502020204030204" pitchFamily="34" charset="0"/>
+              <a:ea typeface="DengXian" panose="02010600030101010101" pitchFamily="2" charset="-122"/>
+              <a:cs typeface="Times New Roman" panose="02020603050405020304" pitchFamily="18" charset="0"/>
+            </a:endParaRPr>
+          </a:p>
+        </p:txBody>
+      </p:sp>
+      <p:sp>
+        <p:nvSpPr>
+          <p:cNvPr id="5" name="TextBox 4">
+            <a:extLst>
+              <a:ext uri="{FF2B5EF4-FFF2-40B4-BE49-F238E27FC236}">
+                <a16:creationId xmlns:a16="http://schemas.microsoft.com/office/drawing/2014/main" id="{35CFD4C9-EEB0-40D5-B078-B6C82B638183}"/>
+              </a:ext>
+            </a:extLst>
+          </p:cNvPr>
+          <p:cNvSpPr txBox="1"/>
+          <p:nvPr/>
+        </p:nvSpPr>
+        <p:spPr>
+          <a:xfrm>
+            <a:off x="901109" y="578391"/>
+            <a:ext cx="6097772" cy="470000"/>
+          </a:xfrm>
+          <a:prstGeom prst="rect">
+            <a:avLst/>
+          </a:prstGeom>
+          <a:noFill/>
+        </p:spPr>
+        <p:txBody>
+          <a:bodyPr wrap="square">
+            <a:spAutoFit/>
+          </a:bodyPr>
+          <a:lstStyle/>
+          <a:p>
+            <a:pPr marL="0" marR="0" lvl="0" indent="0" algn="l" defTabSz="914400" rtl="0" eaLnBrk="1" fontAlgn="auto" latinLnBrk="0" hangingPunct="1">
+              <a:lnSpc>
+                <a:spcPct val="107000"/>
+              </a:lnSpc>
+              <a:spcBef>
+                <a:spcPts val="0"/>
+              </a:spcBef>
+              <a:spcAft>
+                <a:spcPts val="800"/>
+              </a:spcAft>
+              <a:buClrTx/>
+              <a:buSzTx/>
+              <a:buFontTx/>
+              <a:buNone/>
+              <a:tabLst>
+                <a:tab pos="228600" algn="l"/>
+              </a:tabLst>
+              <a:defRPr/>
+            </a:pPr>
+            <a:r>
+              <a:rPr kumimoji="0" lang="en-US" sz="2400" b="1" i="0" u="none" strike="noStrike" kern="1200" cap="none" spc="0" normalizeH="0" baseline="0" noProof="0" dirty="0">
+                <a:ln>
+                  <a:noFill/>
+                </a:ln>
+                <a:solidFill>
+                  <a:prstClr val="black"/>
+                </a:solidFill>
+                <a:effectLst/>
+                <a:uLnTx/>
+                <a:uFillTx/>
+                <a:latin typeface="Calibri" panose="020F0502020204030204" pitchFamily="34" charset="0"/>
+                <a:ea typeface="DengXian" panose="02010600030101010101" pitchFamily="2" charset="-122"/>
+                <a:cs typeface="Times New Roman" panose="02020603050405020304" pitchFamily="18" charset="0"/>
+              </a:rPr>
+              <a:t>Hypothesis Test:</a:t>
+            </a:r>
+            <a:endParaRPr kumimoji="0" lang="en-US" sz="2400" b="0" i="0" u="none" strike="noStrike" kern="1200" cap="none" spc="0" normalizeH="0" baseline="0" noProof="0" dirty="0">
+              <a:ln>
+                <a:noFill/>
+              </a:ln>
+              <a:solidFill>
+                <a:prstClr val="black"/>
+              </a:solidFill>
+              <a:effectLst/>
+              <a:uLnTx/>
+              <a:uFillTx/>
+              <a:latin typeface="Calibri" panose="020F0502020204030204" pitchFamily="34" charset="0"/>
+              <a:ea typeface="DengXian" panose="02010600030101010101" pitchFamily="2" charset="-122"/>
+              <a:cs typeface="Times New Roman" panose="02020603050405020304" pitchFamily="18" charset="0"/>
+            </a:endParaRPr>
+          </a:p>
+        </p:txBody>
+      </p:sp>
+    </p:spTree>
+    <p:extLst>
+      <p:ext uri="{BB962C8B-B14F-4D97-AF65-F5344CB8AC3E}">
+        <p14:creationId xmlns:p14="http://schemas.microsoft.com/office/powerpoint/2010/main" val="459578208"/>
+      </p:ext>
+    </p:extLst>
+  </p:cSld>
+  <p:clrMapOvr>
+    <a:masterClrMapping/>
+  </p:clrMapOvr>
+</p:sld>
+</file>
+
+<file path=ppt/slides/slide11.xml><?xml version="1.0" encoding="utf-8"?>
+<p:sld xmlns:a="http://schemas.openxmlformats.org/drawingml/2006/main" xmlns:r="http://schemas.openxmlformats.org/officeDocument/2006/relationships" xmlns:p="http://schemas.openxmlformats.org/presentationml/2006/main">
+  <p:cSld>
+    <p:spTree>
+      <p:nvGrpSpPr>
+        <p:cNvPr id="1" name=""/>
+        <p:cNvGrpSpPr/>
+        <p:nvPr/>
+      </p:nvGrpSpPr>
+      <p:grpSpPr>
+        <a:xfrm>
+          <a:off x="0" y="0"/>
+          <a:ext cx="0" cy="0"/>
+          <a:chOff x="0" y="0"/>
+          <a:chExt cx="0" cy="0"/>
+        </a:xfrm>
+      </p:grpSpPr>
+      <p:sp>
+        <p:nvSpPr>
           <p:cNvPr id="2" name="TextBox 1">
             <a:extLst>
               <a:ext uri="{FF2B5EF4-FFF2-40B4-BE49-F238E27FC236}">
@@ -4514,7 +5142,7 @@
 </p:sld>
 </file>
 
-<file path=ppt/slides/slide11.xml><?xml version="1.0" encoding="utf-8"?>
+<file path=ppt/slides/slide12.xml><?xml version="1.0" encoding="utf-8"?>
 <p:sld xmlns:a="http://schemas.openxmlformats.org/drawingml/2006/main" xmlns:r="http://schemas.openxmlformats.org/officeDocument/2006/relationships" xmlns:p="http://schemas.openxmlformats.org/presentationml/2006/main">
   <p:cSld>
     <p:spTree>
@@ -4656,7 +5284,7 @@
 </p:sld>
 </file>
 
-<file path=ppt/slides/slide12.xml><?xml version="1.0" encoding="utf-8"?>
+<file path=ppt/slides/slide13.xml><?xml version="1.0" encoding="utf-8"?>
 <p:sld xmlns:a="http://schemas.openxmlformats.org/drawingml/2006/main" xmlns:r="http://schemas.openxmlformats.org/officeDocument/2006/relationships" xmlns:p="http://schemas.openxmlformats.org/presentationml/2006/main">
   <p:cSld>
     <p:spTree>
@@ -4815,7 +5443,7 @@
 </p:sld>
 </file>
 
-<file path=ppt/slides/slide13.xml><?xml version="1.0" encoding="utf-8"?>
+<file path=ppt/slides/slide14.xml><?xml version="1.0" encoding="utf-8"?>
 <p:sld xmlns:a="http://schemas.openxmlformats.org/drawingml/2006/main" xmlns:r="http://schemas.openxmlformats.org/officeDocument/2006/relationships" xmlns:p="http://schemas.openxmlformats.org/presentationml/2006/main">
   <p:cSld>
     <p:spTree>
@@ -5144,7 +5772,7 @@
 </p:sld>
 </file>
 
-<file path=ppt/slides/slide14.xml><?xml version="1.0" encoding="utf-8"?>
+<file path=ppt/slides/slide15.xml><?xml version="1.0" encoding="utf-8"?>
 <p:sld xmlns:a="http://schemas.openxmlformats.org/drawingml/2006/main" xmlns:r="http://schemas.openxmlformats.org/officeDocument/2006/relationships" xmlns:p="http://schemas.openxmlformats.org/presentationml/2006/main">
   <p:cSld>
     <p:spTree>
@@ -5459,420 +6087,6 @@
     <p:extLst>
       <p:ext uri="{BB962C8B-B14F-4D97-AF65-F5344CB8AC3E}">
         <p14:creationId xmlns:p14="http://schemas.microsoft.com/office/powerpoint/2010/main" val="912388309"/>
-      </p:ext>
-    </p:extLst>
-  </p:cSld>
-  <p:clrMapOvr>
-    <a:masterClrMapping/>
-  </p:clrMapOvr>
-</p:sld>
-</file>
-
-<file path=ppt/slides/slide15.xml><?xml version="1.0" encoding="utf-8"?>
-<p:sld xmlns:a="http://schemas.openxmlformats.org/drawingml/2006/main" xmlns:r="http://schemas.openxmlformats.org/officeDocument/2006/relationships" xmlns:p="http://schemas.openxmlformats.org/presentationml/2006/main">
-  <p:cSld>
-    <p:spTree>
-      <p:nvGrpSpPr>
-        <p:cNvPr id="1" name=""/>
-        <p:cNvGrpSpPr/>
-        <p:nvPr/>
-      </p:nvGrpSpPr>
-      <p:grpSpPr>
-        <a:xfrm>
-          <a:off x="0" y="0"/>
-          <a:ext cx="0" cy="0"/>
-          <a:chOff x="0" y="0"/>
-          <a:chExt cx="0" cy="0"/>
-        </a:xfrm>
-      </p:grpSpPr>
-      <p:sp>
-        <p:nvSpPr>
-          <p:cNvPr id="2" name="TextBox 1">
-            <a:extLst>
-              <a:ext uri="{FF2B5EF4-FFF2-40B4-BE49-F238E27FC236}">
-                <a16:creationId xmlns:a16="http://schemas.microsoft.com/office/drawing/2014/main" id="{FA74CDEE-99F9-484E-9434-4295ECE0B6B1}"/>
-              </a:ext>
-            </a:extLst>
-          </p:cNvPr>
-          <p:cNvSpPr txBox="1"/>
-          <p:nvPr/>
-        </p:nvSpPr>
-        <p:spPr>
-          <a:xfrm>
-            <a:off x="1144952" y="757449"/>
-            <a:ext cx="1877181" cy="461665"/>
-          </a:xfrm>
-          <a:prstGeom prst="rect">
-            <a:avLst/>
-          </a:prstGeom>
-          <a:noFill/>
-        </p:spPr>
-        <p:txBody>
-          <a:bodyPr wrap="none" rtlCol="0">
-            <a:spAutoFit/>
-          </a:bodyPr>
-          <a:lstStyle/>
-          <a:p>
-            <a:r>
-              <a:rPr lang="en-US" sz="2400" b="1" dirty="0"/>
-              <a:t>Prediction II: </a:t>
-            </a:r>
-          </a:p>
-        </p:txBody>
-      </p:sp>
-      <p:sp>
-        <p:nvSpPr>
-          <p:cNvPr id="4" name="TextBox 3">
-            <a:extLst>
-              <a:ext uri="{FF2B5EF4-FFF2-40B4-BE49-F238E27FC236}">
-                <a16:creationId xmlns:a16="http://schemas.microsoft.com/office/drawing/2014/main" id="{CE75CCA2-96CF-45C8-89FC-6ED0B40F3E75}"/>
-              </a:ext>
-            </a:extLst>
-          </p:cNvPr>
-          <p:cNvSpPr txBox="1"/>
-          <p:nvPr/>
-        </p:nvSpPr>
-        <p:spPr>
-          <a:xfrm>
-            <a:off x="1007434" y="1657540"/>
-            <a:ext cx="7753793" cy="4443011"/>
-          </a:xfrm>
-          <a:prstGeom prst="rect">
-            <a:avLst/>
-          </a:prstGeom>
-          <a:noFill/>
-        </p:spPr>
-        <p:txBody>
-          <a:bodyPr wrap="square">
-            <a:spAutoFit/>
-          </a:bodyPr>
-          <a:lstStyle/>
-          <a:p>
-            <a:pPr marL="57150" marR="0" indent="57150">
-              <a:lnSpc>
-                <a:spcPct val="107000"/>
-              </a:lnSpc>
-              <a:spcBef>
-                <a:spcPts val="0"/>
-              </a:spcBef>
-              <a:spcAft>
-                <a:spcPts val="0"/>
-              </a:spcAft>
-            </a:pPr>
-            <a:r>
-              <a:rPr lang="en-US" sz="1600" dirty="0">
-                <a:effectLst/>
-                <a:latin typeface="Calibri" panose="020F0502020204030204" pitchFamily="34" charset="0"/>
-                <a:ea typeface="DengXian" panose="02010600030101010101" pitchFamily="2" charset="-122"/>
-                <a:cs typeface="Times New Roman" panose="02020603050405020304" pitchFamily="18" charset="0"/>
-              </a:rPr>
-              <a:t>Based on the 150 years of historical data of the monthly mean temperature of New York  city, can we predict the future temperatures of NYC?</a:t>
-            </a:r>
-          </a:p>
-          <a:p>
-            <a:pPr marL="57150" marR="0" indent="57150">
-              <a:lnSpc>
-                <a:spcPct val="107000"/>
-              </a:lnSpc>
-              <a:spcBef>
-                <a:spcPts val="0"/>
-              </a:spcBef>
-              <a:spcAft>
-                <a:spcPts val="0"/>
-              </a:spcAft>
-            </a:pPr>
-            <a:r>
-              <a:rPr lang="en-US" sz="1600" dirty="0">
-                <a:effectLst/>
-                <a:latin typeface="Calibri" panose="020F0502020204030204" pitchFamily="34" charset="0"/>
-                <a:ea typeface="DengXian" panose="02010600030101010101" pitchFamily="2" charset="-122"/>
-                <a:cs typeface="Times New Roman" panose="02020603050405020304" pitchFamily="18" charset="0"/>
-              </a:rPr>
-              <a:t> </a:t>
-            </a:r>
-          </a:p>
-          <a:p>
-            <a:pPr marL="57150" marR="0" indent="57150">
-              <a:lnSpc>
-                <a:spcPct val="107000"/>
-              </a:lnSpc>
-              <a:spcBef>
-                <a:spcPts val="0"/>
-              </a:spcBef>
-              <a:spcAft>
-                <a:spcPts val="0"/>
-              </a:spcAft>
-            </a:pPr>
-            <a:r>
-              <a:rPr lang="en-US" sz="1600" dirty="0">
-                <a:effectLst/>
-                <a:latin typeface="Calibri" panose="020F0502020204030204" pitchFamily="34" charset="0"/>
-                <a:ea typeface="DengXian" panose="02010600030101010101" pitchFamily="2" charset="-122"/>
-                <a:cs typeface="Times New Roman" panose="02020603050405020304" pitchFamily="18" charset="0"/>
-              </a:rPr>
-              <a:t>KNN model: K=1, Test Score =0.892; K=2, Test Score =-0.272..</a:t>
-            </a:r>
-          </a:p>
-          <a:p>
-            <a:pPr marL="57150" marR="0" indent="57150">
-              <a:lnSpc>
-                <a:spcPct val="107000"/>
-              </a:lnSpc>
-              <a:spcBef>
-                <a:spcPts val="0"/>
-              </a:spcBef>
-              <a:spcAft>
-                <a:spcPts val="0"/>
-              </a:spcAft>
-            </a:pPr>
-            <a:endParaRPr lang="en-US" sz="1600" dirty="0">
-              <a:effectLst/>
-              <a:latin typeface="Calibri" panose="020F0502020204030204" pitchFamily="34" charset="0"/>
-              <a:ea typeface="DengXian" panose="02010600030101010101" pitchFamily="2" charset="-122"/>
-              <a:cs typeface="Times New Roman" panose="02020603050405020304" pitchFamily="18" charset="0"/>
-            </a:endParaRPr>
-          </a:p>
-          <a:p>
-            <a:pPr marL="57150" marR="0" indent="57150">
-              <a:lnSpc>
-                <a:spcPct val="107000"/>
-              </a:lnSpc>
-              <a:spcBef>
-                <a:spcPts val="0"/>
-              </a:spcBef>
-              <a:spcAft>
-                <a:spcPts val="0"/>
-              </a:spcAft>
-            </a:pPr>
-            <a:r>
-              <a:rPr lang="en-US" sz="1600" dirty="0">
-                <a:effectLst/>
-                <a:latin typeface="Calibri" panose="020F0502020204030204" pitchFamily="34" charset="0"/>
-                <a:ea typeface="DengXian" panose="02010600030101010101" pitchFamily="2" charset="-122"/>
-                <a:cs typeface="Times New Roman" panose="02020603050405020304" pitchFamily="18" charset="0"/>
-              </a:rPr>
-              <a:t>Linear Regression: Train Score = 0.965, Test Score= 0.959, MAE= 2.45</a:t>
-            </a:r>
-            <a:r>
-              <a:rPr lang="en-US" sz="1600" dirty="0">
-                <a:effectLst/>
-                <a:latin typeface="Calibri" panose="020F0502020204030204" pitchFamily="34" charset="0"/>
-                <a:ea typeface="DengXian" panose="02010600030101010101" pitchFamily="2" charset="-122"/>
-                <a:cs typeface="Calibri" panose="020F0502020204030204" pitchFamily="34" charset="0"/>
-              </a:rPr>
-              <a:t>°</a:t>
-            </a:r>
-            <a:r>
-              <a:rPr lang="en-US" sz="1600" dirty="0">
-                <a:effectLst/>
-                <a:latin typeface="Calibri" panose="020F0502020204030204" pitchFamily="34" charset="0"/>
-                <a:ea typeface="DengXian" panose="02010600030101010101" pitchFamily="2" charset="-122"/>
-                <a:cs typeface="Times New Roman" panose="02020603050405020304" pitchFamily="18" charset="0"/>
-              </a:rPr>
-              <a:t>F</a:t>
-            </a:r>
-          </a:p>
-          <a:p>
-            <a:pPr marL="57150" marR="0" indent="57150">
-              <a:lnSpc>
-                <a:spcPct val="107000"/>
-              </a:lnSpc>
-              <a:spcBef>
-                <a:spcPts val="0"/>
-              </a:spcBef>
-              <a:spcAft>
-                <a:spcPts val="0"/>
-              </a:spcAft>
-            </a:pPr>
-            <a:endParaRPr lang="en-US" sz="1600" dirty="0">
-              <a:effectLst/>
-              <a:latin typeface="Calibri" panose="020F0502020204030204" pitchFamily="34" charset="0"/>
-              <a:ea typeface="DengXian" panose="02010600030101010101" pitchFamily="2" charset="-122"/>
-              <a:cs typeface="Times New Roman" panose="02020603050405020304" pitchFamily="18" charset="0"/>
-            </a:endParaRPr>
-          </a:p>
-          <a:p>
-            <a:pPr marL="57150" marR="0" indent="57150">
-              <a:lnSpc>
-                <a:spcPct val="107000"/>
-              </a:lnSpc>
-              <a:spcBef>
-                <a:spcPts val="0"/>
-              </a:spcBef>
-              <a:spcAft>
-                <a:spcPts val="0"/>
-              </a:spcAft>
-            </a:pPr>
-            <a:r>
-              <a:rPr lang="en-US" sz="1600" dirty="0">
-                <a:effectLst/>
-                <a:latin typeface="Calibri" panose="020F0502020204030204" pitchFamily="34" charset="0"/>
-                <a:ea typeface="DengXian" panose="02010600030101010101" pitchFamily="2" charset="-122"/>
-                <a:cs typeface="Times New Roman" panose="02020603050405020304" pitchFamily="18" charset="0"/>
-              </a:rPr>
-              <a:t>Gradient Boosting: Train Score = 0.969, Test Score= 0.930, MAE= 2.89</a:t>
-            </a:r>
-            <a:r>
-              <a:rPr lang="en-US" sz="1600" dirty="0">
-                <a:effectLst/>
-                <a:latin typeface="Calibri" panose="020F0502020204030204" pitchFamily="34" charset="0"/>
-                <a:ea typeface="DengXian" panose="02010600030101010101" pitchFamily="2" charset="-122"/>
-                <a:cs typeface="Calibri" panose="020F0502020204030204" pitchFamily="34" charset="0"/>
-              </a:rPr>
-              <a:t>°</a:t>
-            </a:r>
-            <a:r>
-              <a:rPr lang="en-US" sz="1600" dirty="0">
-                <a:effectLst/>
-                <a:latin typeface="Calibri" panose="020F0502020204030204" pitchFamily="34" charset="0"/>
-                <a:ea typeface="DengXian" panose="02010600030101010101" pitchFamily="2" charset="-122"/>
-                <a:cs typeface="Times New Roman" panose="02020603050405020304" pitchFamily="18" charset="0"/>
-              </a:rPr>
-              <a:t>F</a:t>
-            </a:r>
-          </a:p>
-          <a:p>
-            <a:pPr marL="57150" marR="0" indent="57150">
-              <a:lnSpc>
-                <a:spcPct val="107000"/>
-              </a:lnSpc>
-              <a:spcBef>
-                <a:spcPts val="0"/>
-              </a:spcBef>
-              <a:spcAft>
-                <a:spcPts val="0"/>
-              </a:spcAft>
-            </a:pPr>
-            <a:endParaRPr lang="en-US" sz="1600" dirty="0">
-              <a:effectLst/>
-              <a:latin typeface="Calibri" panose="020F0502020204030204" pitchFamily="34" charset="0"/>
-              <a:ea typeface="DengXian" panose="02010600030101010101" pitchFamily="2" charset="-122"/>
-              <a:cs typeface="Times New Roman" panose="02020603050405020304" pitchFamily="18" charset="0"/>
-            </a:endParaRPr>
-          </a:p>
-          <a:p>
-            <a:pPr marL="57150" marR="0" indent="57150">
-              <a:lnSpc>
-                <a:spcPct val="107000"/>
-              </a:lnSpc>
-              <a:spcBef>
-                <a:spcPts val="0"/>
-              </a:spcBef>
-              <a:spcAft>
-                <a:spcPts val="800"/>
-              </a:spcAft>
-            </a:pPr>
-            <a:r>
-              <a:rPr lang="en-US" sz="1600" dirty="0">
-                <a:effectLst/>
-                <a:latin typeface="Calibri" panose="020F0502020204030204" pitchFamily="34" charset="0"/>
-                <a:ea typeface="DengXian" panose="02010600030101010101" pitchFamily="2" charset="-122"/>
-                <a:cs typeface="Times New Roman" panose="02020603050405020304" pitchFamily="18" charset="0"/>
-              </a:rPr>
-              <a:t>Random Forest: Test Score= 0.928, MAE= 2.95</a:t>
-            </a:r>
-            <a:r>
-              <a:rPr lang="en-US" sz="1600" dirty="0">
-                <a:effectLst/>
-                <a:latin typeface="Calibri" panose="020F0502020204030204" pitchFamily="34" charset="0"/>
-                <a:ea typeface="DengXian" panose="02010600030101010101" pitchFamily="2" charset="-122"/>
-                <a:cs typeface="Calibri" panose="020F0502020204030204" pitchFamily="34" charset="0"/>
-              </a:rPr>
-              <a:t>°</a:t>
-            </a:r>
-            <a:r>
-              <a:rPr lang="en-US" sz="1600" dirty="0">
-                <a:effectLst/>
-                <a:latin typeface="Calibri" panose="020F0502020204030204" pitchFamily="34" charset="0"/>
-                <a:ea typeface="DengXian" panose="02010600030101010101" pitchFamily="2" charset="-122"/>
-                <a:cs typeface="Times New Roman" panose="02020603050405020304" pitchFamily="18" charset="0"/>
-              </a:rPr>
-              <a:t>F</a:t>
-            </a:r>
-          </a:p>
-          <a:p>
-            <a:pPr marL="57150" marR="0" indent="57150">
-              <a:lnSpc>
-                <a:spcPct val="107000"/>
-              </a:lnSpc>
-              <a:spcBef>
-                <a:spcPts val="0"/>
-              </a:spcBef>
-              <a:spcAft>
-                <a:spcPts val="800"/>
-              </a:spcAft>
-            </a:pPr>
-            <a:endParaRPr lang="en-US" sz="1600" dirty="0">
-              <a:latin typeface="Calibri" panose="020F0502020204030204" pitchFamily="34" charset="0"/>
-              <a:ea typeface="DengXian" panose="02010600030101010101" pitchFamily="2" charset="-122"/>
-              <a:cs typeface="Times New Roman" panose="02020603050405020304" pitchFamily="18" charset="0"/>
-            </a:endParaRPr>
-          </a:p>
-          <a:p>
-            <a:pPr marL="57150" marR="0" indent="57150">
-              <a:lnSpc>
-                <a:spcPct val="107000"/>
-              </a:lnSpc>
-              <a:spcBef>
-                <a:spcPts val="0"/>
-              </a:spcBef>
-              <a:spcAft>
-                <a:spcPts val="800"/>
-              </a:spcAft>
-            </a:pPr>
-            <a:r>
-              <a:rPr lang="en-US" sz="1600" dirty="0">
-                <a:effectLst/>
-                <a:latin typeface="Calibri" panose="020F0502020204030204" pitchFamily="34" charset="0"/>
-                <a:ea typeface="DengXian" panose="02010600030101010101" pitchFamily="2" charset="-122"/>
-                <a:cs typeface="Times New Roman" panose="02020603050405020304" pitchFamily="18" charset="0"/>
-              </a:rPr>
-              <a:t>Gradient Boosting cannot give a future temperature prediction (like 2100), only Linear Regression works well.</a:t>
-            </a:r>
-          </a:p>
-          <a:p>
-            <a:pPr marL="57150" marR="0" indent="57150">
-              <a:lnSpc>
-                <a:spcPct val="107000"/>
-              </a:lnSpc>
-              <a:spcBef>
-                <a:spcPts val="0"/>
-              </a:spcBef>
-              <a:spcAft>
-                <a:spcPts val="800"/>
-              </a:spcAft>
-            </a:pPr>
-            <a:endParaRPr lang="en-US" sz="1600" dirty="0">
-              <a:latin typeface="Calibri" panose="020F0502020204030204" pitchFamily="34" charset="0"/>
-              <a:ea typeface="DengXian" panose="02010600030101010101" pitchFamily="2" charset="-122"/>
-              <a:cs typeface="Times New Roman" panose="02020603050405020304" pitchFamily="18" charset="0"/>
-            </a:endParaRPr>
-          </a:p>
-          <a:p>
-            <a:pPr marL="57150" marR="0" indent="57150">
-              <a:lnSpc>
-                <a:spcPct val="107000"/>
-              </a:lnSpc>
-              <a:spcBef>
-                <a:spcPts val="0"/>
-              </a:spcBef>
-              <a:spcAft>
-                <a:spcPts val="800"/>
-              </a:spcAft>
-            </a:pPr>
-            <a:endParaRPr lang="en-US" sz="1600" dirty="0">
-              <a:effectLst/>
-              <a:latin typeface="Calibri" panose="020F0502020204030204" pitchFamily="34" charset="0"/>
-              <a:ea typeface="DengXian" panose="02010600030101010101" pitchFamily="2" charset="-122"/>
-              <a:cs typeface="Times New Roman" panose="02020603050405020304" pitchFamily="18" charset="0"/>
-            </a:endParaRPr>
-          </a:p>
-        </p:txBody>
-      </p:sp>
-    </p:spTree>
-    <p:extLst>
-      <p:ext uri="{BB962C8B-B14F-4D97-AF65-F5344CB8AC3E}">
-        <p14:creationId xmlns:p14="http://schemas.microsoft.com/office/powerpoint/2010/main" val="2215991776"/>
       </p:ext>
     </p:extLst>
   </p:cSld>
@@ -5899,6 +6113,420 @@
           <a:chExt cx="0" cy="0"/>
         </a:xfrm>
       </p:grpSpPr>
+      <p:sp>
+        <p:nvSpPr>
+          <p:cNvPr id="2" name="TextBox 1">
+            <a:extLst>
+              <a:ext uri="{FF2B5EF4-FFF2-40B4-BE49-F238E27FC236}">
+                <a16:creationId xmlns:a16="http://schemas.microsoft.com/office/drawing/2014/main" id="{FA74CDEE-99F9-484E-9434-4295ECE0B6B1}"/>
+              </a:ext>
+            </a:extLst>
+          </p:cNvPr>
+          <p:cNvSpPr txBox="1"/>
+          <p:nvPr/>
+        </p:nvSpPr>
+        <p:spPr>
+          <a:xfrm>
+            <a:off x="1144952" y="757449"/>
+            <a:ext cx="1877181" cy="461665"/>
+          </a:xfrm>
+          <a:prstGeom prst="rect">
+            <a:avLst/>
+          </a:prstGeom>
+          <a:noFill/>
+        </p:spPr>
+        <p:txBody>
+          <a:bodyPr wrap="none" rtlCol="0">
+            <a:spAutoFit/>
+          </a:bodyPr>
+          <a:lstStyle/>
+          <a:p>
+            <a:r>
+              <a:rPr lang="en-US" sz="2400" b="1" dirty="0"/>
+              <a:t>Prediction II: </a:t>
+            </a:r>
+          </a:p>
+        </p:txBody>
+      </p:sp>
+      <p:sp>
+        <p:nvSpPr>
+          <p:cNvPr id="4" name="TextBox 3">
+            <a:extLst>
+              <a:ext uri="{FF2B5EF4-FFF2-40B4-BE49-F238E27FC236}">
+                <a16:creationId xmlns:a16="http://schemas.microsoft.com/office/drawing/2014/main" id="{CE75CCA2-96CF-45C8-89FC-6ED0B40F3E75}"/>
+              </a:ext>
+            </a:extLst>
+          </p:cNvPr>
+          <p:cNvSpPr txBox="1"/>
+          <p:nvPr/>
+        </p:nvSpPr>
+        <p:spPr>
+          <a:xfrm>
+            <a:off x="1007434" y="1657540"/>
+            <a:ext cx="7753793" cy="4443011"/>
+          </a:xfrm>
+          <a:prstGeom prst="rect">
+            <a:avLst/>
+          </a:prstGeom>
+          <a:noFill/>
+        </p:spPr>
+        <p:txBody>
+          <a:bodyPr wrap="square">
+            <a:spAutoFit/>
+          </a:bodyPr>
+          <a:lstStyle/>
+          <a:p>
+            <a:pPr marL="57150" marR="0" indent="57150">
+              <a:lnSpc>
+                <a:spcPct val="107000"/>
+              </a:lnSpc>
+              <a:spcBef>
+                <a:spcPts val="0"/>
+              </a:spcBef>
+              <a:spcAft>
+                <a:spcPts val="0"/>
+              </a:spcAft>
+            </a:pPr>
+            <a:r>
+              <a:rPr lang="en-US" sz="1600" dirty="0">
+                <a:effectLst/>
+                <a:latin typeface="Calibri" panose="020F0502020204030204" pitchFamily="34" charset="0"/>
+                <a:ea typeface="DengXian" panose="02010600030101010101" pitchFamily="2" charset="-122"/>
+                <a:cs typeface="Times New Roman" panose="02020603050405020304" pitchFamily="18" charset="0"/>
+              </a:rPr>
+              <a:t>Based on the 150 years of historical data of the monthly mean temperature of New York  city, can we predict the future temperatures of NYC?</a:t>
+            </a:r>
+          </a:p>
+          <a:p>
+            <a:pPr marL="57150" marR="0" indent="57150">
+              <a:lnSpc>
+                <a:spcPct val="107000"/>
+              </a:lnSpc>
+              <a:spcBef>
+                <a:spcPts val="0"/>
+              </a:spcBef>
+              <a:spcAft>
+                <a:spcPts val="0"/>
+              </a:spcAft>
+            </a:pPr>
+            <a:r>
+              <a:rPr lang="en-US" sz="1600" dirty="0">
+                <a:effectLst/>
+                <a:latin typeface="Calibri" panose="020F0502020204030204" pitchFamily="34" charset="0"/>
+                <a:ea typeface="DengXian" panose="02010600030101010101" pitchFamily="2" charset="-122"/>
+                <a:cs typeface="Times New Roman" panose="02020603050405020304" pitchFamily="18" charset="0"/>
+              </a:rPr>
+              <a:t> </a:t>
+            </a:r>
+          </a:p>
+          <a:p>
+            <a:pPr marL="57150" marR="0" indent="57150">
+              <a:lnSpc>
+                <a:spcPct val="107000"/>
+              </a:lnSpc>
+              <a:spcBef>
+                <a:spcPts val="0"/>
+              </a:spcBef>
+              <a:spcAft>
+                <a:spcPts val="0"/>
+              </a:spcAft>
+            </a:pPr>
+            <a:r>
+              <a:rPr lang="en-US" sz="1600" dirty="0">
+                <a:effectLst/>
+                <a:latin typeface="Calibri" panose="020F0502020204030204" pitchFamily="34" charset="0"/>
+                <a:ea typeface="DengXian" panose="02010600030101010101" pitchFamily="2" charset="-122"/>
+                <a:cs typeface="Times New Roman" panose="02020603050405020304" pitchFamily="18" charset="0"/>
+              </a:rPr>
+              <a:t>KNN model: K=1, Test Score =0.892; K=2, Test Score =-0.272..</a:t>
+            </a:r>
+          </a:p>
+          <a:p>
+            <a:pPr marL="57150" marR="0" indent="57150">
+              <a:lnSpc>
+                <a:spcPct val="107000"/>
+              </a:lnSpc>
+              <a:spcBef>
+                <a:spcPts val="0"/>
+              </a:spcBef>
+              <a:spcAft>
+                <a:spcPts val="0"/>
+              </a:spcAft>
+            </a:pPr>
+            <a:endParaRPr lang="en-US" sz="1600" dirty="0">
+              <a:effectLst/>
+              <a:latin typeface="Calibri" panose="020F0502020204030204" pitchFamily="34" charset="0"/>
+              <a:ea typeface="DengXian" panose="02010600030101010101" pitchFamily="2" charset="-122"/>
+              <a:cs typeface="Times New Roman" panose="02020603050405020304" pitchFamily="18" charset="0"/>
+            </a:endParaRPr>
+          </a:p>
+          <a:p>
+            <a:pPr marL="57150" marR="0" indent="57150">
+              <a:lnSpc>
+                <a:spcPct val="107000"/>
+              </a:lnSpc>
+              <a:spcBef>
+                <a:spcPts val="0"/>
+              </a:spcBef>
+              <a:spcAft>
+                <a:spcPts val="0"/>
+              </a:spcAft>
+            </a:pPr>
+            <a:r>
+              <a:rPr lang="en-US" sz="1600" dirty="0">
+                <a:effectLst/>
+                <a:latin typeface="Calibri" panose="020F0502020204030204" pitchFamily="34" charset="0"/>
+                <a:ea typeface="DengXian" panose="02010600030101010101" pitchFamily="2" charset="-122"/>
+                <a:cs typeface="Times New Roman" panose="02020603050405020304" pitchFamily="18" charset="0"/>
+              </a:rPr>
+              <a:t>Linear Regression: Train Score = 0.965, Test Score= 0.959, MAE= 2.45</a:t>
+            </a:r>
+            <a:r>
+              <a:rPr lang="en-US" sz="1600" dirty="0">
+                <a:effectLst/>
+                <a:latin typeface="Calibri" panose="020F0502020204030204" pitchFamily="34" charset="0"/>
+                <a:ea typeface="DengXian" panose="02010600030101010101" pitchFamily="2" charset="-122"/>
+                <a:cs typeface="Calibri" panose="020F0502020204030204" pitchFamily="34" charset="0"/>
+              </a:rPr>
+              <a:t>°</a:t>
+            </a:r>
+            <a:r>
+              <a:rPr lang="en-US" sz="1600" dirty="0">
+                <a:effectLst/>
+                <a:latin typeface="Calibri" panose="020F0502020204030204" pitchFamily="34" charset="0"/>
+                <a:ea typeface="DengXian" panose="02010600030101010101" pitchFamily="2" charset="-122"/>
+                <a:cs typeface="Times New Roman" panose="02020603050405020304" pitchFamily="18" charset="0"/>
+              </a:rPr>
+              <a:t>F</a:t>
+            </a:r>
+          </a:p>
+          <a:p>
+            <a:pPr marL="57150" marR="0" indent="57150">
+              <a:lnSpc>
+                <a:spcPct val="107000"/>
+              </a:lnSpc>
+              <a:spcBef>
+                <a:spcPts val="0"/>
+              </a:spcBef>
+              <a:spcAft>
+                <a:spcPts val="0"/>
+              </a:spcAft>
+            </a:pPr>
+            <a:endParaRPr lang="en-US" sz="1600" dirty="0">
+              <a:effectLst/>
+              <a:latin typeface="Calibri" panose="020F0502020204030204" pitchFamily="34" charset="0"/>
+              <a:ea typeface="DengXian" panose="02010600030101010101" pitchFamily="2" charset="-122"/>
+              <a:cs typeface="Times New Roman" panose="02020603050405020304" pitchFamily="18" charset="0"/>
+            </a:endParaRPr>
+          </a:p>
+          <a:p>
+            <a:pPr marL="57150" marR="0" indent="57150">
+              <a:lnSpc>
+                <a:spcPct val="107000"/>
+              </a:lnSpc>
+              <a:spcBef>
+                <a:spcPts val="0"/>
+              </a:spcBef>
+              <a:spcAft>
+                <a:spcPts val="0"/>
+              </a:spcAft>
+            </a:pPr>
+            <a:r>
+              <a:rPr lang="en-US" sz="1600" dirty="0">
+                <a:effectLst/>
+                <a:latin typeface="Calibri" panose="020F0502020204030204" pitchFamily="34" charset="0"/>
+                <a:ea typeface="DengXian" panose="02010600030101010101" pitchFamily="2" charset="-122"/>
+                <a:cs typeface="Times New Roman" panose="02020603050405020304" pitchFamily="18" charset="0"/>
+              </a:rPr>
+              <a:t>Gradient Boosting: Train Score = 0.969, Test Score= 0.930, MAE= 2.89</a:t>
+            </a:r>
+            <a:r>
+              <a:rPr lang="en-US" sz="1600" dirty="0">
+                <a:effectLst/>
+                <a:latin typeface="Calibri" panose="020F0502020204030204" pitchFamily="34" charset="0"/>
+                <a:ea typeface="DengXian" panose="02010600030101010101" pitchFamily="2" charset="-122"/>
+                <a:cs typeface="Calibri" panose="020F0502020204030204" pitchFamily="34" charset="0"/>
+              </a:rPr>
+              <a:t>°</a:t>
+            </a:r>
+            <a:r>
+              <a:rPr lang="en-US" sz="1600" dirty="0">
+                <a:effectLst/>
+                <a:latin typeface="Calibri" panose="020F0502020204030204" pitchFamily="34" charset="0"/>
+                <a:ea typeface="DengXian" panose="02010600030101010101" pitchFamily="2" charset="-122"/>
+                <a:cs typeface="Times New Roman" panose="02020603050405020304" pitchFamily="18" charset="0"/>
+              </a:rPr>
+              <a:t>F</a:t>
+            </a:r>
+          </a:p>
+          <a:p>
+            <a:pPr marL="57150" marR="0" indent="57150">
+              <a:lnSpc>
+                <a:spcPct val="107000"/>
+              </a:lnSpc>
+              <a:spcBef>
+                <a:spcPts val="0"/>
+              </a:spcBef>
+              <a:spcAft>
+                <a:spcPts val="0"/>
+              </a:spcAft>
+            </a:pPr>
+            <a:endParaRPr lang="en-US" sz="1600" dirty="0">
+              <a:effectLst/>
+              <a:latin typeface="Calibri" panose="020F0502020204030204" pitchFamily="34" charset="0"/>
+              <a:ea typeface="DengXian" panose="02010600030101010101" pitchFamily="2" charset="-122"/>
+              <a:cs typeface="Times New Roman" panose="02020603050405020304" pitchFamily="18" charset="0"/>
+            </a:endParaRPr>
+          </a:p>
+          <a:p>
+            <a:pPr marL="57150" marR="0" indent="57150">
+              <a:lnSpc>
+                <a:spcPct val="107000"/>
+              </a:lnSpc>
+              <a:spcBef>
+                <a:spcPts val="0"/>
+              </a:spcBef>
+              <a:spcAft>
+                <a:spcPts val="800"/>
+              </a:spcAft>
+            </a:pPr>
+            <a:r>
+              <a:rPr lang="en-US" sz="1600" dirty="0">
+                <a:effectLst/>
+                <a:latin typeface="Calibri" panose="020F0502020204030204" pitchFamily="34" charset="0"/>
+                <a:ea typeface="DengXian" panose="02010600030101010101" pitchFamily="2" charset="-122"/>
+                <a:cs typeface="Times New Roman" panose="02020603050405020304" pitchFamily="18" charset="0"/>
+              </a:rPr>
+              <a:t>Random Forest: Test Score= 0.928, MAE= 2.95</a:t>
+            </a:r>
+            <a:r>
+              <a:rPr lang="en-US" sz="1600" dirty="0">
+                <a:effectLst/>
+                <a:latin typeface="Calibri" panose="020F0502020204030204" pitchFamily="34" charset="0"/>
+                <a:ea typeface="DengXian" panose="02010600030101010101" pitchFamily="2" charset="-122"/>
+                <a:cs typeface="Calibri" panose="020F0502020204030204" pitchFamily="34" charset="0"/>
+              </a:rPr>
+              <a:t>°</a:t>
+            </a:r>
+            <a:r>
+              <a:rPr lang="en-US" sz="1600" dirty="0">
+                <a:effectLst/>
+                <a:latin typeface="Calibri" panose="020F0502020204030204" pitchFamily="34" charset="0"/>
+                <a:ea typeface="DengXian" panose="02010600030101010101" pitchFamily="2" charset="-122"/>
+                <a:cs typeface="Times New Roman" panose="02020603050405020304" pitchFamily="18" charset="0"/>
+              </a:rPr>
+              <a:t>F</a:t>
+            </a:r>
+          </a:p>
+          <a:p>
+            <a:pPr marL="57150" marR="0" indent="57150">
+              <a:lnSpc>
+                <a:spcPct val="107000"/>
+              </a:lnSpc>
+              <a:spcBef>
+                <a:spcPts val="0"/>
+              </a:spcBef>
+              <a:spcAft>
+                <a:spcPts val="800"/>
+              </a:spcAft>
+            </a:pPr>
+            <a:endParaRPr lang="en-US" sz="1600" dirty="0">
+              <a:latin typeface="Calibri" panose="020F0502020204030204" pitchFamily="34" charset="0"/>
+              <a:ea typeface="DengXian" panose="02010600030101010101" pitchFamily="2" charset="-122"/>
+              <a:cs typeface="Times New Roman" panose="02020603050405020304" pitchFamily="18" charset="0"/>
+            </a:endParaRPr>
+          </a:p>
+          <a:p>
+            <a:pPr marL="57150" marR="0" indent="57150">
+              <a:lnSpc>
+                <a:spcPct val="107000"/>
+              </a:lnSpc>
+              <a:spcBef>
+                <a:spcPts val="0"/>
+              </a:spcBef>
+              <a:spcAft>
+                <a:spcPts val="800"/>
+              </a:spcAft>
+            </a:pPr>
+            <a:r>
+              <a:rPr lang="en-US" sz="1600" dirty="0">
+                <a:effectLst/>
+                <a:latin typeface="Calibri" panose="020F0502020204030204" pitchFamily="34" charset="0"/>
+                <a:ea typeface="DengXian" panose="02010600030101010101" pitchFamily="2" charset="-122"/>
+                <a:cs typeface="Times New Roman" panose="02020603050405020304" pitchFamily="18" charset="0"/>
+              </a:rPr>
+              <a:t>Gradient Boosting cannot give a future temperature prediction (like 2100), only Linear Regression works well.</a:t>
+            </a:r>
+          </a:p>
+          <a:p>
+            <a:pPr marL="57150" marR="0" indent="57150">
+              <a:lnSpc>
+                <a:spcPct val="107000"/>
+              </a:lnSpc>
+              <a:spcBef>
+                <a:spcPts val="0"/>
+              </a:spcBef>
+              <a:spcAft>
+                <a:spcPts val="800"/>
+              </a:spcAft>
+            </a:pPr>
+            <a:endParaRPr lang="en-US" sz="1600" dirty="0">
+              <a:latin typeface="Calibri" panose="020F0502020204030204" pitchFamily="34" charset="0"/>
+              <a:ea typeface="DengXian" panose="02010600030101010101" pitchFamily="2" charset="-122"/>
+              <a:cs typeface="Times New Roman" panose="02020603050405020304" pitchFamily="18" charset="0"/>
+            </a:endParaRPr>
+          </a:p>
+          <a:p>
+            <a:pPr marL="57150" marR="0" indent="57150">
+              <a:lnSpc>
+                <a:spcPct val="107000"/>
+              </a:lnSpc>
+              <a:spcBef>
+                <a:spcPts val="0"/>
+              </a:spcBef>
+              <a:spcAft>
+                <a:spcPts val="800"/>
+              </a:spcAft>
+            </a:pPr>
+            <a:endParaRPr lang="en-US" sz="1600" dirty="0">
+              <a:effectLst/>
+              <a:latin typeface="Calibri" panose="020F0502020204030204" pitchFamily="34" charset="0"/>
+              <a:ea typeface="DengXian" panose="02010600030101010101" pitchFamily="2" charset="-122"/>
+              <a:cs typeface="Times New Roman" panose="02020603050405020304" pitchFamily="18" charset="0"/>
+            </a:endParaRPr>
+          </a:p>
+        </p:txBody>
+      </p:sp>
+    </p:spTree>
+    <p:extLst>
+      <p:ext uri="{BB962C8B-B14F-4D97-AF65-F5344CB8AC3E}">
+        <p14:creationId xmlns:p14="http://schemas.microsoft.com/office/powerpoint/2010/main" val="2215991776"/>
+      </p:ext>
+    </p:extLst>
+  </p:cSld>
+  <p:clrMapOvr>
+    <a:masterClrMapping/>
+  </p:clrMapOvr>
+</p:sld>
+</file>
+
+<file path=ppt/slides/slide17.xml><?xml version="1.0" encoding="utf-8"?>
+<p:sld xmlns:a="http://schemas.openxmlformats.org/drawingml/2006/main" xmlns:r="http://schemas.openxmlformats.org/officeDocument/2006/relationships" xmlns:p="http://schemas.openxmlformats.org/presentationml/2006/main">
+  <p:cSld>
+    <p:spTree>
+      <p:nvGrpSpPr>
+        <p:cNvPr id="1" name=""/>
+        <p:cNvGrpSpPr/>
+        <p:nvPr/>
+      </p:nvGrpSpPr>
+      <p:grpSpPr>
+        <a:xfrm>
+          <a:off x="0" y="0"/>
+          <a:ext cx="0" cy="0"/>
+          <a:chOff x="0" y="0"/>
+          <a:chExt cx="0" cy="0"/>
+        </a:xfrm>
+      </p:grpSpPr>
       <p:pic>
         <p:nvPicPr>
           <p:cNvPr id="6146" name="Picture 2">
@@ -5994,7 +6622,7 @@
 </p:sld>
 </file>
 
-<file path=ppt/slides/slide17.xml><?xml version="1.0" encoding="utf-8"?>
+<file path=ppt/slides/slide18.xml><?xml version="1.0" encoding="utf-8"?>
 <p:sld xmlns:a="http://schemas.openxmlformats.org/drawingml/2006/main" xmlns:r="http://schemas.openxmlformats.org/officeDocument/2006/relationships" xmlns:p="http://schemas.openxmlformats.org/presentationml/2006/main">
   <p:cSld>
     <p:spTree>
@@ -6198,6 +6826,30 @@
               </a:rPr>
               <a:t>Linear Regression: Train Score= 0.969, Test Score= 0.969</a:t>
             </a:r>
+            <a:r>
+              <a:rPr lang="zh-CN" altLang="en-US" sz="1600" dirty="0">
+                <a:effectLst/>
+                <a:latin typeface="Calibri" panose="020F0502020204030204" pitchFamily="34" charset="0"/>
+                <a:ea typeface="DengXian" panose="02010600030101010101" pitchFamily="2" charset="-122"/>
+                <a:cs typeface="Times New Roman" panose="02020603050405020304" pitchFamily="18" charset="0"/>
+              </a:rPr>
+              <a:t>， </a:t>
+            </a:r>
+            <a:r>
+              <a:rPr lang="en-US" altLang="zh-CN" sz="1600" dirty="0">
+                <a:effectLst/>
+                <a:latin typeface="Calibri" panose="020F0502020204030204" pitchFamily="34" charset="0"/>
+                <a:ea typeface="DengXian" panose="02010600030101010101" pitchFamily="2" charset="-122"/>
+                <a:cs typeface="Times New Roman" panose="02020603050405020304" pitchFamily="18" charset="0"/>
+              </a:rPr>
+              <a:t>MAE=2.19</a:t>
+            </a:r>
+            <a:endParaRPr lang="en-US" sz="1600" dirty="0">
+              <a:effectLst/>
+              <a:latin typeface="Calibri" panose="020F0502020204030204" pitchFamily="34" charset="0"/>
+              <a:ea typeface="DengXian" panose="02010600030101010101" pitchFamily="2" charset="-122"/>
+              <a:cs typeface="Times New Roman" panose="02020603050405020304" pitchFamily="18" charset="0"/>
+            </a:endParaRPr>
           </a:p>
           <a:p>
             <a:pPr marL="114300" marR="0">
@@ -6300,7 +6952,7 @@
                 <a:ea typeface="DengXian" panose="02010600030101010101" pitchFamily="2" charset="-122"/>
                 <a:cs typeface="Times New Roman" panose="02020603050405020304" pitchFamily="18" charset="0"/>
               </a:rPr>
-              <a:t>Conclusion: Adding data of other US cities did not help predicting a US city’s  temperature next year.</a:t>
+              <a:t>Conclusion: Adding data of other US cities help predicting a US city’s  temperature next year slightly.</a:t>
             </a:r>
           </a:p>
           <a:p>
@@ -6340,7 +6992,7 @@
 </p:sld>
 </file>
 
-<file path=ppt/slides/slide18.xml><?xml version="1.0" encoding="utf-8"?>
+<file path=ppt/slides/slide19.xml><?xml version="1.0" encoding="utf-8"?>
 <p:sld xmlns:a="http://schemas.openxmlformats.org/drawingml/2006/main" xmlns:r="http://schemas.openxmlformats.org/officeDocument/2006/relationships" xmlns:p="http://schemas.openxmlformats.org/presentationml/2006/main">
   <p:cSld>
     <p:spTree>
@@ -6597,284 +7249,6 @@
     <p:extLst>
       <p:ext uri="{BB962C8B-B14F-4D97-AF65-F5344CB8AC3E}">
         <p14:creationId xmlns:p14="http://schemas.microsoft.com/office/powerpoint/2010/main" val="72746858"/>
-      </p:ext>
-    </p:extLst>
-  </p:cSld>
-  <p:clrMapOvr>
-    <a:masterClrMapping/>
-  </p:clrMapOvr>
-</p:sld>
-</file>
-
-<file path=ppt/slides/slide19.xml><?xml version="1.0" encoding="utf-8"?>
-<p:sld xmlns:a="http://schemas.openxmlformats.org/drawingml/2006/main" xmlns:r="http://schemas.openxmlformats.org/officeDocument/2006/relationships" xmlns:p="http://schemas.openxmlformats.org/presentationml/2006/main">
-  <p:cSld>
-    <p:spTree>
-      <p:nvGrpSpPr>
-        <p:cNvPr id="1" name=""/>
-        <p:cNvGrpSpPr/>
-        <p:nvPr/>
-      </p:nvGrpSpPr>
-      <p:grpSpPr>
-        <a:xfrm>
-          <a:off x="0" y="0"/>
-          <a:ext cx="0" cy="0"/>
-          <a:chOff x="0" y="0"/>
-          <a:chExt cx="0" cy="0"/>
-        </a:xfrm>
-      </p:grpSpPr>
-      <p:sp>
-        <p:nvSpPr>
-          <p:cNvPr id="2" name="TextBox 1">
-            <a:extLst>
-              <a:ext uri="{FF2B5EF4-FFF2-40B4-BE49-F238E27FC236}">
-                <a16:creationId xmlns:a16="http://schemas.microsoft.com/office/drawing/2014/main" id="{E6913370-46A8-4ABD-8FFD-10912950475C}"/>
-              </a:ext>
-            </a:extLst>
-          </p:cNvPr>
-          <p:cNvSpPr txBox="1"/>
-          <p:nvPr/>
-        </p:nvSpPr>
-        <p:spPr>
-          <a:xfrm>
-            <a:off x="808074" y="584791"/>
-            <a:ext cx="1707519" cy="523220"/>
-          </a:xfrm>
-          <a:prstGeom prst="rect">
-            <a:avLst/>
-          </a:prstGeom>
-          <a:noFill/>
-        </p:spPr>
-        <p:txBody>
-          <a:bodyPr wrap="none" rtlCol="0">
-            <a:spAutoFit/>
-          </a:bodyPr>
-          <a:lstStyle/>
-          <a:p>
-            <a:r>
-              <a:rPr lang="en-US" sz="2800" b="1" dirty="0"/>
-              <a:t>Summary:</a:t>
-            </a:r>
-          </a:p>
-        </p:txBody>
-      </p:sp>
-      <p:sp>
-        <p:nvSpPr>
-          <p:cNvPr id="4" name="TextBox 3">
-            <a:extLst>
-              <a:ext uri="{FF2B5EF4-FFF2-40B4-BE49-F238E27FC236}">
-                <a16:creationId xmlns:a16="http://schemas.microsoft.com/office/drawing/2014/main" id="{4057E531-0D37-412A-A825-2F31177D2057}"/>
-              </a:ext>
-            </a:extLst>
-          </p:cNvPr>
-          <p:cNvSpPr txBox="1"/>
-          <p:nvPr/>
-        </p:nvSpPr>
-        <p:spPr>
-          <a:xfrm>
-            <a:off x="808074" y="1530495"/>
-            <a:ext cx="8561868" cy="3350597"/>
-          </a:xfrm>
-          <a:prstGeom prst="rect">
-            <a:avLst/>
-          </a:prstGeom>
-          <a:noFill/>
-        </p:spPr>
-        <p:txBody>
-          <a:bodyPr wrap="square">
-            <a:spAutoFit/>
-          </a:bodyPr>
-          <a:lstStyle/>
-          <a:p>
-            <a:pPr marL="342900" marR="0" indent="-228600">
-              <a:lnSpc>
-                <a:spcPct val="107000"/>
-              </a:lnSpc>
-              <a:spcBef>
-                <a:spcPts val="0"/>
-              </a:spcBef>
-              <a:spcAft>
-                <a:spcPts val="800"/>
-              </a:spcAft>
-              <a:buAutoNum type="arabicPeriod"/>
-              <a:tabLst>
-                <a:tab pos="228600" algn="l"/>
-              </a:tabLst>
-            </a:pPr>
-            <a:r>
-              <a:rPr lang="en-US" dirty="0">
-                <a:effectLst/>
-                <a:latin typeface="Calibri" panose="020F0502020204030204" pitchFamily="34" charset="0"/>
-                <a:ea typeface="DengXian" panose="02010600030101010101" pitchFamily="2" charset="-122"/>
-                <a:cs typeface="Times New Roman" panose="02020603050405020304" pitchFamily="18" charset="0"/>
-              </a:rPr>
-              <a:t>The </a:t>
-            </a:r>
-            <a:r>
-              <a:rPr lang="en-US" dirty="0">
-                <a:latin typeface="Calibri" panose="020F0502020204030204" pitchFamily="34" charset="0"/>
-                <a:ea typeface="DengXian" panose="02010600030101010101" pitchFamily="2" charset="-122"/>
-                <a:cs typeface="Times New Roman" panose="02020603050405020304" pitchFamily="18" charset="0"/>
-              </a:rPr>
-              <a:t>c</a:t>
-            </a:r>
-            <a:r>
-              <a:rPr lang="en-US" dirty="0">
-                <a:effectLst/>
-                <a:latin typeface="Calibri" panose="020F0502020204030204" pitchFamily="34" charset="0"/>
-                <a:ea typeface="DengXian" panose="02010600030101010101" pitchFamily="2" charset="-122"/>
-                <a:cs typeface="Times New Roman" panose="02020603050405020304" pitchFamily="18" charset="0"/>
-              </a:rPr>
-              <a:t>limate change </a:t>
-            </a:r>
-            <a:r>
-              <a:rPr lang="en-US" dirty="0">
-                <a:latin typeface="Calibri" panose="020F0502020204030204" pitchFamily="34" charset="0"/>
-                <a:ea typeface="DengXian" panose="02010600030101010101" pitchFamily="2" charset="-122"/>
-                <a:cs typeface="Times New Roman" panose="02020603050405020304" pitchFamily="18" charset="0"/>
-              </a:rPr>
-              <a:t>of earth </a:t>
-            </a:r>
-            <a:r>
-              <a:rPr lang="en-US" dirty="0">
-                <a:effectLst/>
-                <a:latin typeface="Calibri" panose="020F0502020204030204" pitchFamily="34" charset="0"/>
-                <a:ea typeface="DengXian" panose="02010600030101010101" pitchFamily="2" charset="-122"/>
-                <a:cs typeface="Times New Roman" panose="02020603050405020304" pitchFamily="18" charset="0"/>
-              </a:rPr>
-              <a:t>is a complicated phenomenon, </a:t>
-            </a:r>
-            <a:r>
-              <a:rPr kumimoji="0" lang="en-US" sz="1800" b="0" i="0" u="none" strike="noStrike" kern="1200" cap="none" spc="0" normalizeH="0" baseline="0" noProof="0" dirty="0">
-                <a:ln>
-                  <a:noFill/>
-                </a:ln>
-                <a:solidFill>
-                  <a:prstClr val="black"/>
-                </a:solidFill>
-                <a:effectLst/>
-                <a:uLnTx/>
-                <a:uFillTx/>
-                <a:latin typeface="Calibri" panose="020F0502020204030204" pitchFamily="34" charset="0"/>
-                <a:ea typeface="DengXian" panose="02010600030101010101" pitchFamily="2" charset="-122"/>
-                <a:cs typeface="Times New Roman" panose="02020603050405020304" pitchFamily="18" charset="0"/>
-              </a:rPr>
-              <a:t>20 years of climate data is not big enough to give us a clear understanding. During the 20 years, we see many variations and fluctuations of mean temperature of each year. </a:t>
-            </a:r>
-          </a:p>
-          <a:p>
-            <a:pPr marL="342900" marR="0" indent="-228600">
-              <a:lnSpc>
-                <a:spcPct val="107000"/>
-              </a:lnSpc>
-              <a:spcBef>
-                <a:spcPts val="0"/>
-              </a:spcBef>
-              <a:spcAft>
-                <a:spcPts val="800"/>
-              </a:spcAft>
-              <a:buAutoNum type="arabicPeriod"/>
-              <a:tabLst>
-                <a:tab pos="228600" algn="l"/>
-              </a:tabLst>
-            </a:pPr>
-            <a:r>
-              <a:rPr lang="en-US" dirty="0">
-                <a:solidFill>
-                  <a:prstClr val="black"/>
-                </a:solidFill>
-                <a:latin typeface="Calibri" panose="020F0502020204030204" pitchFamily="34" charset="0"/>
-                <a:ea typeface="DengXian" panose="02010600030101010101" pitchFamily="2" charset="-122"/>
-                <a:cs typeface="Times New Roman" panose="02020603050405020304" pitchFamily="18" charset="0"/>
-              </a:rPr>
-              <a:t>Overall, most of the selected cities have increased mean temperature over 5 years compared with 15 years ago, it shows the trend of the earth temperature increase and the variations of the climate change.</a:t>
-            </a:r>
-            <a:endParaRPr lang="en-US" dirty="0">
-              <a:effectLst/>
-              <a:latin typeface="Calibri" panose="020F0502020204030204" pitchFamily="34" charset="0"/>
-              <a:ea typeface="DengXian" panose="02010600030101010101" pitchFamily="2" charset="-122"/>
-              <a:cs typeface="Times New Roman" panose="02020603050405020304" pitchFamily="18" charset="0"/>
-            </a:endParaRPr>
-          </a:p>
-          <a:p>
-            <a:pPr marL="342900" marR="0" indent="-228600">
-              <a:lnSpc>
-                <a:spcPct val="107000"/>
-              </a:lnSpc>
-              <a:spcBef>
-                <a:spcPts val="0"/>
-              </a:spcBef>
-              <a:spcAft>
-                <a:spcPts val="800"/>
-              </a:spcAft>
-              <a:buAutoNum type="arabicPeriod"/>
-              <a:tabLst>
-                <a:tab pos="228600" algn="l"/>
-              </a:tabLst>
-            </a:pPr>
-            <a:r>
-              <a:rPr lang="en-US" dirty="0">
-                <a:effectLst/>
-                <a:latin typeface="Calibri" panose="020F0502020204030204" pitchFamily="34" charset="0"/>
-                <a:ea typeface="DengXian" panose="02010600030101010101" pitchFamily="2" charset="-122"/>
-                <a:cs typeface="Times New Roman" panose="02020603050405020304" pitchFamily="18" charset="0"/>
-              </a:rPr>
-              <a:t>The 150 years of weather data of New York City shows a clear picture of the yearly mean temperature increase trend.</a:t>
-            </a:r>
-          </a:p>
-          <a:p>
-            <a:pPr marL="342900" marR="0" indent="-228600">
-              <a:lnSpc>
-                <a:spcPct val="107000"/>
-              </a:lnSpc>
-              <a:spcBef>
-                <a:spcPts val="0"/>
-              </a:spcBef>
-              <a:spcAft>
-                <a:spcPts val="800"/>
-              </a:spcAft>
-              <a:buAutoNum type="arabicPeriod"/>
-              <a:tabLst>
-                <a:tab pos="228600" algn="l"/>
-              </a:tabLst>
-            </a:pPr>
-            <a:r>
-              <a:rPr lang="en-US" dirty="0">
-                <a:latin typeface="Calibri" panose="020F0502020204030204" pitchFamily="34" charset="0"/>
-                <a:ea typeface="DengXian" panose="02010600030101010101" pitchFamily="2" charset="-122"/>
-                <a:cs typeface="Times New Roman" panose="02020603050405020304" pitchFamily="18" charset="0"/>
-              </a:rPr>
-              <a:t>The relationship between the CO</a:t>
-            </a:r>
-            <a:r>
-              <a:rPr lang="en-US" baseline="-25000" dirty="0">
-                <a:latin typeface="Calibri" panose="020F0502020204030204" pitchFamily="34" charset="0"/>
-                <a:ea typeface="DengXian" panose="02010600030101010101" pitchFamily="2" charset="-122"/>
-                <a:cs typeface="Times New Roman" panose="02020603050405020304" pitchFamily="18" charset="0"/>
-              </a:rPr>
-              <a:t>2</a:t>
-            </a:r>
-            <a:r>
-              <a:rPr lang="en-US" dirty="0">
-                <a:latin typeface="Calibri" panose="020F0502020204030204" pitchFamily="34" charset="0"/>
-                <a:ea typeface="DengXian" panose="02010600030101010101" pitchFamily="2" charset="-122"/>
-                <a:cs typeface="Times New Roman" panose="02020603050405020304" pitchFamily="18" charset="0"/>
-              </a:rPr>
-              <a:t> concentration in atmosphere and the mean temperature of earth still needs more research and waits for a better answer.</a:t>
-            </a:r>
-            <a:endParaRPr lang="en-US" dirty="0">
-              <a:effectLst/>
-              <a:latin typeface="Calibri" panose="020F0502020204030204" pitchFamily="34" charset="0"/>
-              <a:ea typeface="DengXian" panose="02010600030101010101" pitchFamily="2" charset="-122"/>
-              <a:cs typeface="Times New Roman" panose="02020603050405020304" pitchFamily="18" charset="0"/>
-            </a:endParaRPr>
-          </a:p>
-        </p:txBody>
-      </p:sp>
-    </p:spTree>
-    <p:extLst>
-      <p:ext uri="{BB962C8B-B14F-4D97-AF65-F5344CB8AC3E}">
-        <p14:creationId xmlns:p14="http://schemas.microsoft.com/office/powerpoint/2010/main" val="1572234178"/>
       </p:ext>
     </p:extLst>
   </p:cSld>
@@ -7425,6 +7799,284 @@
 </p:sld>
 </file>
 
+<file path=ppt/slides/slide20.xml><?xml version="1.0" encoding="utf-8"?>
+<p:sld xmlns:a="http://schemas.openxmlformats.org/drawingml/2006/main" xmlns:r="http://schemas.openxmlformats.org/officeDocument/2006/relationships" xmlns:p="http://schemas.openxmlformats.org/presentationml/2006/main">
+  <p:cSld>
+    <p:spTree>
+      <p:nvGrpSpPr>
+        <p:cNvPr id="1" name=""/>
+        <p:cNvGrpSpPr/>
+        <p:nvPr/>
+      </p:nvGrpSpPr>
+      <p:grpSpPr>
+        <a:xfrm>
+          <a:off x="0" y="0"/>
+          <a:ext cx="0" cy="0"/>
+          <a:chOff x="0" y="0"/>
+          <a:chExt cx="0" cy="0"/>
+        </a:xfrm>
+      </p:grpSpPr>
+      <p:sp>
+        <p:nvSpPr>
+          <p:cNvPr id="2" name="TextBox 1">
+            <a:extLst>
+              <a:ext uri="{FF2B5EF4-FFF2-40B4-BE49-F238E27FC236}">
+                <a16:creationId xmlns:a16="http://schemas.microsoft.com/office/drawing/2014/main" id="{E6913370-46A8-4ABD-8FFD-10912950475C}"/>
+              </a:ext>
+            </a:extLst>
+          </p:cNvPr>
+          <p:cNvSpPr txBox="1"/>
+          <p:nvPr/>
+        </p:nvSpPr>
+        <p:spPr>
+          <a:xfrm>
+            <a:off x="808074" y="584791"/>
+            <a:ext cx="1707519" cy="523220"/>
+          </a:xfrm>
+          <a:prstGeom prst="rect">
+            <a:avLst/>
+          </a:prstGeom>
+          <a:noFill/>
+        </p:spPr>
+        <p:txBody>
+          <a:bodyPr wrap="none" rtlCol="0">
+            <a:spAutoFit/>
+          </a:bodyPr>
+          <a:lstStyle/>
+          <a:p>
+            <a:r>
+              <a:rPr lang="en-US" sz="2800" b="1" dirty="0"/>
+              <a:t>Summary:</a:t>
+            </a:r>
+          </a:p>
+        </p:txBody>
+      </p:sp>
+      <p:sp>
+        <p:nvSpPr>
+          <p:cNvPr id="4" name="TextBox 3">
+            <a:extLst>
+              <a:ext uri="{FF2B5EF4-FFF2-40B4-BE49-F238E27FC236}">
+                <a16:creationId xmlns:a16="http://schemas.microsoft.com/office/drawing/2014/main" id="{4057E531-0D37-412A-A825-2F31177D2057}"/>
+              </a:ext>
+            </a:extLst>
+          </p:cNvPr>
+          <p:cNvSpPr txBox="1"/>
+          <p:nvPr/>
+        </p:nvSpPr>
+        <p:spPr>
+          <a:xfrm>
+            <a:off x="808074" y="1530495"/>
+            <a:ext cx="8561868" cy="3350597"/>
+          </a:xfrm>
+          <a:prstGeom prst="rect">
+            <a:avLst/>
+          </a:prstGeom>
+          <a:noFill/>
+        </p:spPr>
+        <p:txBody>
+          <a:bodyPr wrap="square">
+            <a:spAutoFit/>
+          </a:bodyPr>
+          <a:lstStyle/>
+          <a:p>
+            <a:pPr marL="342900" marR="0" indent="-228600">
+              <a:lnSpc>
+                <a:spcPct val="107000"/>
+              </a:lnSpc>
+              <a:spcBef>
+                <a:spcPts val="0"/>
+              </a:spcBef>
+              <a:spcAft>
+                <a:spcPts val="800"/>
+              </a:spcAft>
+              <a:buAutoNum type="arabicPeriod"/>
+              <a:tabLst>
+                <a:tab pos="228600" algn="l"/>
+              </a:tabLst>
+            </a:pPr>
+            <a:r>
+              <a:rPr lang="en-US" dirty="0">
+                <a:effectLst/>
+                <a:latin typeface="Calibri" panose="020F0502020204030204" pitchFamily="34" charset="0"/>
+                <a:ea typeface="DengXian" panose="02010600030101010101" pitchFamily="2" charset="-122"/>
+                <a:cs typeface="Times New Roman" panose="02020603050405020304" pitchFamily="18" charset="0"/>
+              </a:rPr>
+              <a:t>The </a:t>
+            </a:r>
+            <a:r>
+              <a:rPr lang="en-US" dirty="0">
+                <a:latin typeface="Calibri" panose="020F0502020204030204" pitchFamily="34" charset="0"/>
+                <a:ea typeface="DengXian" panose="02010600030101010101" pitchFamily="2" charset="-122"/>
+                <a:cs typeface="Times New Roman" panose="02020603050405020304" pitchFamily="18" charset="0"/>
+              </a:rPr>
+              <a:t>c</a:t>
+            </a:r>
+            <a:r>
+              <a:rPr lang="en-US" dirty="0">
+                <a:effectLst/>
+                <a:latin typeface="Calibri" panose="020F0502020204030204" pitchFamily="34" charset="0"/>
+                <a:ea typeface="DengXian" panose="02010600030101010101" pitchFamily="2" charset="-122"/>
+                <a:cs typeface="Times New Roman" panose="02020603050405020304" pitchFamily="18" charset="0"/>
+              </a:rPr>
+              <a:t>limate change </a:t>
+            </a:r>
+            <a:r>
+              <a:rPr lang="en-US" dirty="0">
+                <a:latin typeface="Calibri" panose="020F0502020204030204" pitchFamily="34" charset="0"/>
+                <a:ea typeface="DengXian" panose="02010600030101010101" pitchFamily="2" charset="-122"/>
+                <a:cs typeface="Times New Roman" panose="02020603050405020304" pitchFamily="18" charset="0"/>
+              </a:rPr>
+              <a:t>of earth </a:t>
+            </a:r>
+            <a:r>
+              <a:rPr lang="en-US" dirty="0">
+                <a:effectLst/>
+                <a:latin typeface="Calibri" panose="020F0502020204030204" pitchFamily="34" charset="0"/>
+                <a:ea typeface="DengXian" panose="02010600030101010101" pitchFamily="2" charset="-122"/>
+                <a:cs typeface="Times New Roman" panose="02020603050405020304" pitchFamily="18" charset="0"/>
+              </a:rPr>
+              <a:t>is a complicated phenomenon, </a:t>
+            </a:r>
+            <a:r>
+              <a:rPr kumimoji="0" lang="en-US" sz="1800" b="0" i="0" u="none" strike="noStrike" kern="1200" cap="none" spc="0" normalizeH="0" baseline="0" noProof="0" dirty="0">
+                <a:ln>
+                  <a:noFill/>
+                </a:ln>
+                <a:solidFill>
+                  <a:prstClr val="black"/>
+                </a:solidFill>
+                <a:effectLst/>
+                <a:uLnTx/>
+                <a:uFillTx/>
+                <a:latin typeface="Calibri" panose="020F0502020204030204" pitchFamily="34" charset="0"/>
+                <a:ea typeface="DengXian" panose="02010600030101010101" pitchFamily="2" charset="-122"/>
+                <a:cs typeface="Times New Roman" panose="02020603050405020304" pitchFamily="18" charset="0"/>
+              </a:rPr>
+              <a:t>20 years of climate data is not big enough to give us a clear understanding. During the 20 years, we see many variations and fluctuations of mean temperature of each year. </a:t>
+            </a:r>
+          </a:p>
+          <a:p>
+            <a:pPr marL="342900" marR="0" indent="-228600">
+              <a:lnSpc>
+                <a:spcPct val="107000"/>
+              </a:lnSpc>
+              <a:spcBef>
+                <a:spcPts val="0"/>
+              </a:spcBef>
+              <a:spcAft>
+                <a:spcPts val="800"/>
+              </a:spcAft>
+              <a:buAutoNum type="arabicPeriod"/>
+              <a:tabLst>
+                <a:tab pos="228600" algn="l"/>
+              </a:tabLst>
+            </a:pPr>
+            <a:r>
+              <a:rPr lang="en-US" dirty="0">
+                <a:solidFill>
+                  <a:prstClr val="black"/>
+                </a:solidFill>
+                <a:latin typeface="Calibri" panose="020F0502020204030204" pitchFamily="34" charset="0"/>
+                <a:ea typeface="DengXian" panose="02010600030101010101" pitchFamily="2" charset="-122"/>
+                <a:cs typeface="Times New Roman" panose="02020603050405020304" pitchFamily="18" charset="0"/>
+              </a:rPr>
+              <a:t>Overall, most of the selected cities have increased mean temperature over 5 years compared with 15 years ago, it shows the trend of the earth temperature increase and the variations of the climate change.</a:t>
+            </a:r>
+            <a:endParaRPr lang="en-US" dirty="0">
+              <a:effectLst/>
+              <a:latin typeface="Calibri" panose="020F0502020204030204" pitchFamily="34" charset="0"/>
+              <a:ea typeface="DengXian" panose="02010600030101010101" pitchFamily="2" charset="-122"/>
+              <a:cs typeface="Times New Roman" panose="02020603050405020304" pitchFamily="18" charset="0"/>
+            </a:endParaRPr>
+          </a:p>
+          <a:p>
+            <a:pPr marL="342900" marR="0" indent="-228600">
+              <a:lnSpc>
+                <a:spcPct val="107000"/>
+              </a:lnSpc>
+              <a:spcBef>
+                <a:spcPts val="0"/>
+              </a:spcBef>
+              <a:spcAft>
+                <a:spcPts val="800"/>
+              </a:spcAft>
+              <a:buAutoNum type="arabicPeriod"/>
+              <a:tabLst>
+                <a:tab pos="228600" algn="l"/>
+              </a:tabLst>
+            </a:pPr>
+            <a:r>
+              <a:rPr lang="en-US" dirty="0">
+                <a:effectLst/>
+                <a:latin typeface="Calibri" panose="020F0502020204030204" pitchFamily="34" charset="0"/>
+                <a:ea typeface="DengXian" panose="02010600030101010101" pitchFamily="2" charset="-122"/>
+                <a:cs typeface="Times New Roman" panose="02020603050405020304" pitchFamily="18" charset="0"/>
+              </a:rPr>
+              <a:t>The 150 years of weather data of New York City shows a clear picture of the yearly mean temperature increase trend.</a:t>
+            </a:r>
+          </a:p>
+          <a:p>
+            <a:pPr marL="342900" marR="0" indent="-228600">
+              <a:lnSpc>
+                <a:spcPct val="107000"/>
+              </a:lnSpc>
+              <a:spcBef>
+                <a:spcPts val="0"/>
+              </a:spcBef>
+              <a:spcAft>
+                <a:spcPts val="800"/>
+              </a:spcAft>
+              <a:buAutoNum type="arabicPeriod"/>
+              <a:tabLst>
+                <a:tab pos="228600" algn="l"/>
+              </a:tabLst>
+            </a:pPr>
+            <a:r>
+              <a:rPr lang="en-US" dirty="0">
+                <a:latin typeface="Calibri" panose="020F0502020204030204" pitchFamily="34" charset="0"/>
+                <a:ea typeface="DengXian" panose="02010600030101010101" pitchFamily="2" charset="-122"/>
+                <a:cs typeface="Times New Roman" panose="02020603050405020304" pitchFamily="18" charset="0"/>
+              </a:rPr>
+              <a:t>The relationship between the CO</a:t>
+            </a:r>
+            <a:r>
+              <a:rPr lang="en-US" baseline="-25000" dirty="0">
+                <a:latin typeface="Calibri" panose="020F0502020204030204" pitchFamily="34" charset="0"/>
+                <a:ea typeface="DengXian" panose="02010600030101010101" pitchFamily="2" charset="-122"/>
+                <a:cs typeface="Times New Roman" panose="02020603050405020304" pitchFamily="18" charset="0"/>
+              </a:rPr>
+              <a:t>2</a:t>
+            </a:r>
+            <a:r>
+              <a:rPr lang="en-US" dirty="0">
+                <a:latin typeface="Calibri" panose="020F0502020204030204" pitchFamily="34" charset="0"/>
+                <a:ea typeface="DengXian" panose="02010600030101010101" pitchFamily="2" charset="-122"/>
+                <a:cs typeface="Times New Roman" panose="02020603050405020304" pitchFamily="18" charset="0"/>
+              </a:rPr>
+              <a:t> concentration in atmosphere and the mean temperature of earth still needs more research and waits for a better answer.</a:t>
+            </a:r>
+            <a:endParaRPr lang="en-US" dirty="0">
+              <a:effectLst/>
+              <a:latin typeface="Calibri" panose="020F0502020204030204" pitchFamily="34" charset="0"/>
+              <a:ea typeface="DengXian" panose="02010600030101010101" pitchFamily="2" charset="-122"/>
+              <a:cs typeface="Times New Roman" panose="02020603050405020304" pitchFamily="18" charset="0"/>
+            </a:endParaRPr>
+          </a:p>
+        </p:txBody>
+      </p:sp>
+    </p:spTree>
+    <p:extLst>
+      <p:ext uri="{BB962C8B-B14F-4D97-AF65-F5344CB8AC3E}">
+        <p14:creationId xmlns:p14="http://schemas.microsoft.com/office/powerpoint/2010/main" val="1572234178"/>
+      </p:ext>
+    </p:extLst>
+  </p:cSld>
+  <p:clrMapOvr>
+    <a:masterClrMapping/>
+  </p:clrMapOvr>
+</p:sld>
+</file>
+
 <file path=ppt/slides/slide3.xml><?xml version="1.0" encoding="utf-8"?>
 <p:sld xmlns:a="http://schemas.openxmlformats.org/drawingml/2006/main" xmlns:r="http://schemas.openxmlformats.org/officeDocument/2006/relationships" xmlns:p="http://schemas.openxmlformats.org/presentationml/2006/main">
   <p:cSld>
@@ -7472,7 +8124,7 @@
           <a:p>
             <a:r>
               <a:rPr lang="en-US" dirty="0"/>
-              <a:t>Totally 19 cities were selected to see the mean temperature change over the 20 years (1995-2015) </a:t>
+              <a:t>Totally 20 cities were selected to see the mean temperature change over the 20 years (1995-2015) </a:t>
             </a:r>
           </a:p>
         </p:txBody>
@@ -8493,7 +9145,7 @@
         </p:nvSpPr>
         <p:spPr>
           <a:xfrm>
-            <a:off x="4869712" y="5846120"/>
+            <a:off x="5050466" y="5516511"/>
             <a:ext cx="3811941" cy="646331"/>
           </a:xfrm>
           <a:prstGeom prst="rect">
@@ -8572,8 +9224,8 @@
         </p:nvSpPr>
         <p:spPr>
           <a:xfrm>
-            <a:off x="560866" y="533408"/>
-            <a:ext cx="9401839" cy="5447966"/>
+            <a:off x="911741" y="923967"/>
+            <a:ext cx="8817050" cy="4851456"/>
           </a:xfrm>
           <a:prstGeom prst="rect">
             <a:avLst/>
@@ -8601,7 +9253,7 @@
               </a:tabLst>
             </a:pPr>
             <a:r>
-              <a:rPr lang="en-US" b="1" dirty="0">
+              <a:rPr lang="en-US" sz="2400" b="1" dirty="0">
                 <a:effectLst/>
                 <a:latin typeface="Calibri" panose="020F0502020204030204" pitchFamily="34" charset="0"/>
                 <a:ea typeface="DengXian" panose="02010600030101010101" pitchFamily="2" charset="-122"/>
@@ -8609,7 +9261,7 @@
               </a:rPr>
               <a:t>Hypothesis Test:</a:t>
             </a:r>
-            <a:endParaRPr lang="en-US" dirty="0">
+            <a:endParaRPr lang="en-US" sz="2400" dirty="0">
               <a:effectLst/>
               <a:latin typeface="Calibri" panose="020F0502020204030204" pitchFamily="34" charset="0"/>
               <a:ea typeface="DengXian" panose="02010600030101010101" pitchFamily="2" charset="-122"/>
@@ -8631,15 +9283,12 @@
                 <a:tab pos="228600" algn="l"/>
               </a:tabLst>
             </a:pPr>
-            <a:r>
-              <a:rPr lang="en-US" dirty="0">
-                <a:effectLst/>
-                <a:latin typeface="Calibri" panose="020F0502020204030204" pitchFamily="34" charset="0"/>
-                <a:ea typeface="DengXian" panose="02010600030101010101" pitchFamily="2" charset="-122"/>
-                <a:cs typeface="Times New Roman" panose="02020603050405020304" pitchFamily="18" charset="0"/>
-              </a:rPr>
-              <a:t>Assumption: there is no temperature change during the 20 years. The yearly mean temperatures of each city follows the standard distribution. </a:t>
-            </a:r>
+            <a:endParaRPr lang="en-US" dirty="0">
+              <a:effectLst/>
+              <a:latin typeface="Calibri" panose="020F0502020204030204" pitchFamily="34" charset="0"/>
+              <a:ea typeface="DengXian" panose="02010600030101010101" pitchFamily="2" charset="-122"/>
+              <a:cs typeface="Times New Roman" panose="02020603050405020304" pitchFamily="18" charset="0"/>
+            </a:endParaRPr>
           </a:p>
           <a:p>
             <a:pPr marL="0" marR="0">
@@ -8657,22 +9306,13 @@
               </a:tabLst>
             </a:pPr>
             <a:r>
-              <a:rPr lang="en-US">
-                <a:effectLst/>
-                <a:latin typeface="Calibri" panose="020F0502020204030204" pitchFamily="34" charset="0"/>
-                <a:ea typeface="DengXian" panose="02010600030101010101" pitchFamily="2" charset="-122"/>
-                <a:cs typeface="Times New Roman" panose="02020603050405020304" pitchFamily="18" charset="0"/>
-              </a:rPr>
-              <a:t>Use average of </a:t>
-            </a:r>
-            <a:r>
               <a:rPr lang="en-US" dirty="0">
                 <a:effectLst/>
                 <a:latin typeface="Calibri" panose="020F0502020204030204" pitchFamily="34" charset="0"/>
                 <a:ea typeface="DengXian" panose="02010600030101010101" pitchFamily="2" charset="-122"/>
                 <a:cs typeface="Times New Roman" panose="02020603050405020304" pitchFamily="18" charset="0"/>
               </a:rPr>
-              <a:t>the 20 years temperature and the standard deviation of the yearly mean temperature of each city to generate 10000 data (as the sample pool of the yearly mean temperature) for each city.</a:t>
+              <a:t>Assumption: there was no temperature change during the 20 years. The yearly mean temperatures of each city followed the standard distribution. </a:t>
             </a:r>
           </a:p>
           <a:p>
@@ -8690,6 +9330,25 @@
                 <a:tab pos="228600" algn="l"/>
               </a:tabLst>
             </a:pPr>
+            <a:endParaRPr lang="en-US" dirty="0">
+              <a:effectLst/>
+              <a:latin typeface="Calibri" panose="020F0502020204030204" pitchFamily="34" charset="0"/>
+              <a:ea typeface="DengXian" panose="02010600030101010101" pitchFamily="2" charset="-122"/>
+              <a:cs typeface="Times New Roman" panose="02020603050405020304" pitchFamily="18" charset="0"/>
+            </a:endParaRPr>
+          </a:p>
+          <a:p>
+            <a:pPr>
+              <a:lnSpc>
+                <a:spcPct val="107000"/>
+              </a:lnSpc>
+              <a:spcAft>
+                <a:spcPts val="800"/>
+              </a:spcAft>
+              <a:tabLst>
+                <a:tab pos="228600" algn="l"/>
+              </a:tabLst>
+            </a:pPr>
             <a:r>
               <a:rPr lang="en-US" dirty="0">
                 <a:effectLst/>
@@ -8697,15 +9356,28 @@
                 <a:ea typeface="DengXian" panose="02010600030101010101" pitchFamily="2" charset="-122"/>
                 <a:cs typeface="Times New Roman" panose="02020603050405020304" pitchFamily="18" charset="0"/>
               </a:rPr>
-              <a:t>Random</a:t>
-            </a:r>
+              <a:t>Permutation: </a:t>
+            </a:r>
+          </a:p>
+          <a:p>
+            <a:pPr>
+              <a:lnSpc>
+                <a:spcPct val="107000"/>
+              </a:lnSpc>
+              <a:spcAft>
+                <a:spcPts val="800"/>
+              </a:spcAft>
+              <a:tabLst>
+                <a:tab pos="228600" algn="l"/>
+              </a:tabLst>
+            </a:pPr>
             <a:r>
               <a:rPr lang="en-US" dirty="0">
                 <a:latin typeface="Calibri" panose="020F0502020204030204" pitchFamily="34" charset="0"/>
                 <a:ea typeface="DengXian" panose="02010600030101010101" pitchFamily="2" charset="-122"/>
                 <a:cs typeface="Times New Roman" panose="02020603050405020304" pitchFamily="18" charset="0"/>
               </a:rPr>
-              <a:t>ly </a:t>
+              <a:t>1. Use the average </a:t>
             </a:r>
             <a:r>
               <a:rPr lang="en-US" dirty="0">
@@ -8714,7 +9386,25 @@
                 <a:ea typeface="DengXian" panose="02010600030101010101" pitchFamily="2" charset="-122"/>
                 <a:cs typeface="Times New Roman" panose="02020603050405020304" pitchFamily="18" charset="0"/>
               </a:rPr>
-              <a:t>pick 5 data (5a) from the pool as the yearly mean temperature of 1995-1999, and other 5 data (5b) as the those of 2010-2014.</a:t>
+              <a:t>of 20 years temperature and the standard deviation of the yearly mean temperature of each city to generate 10000 data (as the sample pool of the yearly mean temperature</a:t>
+            </a:r>
+            <a:r>
+              <a:rPr lang="en-US" altLang="zh-CN" dirty="0">
+                <a:effectLst/>
+                <a:latin typeface="Calibri" panose="020F0502020204030204" pitchFamily="34" charset="0"/>
+                <a:ea typeface="DengXian" panose="02010600030101010101" pitchFamily="2" charset="-122"/>
+                <a:cs typeface="Times New Roman" panose="02020603050405020304" pitchFamily="18" charset="0"/>
+              </a:rPr>
+              <a:t>s</a:t>
+            </a:r>
+            <a:r>
+              <a:rPr lang="en-US" dirty="0">
+                <a:effectLst/>
+                <a:latin typeface="Calibri" panose="020F0502020204030204" pitchFamily="34" charset="0"/>
+                <a:ea typeface="DengXian" panose="02010600030101010101" pitchFamily="2" charset="-122"/>
+                <a:cs typeface="Times New Roman" panose="02020603050405020304" pitchFamily="18" charset="0"/>
+              </a:rPr>
+              <a:t>) for each city.</a:t>
             </a:r>
           </a:p>
           <a:p>
@@ -8732,15 +9422,12 @@
                 <a:tab pos="228600" algn="l"/>
               </a:tabLst>
             </a:pPr>
-            <a:r>
-              <a:rPr lang="en-US" dirty="0">
-                <a:effectLst/>
-                <a:latin typeface="Calibri" panose="020F0502020204030204" pitchFamily="34" charset="0"/>
-                <a:ea typeface="DengXian" panose="02010600030101010101" pitchFamily="2" charset="-122"/>
-                <a:cs typeface="Times New Roman" panose="02020603050405020304" pitchFamily="18" charset="0"/>
-              </a:rPr>
-              <a:t>c=Average of 20 cities of Mean(5a)-Mean(5b)</a:t>
-            </a:r>
+            <a:endParaRPr lang="en-US" dirty="0">
+              <a:effectLst/>
+              <a:latin typeface="Calibri" panose="020F0502020204030204" pitchFamily="34" charset="0"/>
+              <a:ea typeface="DengXian" panose="02010600030101010101" pitchFamily="2" charset="-122"/>
+              <a:cs typeface="Times New Roman" panose="02020603050405020304" pitchFamily="18" charset="0"/>
+            </a:endParaRPr>
           </a:p>
           <a:p>
             <a:pPr marL="0" marR="0">
@@ -8764,7 +9451,24 @@
                 <a:ea typeface="DengXian" panose="02010600030101010101" pitchFamily="2" charset="-122"/>
                 <a:cs typeface="Times New Roman" panose="02020603050405020304" pitchFamily="18" charset="0"/>
               </a:rPr>
-              <a:t>I repeated 1000 times and obtained a list of c. </a:t>
+              <a:t>2. Random</a:t>
+            </a:r>
+            <a:r>
+              <a:rPr lang="en-US" dirty="0">
+                <a:latin typeface="Calibri" panose="020F0502020204030204" pitchFamily="34" charset="0"/>
+                <a:ea typeface="DengXian" panose="02010600030101010101" pitchFamily="2" charset="-122"/>
+                <a:cs typeface="Times New Roman" panose="02020603050405020304" pitchFamily="18" charset="0"/>
+              </a:rPr>
+              <a:t>ly </a:t>
+            </a:r>
+            <a:r>
+              <a:rPr lang="en-US" dirty="0">
+                <a:effectLst/>
+                <a:latin typeface="Calibri" panose="020F0502020204030204" pitchFamily="34" charset="0"/>
+                <a:ea typeface="DengXian" panose="02010600030101010101" pitchFamily="2" charset="-122"/>
+                <a:cs typeface="Times New Roman" panose="02020603050405020304" pitchFamily="18" charset="0"/>
+              </a:rPr>
+              <a:t>pick 5 data (5a) from the pool as the yearly mean temperature of 1995-1999, and other 5 data (5b) as the those of 2010-2014.</a:t>
             </a:r>
           </a:p>
           <a:p>
@@ -8784,131 +9488,13 @@
             </a:pPr>
             <a:r>
               <a:rPr lang="en-US" dirty="0">
-                <a:effectLst/>
                 <a:latin typeface="Calibri" panose="020F0502020204030204" pitchFamily="34" charset="0"/>
                 <a:ea typeface="DengXian" panose="02010600030101010101" pitchFamily="2" charset="-122"/>
                 <a:cs typeface="Times New Roman" panose="02020603050405020304" pitchFamily="18" charset="0"/>
               </a:rPr>
-              <a:t>5% -95% of c is between -0.27 and 0.27 (</a:t>
-            </a:r>
-            <a:r>
-              <a:rPr lang="en-US" dirty="0">
-                <a:effectLst/>
-                <a:latin typeface="Calibri" panose="020F0502020204030204" pitchFamily="34" charset="0"/>
-                <a:ea typeface="DengXian" panose="02010600030101010101" pitchFamily="2" charset="-122"/>
-                <a:cs typeface="Calibri" panose="020F0502020204030204" pitchFamily="34" charset="0"/>
-              </a:rPr>
-              <a:t>°</a:t>
-            </a:r>
-            <a:r>
-              <a:rPr lang="en-US" dirty="0">
-                <a:effectLst/>
-                <a:latin typeface="Calibri" panose="020F0502020204030204" pitchFamily="34" charset="0"/>
-                <a:ea typeface="DengXian" panose="02010600030101010101" pitchFamily="2" charset="-122"/>
-                <a:cs typeface="Times New Roman" panose="02020603050405020304" pitchFamily="18" charset="0"/>
-              </a:rPr>
-              <a:t>F)</a:t>
-            </a:r>
-          </a:p>
-          <a:p>
-            <a:pPr marL="0" marR="0">
-              <a:lnSpc>
-                <a:spcPct val="107000"/>
-              </a:lnSpc>
-              <a:spcBef>
-                <a:spcPts val="0"/>
-              </a:spcBef>
-              <a:spcAft>
-                <a:spcPts val="800"/>
-              </a:spcAft>
-              <a:tabLst>
-                <a:tab pos="228600" algn="l"/>
-              </a:tabLst>
-            </a:pPr>
-            <a:r>
-              <a:rPr lang="en-US" dirty="0">
-                <a:effectLst/>
-                <a:latin typeface="Calibri" panose="020F0502020204030204" pitchFamily="34" charset="0"/>
-                <a:ea typeface="DengXian" panose="02010600030101010101" pitchFamily="2" charset="-122"/>
-                <a:cs typeface="Times New Roman" panose="02020603050405020304" pitchFamily="18" charset="0"/>
-              </a:rPr>
-              <a:t>1% -99% of c is between -0.41 and 0.41 (</a:t>
-            </a:r>
-            <a:r>
-              <a:rPr lang="en-US" dirty="0">
-                <a:effectLst/>
-                <a:latin typeface="Calibri" panose="020F0502020204030204" pitchFamily="34" charset="0"/>
-                <a:ea typeface="DengXian" panose="02010600030101010101" pitchFamily="2" charset="-122"/>
-                <a:cs typeface="Calibri" panose="020F0502020204030204" pitchFamily="34" charset="0"/>
-              </a:rPr>
-              <a:t>°</a:t>
-            </a:r>
-            <a:r>
-              <a:rPr lang="en-US" dirty="0">
-                <a:effectLst/>
-                <a:latin typeface="Calibri" panose="020F0502020204030204" pitchFamily="34" charset="0"/>
-                <a:ea typeface="DengXian" panose="02010600030101010101" pitchFamily="2" charset="-122"/>
-                <a:cs typeface="Times New Roman" panose="02020603050405020304" pitchFamily="18" charset="0"/>
-              </a:rPr>
-              <a:t>F)</a:t>
-            </a:r>
-          </a:p>
-          <a:p>
-            <a:pPr marL="0" marR="0">
-              <a:lnSpc>
-                <a:spcPct val="107000"/>
-              </a:lnSpc>
-              <a:spcBef>
-                <a:spcPts val="0"/>
-              </a:spcBef>
-              <a:spcAft>
-                <a:spcPts val="800"/>
-              </a:spcAft>
-              <a:tabLst>
-                <a:tab pos="228600" algn="l"/>
-              </a:tabLst>
-            </a:pPr>
-            <a:r>
-              <a:rPr lang="en-US" dirty="0">
-                <a:effectLst/>
-                <a:latin typeface="Calibri" panose="020F0502020204030204" pitchFamily="34" charset="0"/>
-                <a:ea typeface="DengXian" panose="02010600030101010101" pitchFamily="2" charset="-122"/>
-                <a:cs typeface="Times New Roman" panose="02020603050405020304" pitchFamily="18" charset="0"/>
-              </a:rPr>
-              <a:t>0.66 (°F) from the real data of 20 cities. It is well above 99% of the possible data. </a:t>
-            </a:r>
-          </a:p>
-          <a:p>
-            <a:pPr marL="0" marR="0">
-              <a:lnSpc>
-                <a:spcPct val="107000"/>
-              </a:lnSpc>
-              <a:spcBef>
-                <a:spcPts val="0"/>
-              </a:spcBef>
-              <a:spcAft>
-                <a:spcPts val="800"/>
-              </a:spcAft>
-              <a:tabLst>
-                <a:tab pos="228600" algn="l"/>
-              </a:tabLst>
-            </a:pPr>
-            <a:r>
-              <a:rPr lang="en-US" b="1" dirty="0">
-                <a:solidFill>
-                  <a:srgbClr val="FF0000"/>
-                </a:solidFill>
-                <a:effectLst/>
-                <a:latin typeface="Calibri" panose="020F0502020204030204" pitchFamily="34" charset="0"/>
-                <a:ea typeface="DengXian" panose="02010600030101010101" pitchFamily="2" charset="-122"/>
-                <a:cs typeface="Times New Roman" panose="02020603050405020304" pitchFamily="18" charset="0"/>
-              </a:rPr>
-              <a:t>The original hypothesis that there was no climate change is wrong. The overall temperature of 20 cities increased during the years of 1995-2014. </a:t>
+              <a:t>    ΔT = Mean(5b)-Mean(5a)</a:t>
             </a:r>
             <a:endParaRPr lang="en-US" dirty="0">
-              <a:solidFill>
-                <a:srgbClr val="FF0000"/>
-              </a:solidFill>
               <a:effectLst/>
               <a:latin typeface="Calibri" panose="020F0502020204030204" pitchFamily="34" charset="0"/>
               <a:ea typeface="DengXian" panose="02010600030101010101" pitchFamily="2" charset="-122"/>

--- a/Capstone_Presentation_Climate.pptx
+++ b/Capstone_Presentation_Climate.pptx
@@ -6163,7 +6163,7 @@
         <p:spPr>
           <a:xfrm>
             <a:off x="1007434" y="1657540"/>
-            <a:ext cx="7753793" cy="4443011"/>
+            <a:ext cx="9518799" cy="4545603"/>
           </a:xfrm>
           <a:prstGeom prst="rect">
             <a:avLst/>
@@ -6338,7 +6338,7 @@
                 <a:ea typeface="DengXian" panose="02010600030101010101" pitchFamily="2" charset="-122"/>
                 <a:cs typeface="Times New Roman" panose="02020603050405020304" pitchFamily="18" charset="0"/>
               </a:rPr>
-              <a:t>Gradient Boosting: Train Score = 0.969, Test Score= 0.930, MAE= 2.89</a:t>
+              <a:t>Gradient Boosting: Train Score = 0.969, Test Score= 0.931, MAE= 2.89</a:t>
             </a:r>
             <a:r>
               <a:rPr lang="en-US" sz="1600" dirty="0">
@@ -6397,7 +6397,7 @@
                 <a:ea typeface="DengXian" panose="02010600030101010101" pitchFamily="2" charset="-122"/>
                 <a:cs typeface="Times New Roman" panose="02020603050405020304" pitchFamily="18" charset="0"/>
               </a:rPr>
-              <a:t>Random Forest: Test Score= 0.928, MAE= 2.95</a:t>
+              <a:t>Random Forest: Test Score= 0.929, MAE= 2.95</a:t>
             </a:r>
             <a:r>
               <a:rPr lang="en-US" sz="1600" dirty="0">
@@ -6450,12 +6450,11 @@
             </a:pPr>
             <a:r>
               <a:rPr lang="en-US" sz="1600" dirty="0">
-                <a:effectLst/>
                 <a:latin typeface="Calibri" panose="020F0502020204030204" pitchFamily="34" charset="0"/>
                 <a:ea typeface="DengXian" panose="02010600030101010101" pitchFamily="2" charset="-122"/>
                 <a:cs typeface="Times New Roman" panose="02020603050405020304" pitchFamily="18" charset="0"/>
               </a:rPr>
-              <a:t>Gradient Boosting cannot give a future temperature prediction (like 2100), only Linear Regression works well.</a:t>
+              <a:t>Prediction of Year 2100 (Jan-Dec, (yearly mean)) : </a:t>
             </a:r>
           </a:p>
           <a:p>
@@ -6470,11 +6469,14 @@
                 <a:spcPts val="800"/>
               </a:spcAft>
             </a:pPr>
-            <a:endParaRPr lang="en-US" sz="1600" dirty="0">
-              <a:latin typeface="Calibri" panose="020F0502020204030204" pitchFamily="34" charset="0"/>
-              <a:ea typeface="DengXian" panose="02010600030101010101" pitchFamily="2" charset="-122"/>
-              <a:cs typeface="Times New Roman" panose="02020603050405020304" pitchFamily="18" charset="0"/>
-            </a:endParaRPr>
+            <a:r>
+              <a:rPr lang="en-US" sz="1600" dirty="0">
+                <a:latin typeface="Calibri" panose="020F0502020204030204" pitchFamily="34" charset="0"/>
+                <a:ea typeface="DengXian" panose="02010600030101010101" pitchFamily="2" charset="-122"/>
+                <a:cs typeface="Times New Roman" panose="02020603050405020304" pitchFamily="18" charset="0"/>
+              </a:rPr>
+              <a:t>Linear Regression: 36.7, 37.3, 45.0, 55.7, 66.8, 75.9, 81.1,79.4, 72.8, 62.1, 50.9, 40.5.  (58.7)</a:t>
+            </a:r>
           </a:p>
           <a:p>
             <a:pPr marL="57150" marR="0" indent="57150">
@@ -6488,6 +6490,35 @@
                 <a:spcPts val="800"/>
               </a:spcAft>
             </a:pPr>
+            <a:r>
+              <a:rPr lang="en-US" sz="1600" dirty="0">
+                <a:latin typeface="Calibri" panose="020F0502020204030204" pitchFamily="34" charset="0"/>
+                <a:ea typeface="DengXian" panose="02010600030101010101" pitchFamily="2" charset="-122"/>
+                <a:cs typeface="Times New Roman" panose="02020603050405020304" pitchFamily="18" charset="0"/>
+              </a:rPr>
+              <a:t>Gradient Boosting: 33.8,  34.7, 42.3,  52.8,  62.8, 71.3, 76.3, 74.7, 67.9, 57.2, 47.9, 29.7.  (54.3)</a:t>
+            </a:r>
+          </a:p>
+          <a:p>
+            <a:pPr marL="57150" marR="0" indent="57150">
+              <a:lnSpc>
+                <a:spcPct val="107000"/>
+              </a:lnSpc>
+              <a:spcBef>
+                <a:spcPts val="0"/>
+              </a:spcBef>
+              <a:spcAft>
+                <a:spcPts val="800"/>
+              </a:spcAft>
+            </a:pPr>
+            <a:r>
+              <a:rPr lang="en-US" sz="1600" dirty="0">
+                <a:latin typeface="Calibri" panose="020F0502020204030204" pitchFamily="34" charset="0"/>
+                <a:ea typeface="DengXian" panose="02010600030101010101" pitchFamily="2" charset="-122"/>
+                <a:cs typeface="Times New Roman" panose="02020603050405020304" pitchFamily="18" charset="0"/>
+              </a:rPr>
+              <a:t>Year 2018: 31.7, 42, 40.1, 49.5, 66.9, 71.7, 77.6, 78.1, 70.7,  57.7,	44.4, 40.1.  (55.9)</a:t>
+            </a:r>
             <a:endParaRPr lang="en-US" sz="1600" dirty="0">
               <a:effectLst/>
               <a:latin typeface="Calibri" panose="020F0502020204030204" pitchFamily="34" charset="0"/>
